--- a/Microservices Architecture.pptx
+++ b/Microservices Architecture.pptx
@@ -5,7 +5,7 @@
     <p:sldMasterId id="2147483677" r:id="rId1"/>
   </p:sldMasterIdLst>
   <p:notesMasterIdLst>
-    <p:notesMasterId r:id="rId19"/>
+    <p:notesMasterId r:id="rId21"/>
   </p:notesMasterIdLst>
   <p:sldIdLst>
     <p:sldId id="260" r:id="rId2"/>
@@ -19,12 +19,14 @@
     <p:sldId id="307" r:id="rId10"/>
     <p:sldId id="308" r:id="rId11"/>
     <p:sldId id="309" r:id="rId12"/>
-    <p:sldId id="310" r:id="rId13"/>
-    <p:sldId id="311" r:id="rId14"/>
-    <p:sldId id="303" r:id="rId15"/>
-    <p:sldId id="312" r:id="rId16"/>
-    <p:sldId id="302" r:id="rId17"/>
-    <p:sldId id="304" r:id="rId18"/>
+    <p:sldId id="316" r:id="rId13"/>
+    <p:sldId id="310" r:id="rId14"/>
+    <p:sldId id="311" r:id="rId15"/>
+    <p:sldId id="317" r:id="rId16"/>
+    <p:sldId id="303" r:id="rId17"/>
+    <p:sldId id="312" r:id="rId18"/>
+    <p:sldId id="302" r:id="rId19"/>
+    <p:sldId id="304" r:id="rId20"/>
   </p:sldIdLst>
   <p:sldSz cx="14630400" cy="8229600"/>
   <p:notesSz cx="6858000" cy="9144000"/>
@@ -4583,7 +4585,7 @@
         <p:fade/>
       </p:transition>
     </mc:Choice>
-    <mc:Fallback xmlns:ahyp="http://schemas.microsoft.com/office/drawing/2018/hyperlinkcolor" xmlns:p15="http://schemas.microsoft.com/office/powerpoint/2012/main" xmlns:com="http://schemas.openxmlformats.org/drawingml/2006/compatibility" xmlns:pvml="urn:schemas-microsoft-com:office:powerpoint" xmlns:v="urn:schemas-microsoft-com:vml" xmlns:o="urn:schemas-microsoft-com:office:office" xmlns:dgm="http://schemas.openxmlformats.org/drawingml/2006/diagram" xmlns:c="http://schemas.openxmlformats.org/drawingml/2006/chart" xmlns:mv="urn:schemas-microsoft-com:mac:vml" xmlns="">
+    <mc:Fallback xmlns="" xmlns:mv="urn:schemas-microsoft-com:mac:vml" xmlns:c="http://schemas.openxmlformats.org/drawingml/2006/chart" xmlns:dgm="http://schemas.openxmlformats.org/drawingml/2006/diagram" xmlns:o="urn:schemas-microsoft-com:office:office" xmlns:v="urn:schemas-microsoft-com:vml" xmlns:pvml="urn:schemas-microsoft-com:office:powerpoint" xmlns:com="http://schemas.openxmlformats.org/drawingml/2006/compatibility" xmlns:p15="http://schemas.microsoft.com/office/powerpoint/2012/main" xmlns:ahyp="http://schemas.microsoft.com/office/drawing/2018/hyperlinkcolor">
       <p:transition spd="slow">
         <p:fade/>
       </p:transition>
@@ -4928,7 +4930,7 @@
         <p:fade/>
       </p:transition>
     </mc:Choice>
-    <mc:Fallback xmlns:ahyp="http://schemas.microsoft.com/office/drawing/2018/hyperlinkcolor" xmlns:p15="http://schemas.microsoft.com/office/powerpoint/2012/main" xmlns:com="http://schemas.openxmlformats.org/drawingml/2006/compatibility" xmlns:pvml="urn:schemas-microsoft-com:office:powerpoint" xmlns:v="urn:schemas-microsoft-com:vml" xmlns:o="urn:schemas-microsoft-com:office:office" xmlns:dgm="http://schemas.openxmlformats.org/drawingml/2006/diagram" xmlns:c="http://schemas.openxmlformats.org/drawingml/2006/chart" xmlns:mv="urn:schemas-microsoft-com:mac:vml" xmlns="">
+    <mc:Fallback xmlns="" xmlns:mv="urn:schemas-microsoft-com:mac:vml" xmlns:c="http://schemas.openxmlformats.org/drawingml/2006/chart" xmlns:dgm="http://schemas.openxmlformats.org/drawingml/2006/diagram" xmlns:o="urn:schemas-microsoft-com:office:office" xmlns:v="urn:schemas-microsoft-com:vml" xmlns:pvml="urn:schemas-microsoft-com:office:powerpoint" xmlns:com="http://schemas.openxmlformats.org/drawingml/2006/compatibility" xmlns:p15="http://schemas.microsoft.com/office/powerpoint/2012/main" xmlns:ahyp="http://schemas.microsoft.com/office/drawing/2018/hyperlinkcolor">
       <p:transition spd="slow">
         <p:fade/>
       </p:transition>
@@ -6292,7 +6294,7 @@
         <p:fade/>
       </p:transition>
     </mc:Choice>
-    <mc:Fallback xmlns:ahyp="http://schemas.microsoft.com/office/drawing/2018/hyperlinkcolor" xmlns:p15="http://schemas.microsoft.com/office/powerpoint/2012/main" xmlns:com="http://schemas.openxmlformats.org/drawingml/2006/compatibility" xmlns:pvml="urn:schemas-microsoft-com:office:powerpoint" xmlns:v="urn:schemas-microsoft-com:vml" xmlns:o="urn:schemas-microsoft-com:office:office" xmlns:dgm="http://schemas.openxmlformats.org/drawingml/2006/diagram" xmlns:c="http://schemas.openxmlformats.org/drawingml/2006/chart" xmlns:mv="urn:schemas-microsoft-com:mac:vml" xmlns="">
+    <mc:Fallback xmlns="" xmlns:mv="urn:schemas-microsoft-com:mac:vml" xmlns:c="http://schemas.openxmlformats.org/drawingml/2006/chart" xmlns:dgm="http://schemas.openxmlformats.org/drawingml/2006/diagram" xmlns:o="urn:schemas-microsoft-com:office:office" xmlns:v="urn:schemas-microsoft-com:vml" xmlns:pvml="urn:schemas-microsoft-com:office:powerpoint" xmlns:com="http://schemas.openxmlformats.org/drawingml/2006/compatibility" xmlns:p15="http://schemas.microsoft.com/office/powerpoint/2012/main" xmlns:ahyp="http://schemas.microsoft.com/office/drawing/2018/hyperlinkcolor">
       <p:transition spd="slow">
         <p:fade/>
       </p:transition>
@@ -6634,7 +6636,7 @@
         <p:fade/>
       </p:transition>
     </mc:Choice>
-    <mc:Fallback xmlns:ahyp="http://schemas.microsoft.com/office/drawing/2018/hyperlinkcolor" xmlns:p15="http://schemas.microsoft.com/office/powerpoint/2012/main" xmlns:com="http://schemas.openxmlformats.org/drawingml/2006/compatibility" xmlns:pvml="urn:schemas-microsoft-com:office:powerpoint" xmlns:v="urn:schemas-microsoft-com:vml" xmlns:o="urn:schemas-microsoft-com:office:office" xmlns:dgm="http://schemas.openxmlformats.org/drawingml/2006/diagram" xmlns:c="http://schemas.openxmlformats.org/drawingml/2006/chart" xmlns:mv="urn:schemas-microsoft-com:mac:vml" xmlns="">
+    <mc:Fallback xmlns="" xmlns:mv="urn:schemas-microsoft-com:mac:vml" xmlns:c="http://schemas.openxmlformats.org/drawingml/2006/chart" xmlns:dgm="http://schemas.openxmlformats.org/drawingml/2006/diagram" xmlns:o="urn:schemas-microsoft-com:office:office" xmlns:v="urn:schemas-microsoft-com:vml" xmlns:pvml="urn:schemas-microsoft-com:office:powerpoint" xmlns:com="http://schemas.openxmlformats.org/drawingml/2006/compatibility" xmlns:p15="http://schemas.microsoft.com/office/powerpoint/2012/main" xmlns:ahyp="http://schemas.microsoft.com/office/drawing/2018/hyperlinkcolor">
       <p:transition spd="slow">
         <p:fade/>
       </p:transition>
@@ -7296,7 +7298,7 @@
         <p:fade/>
       </p:transition>
     </mc:Choice>
-    <mc:Fallback xmlns:ahyp="http://schemas.microsoft.com/office/drawing/2018/hyperlinkcolor" xmlns:p15="http://schemas.microsoft.com/office/powerpoint/2012/main" xmlns:com="http://schemas.openxmlformats.org/drawingml/2006/compatibility" xmlns:pvml="urn:schemas-microsoft-com:office:powerpoint" xmlns:v="urn:schemas-microsoft-com:vml" xmlns:o="urn:schemas-microsoft-com:office:office" xmlns:dgm="http://schemas.openxmlformats.org/drawingml/2006/diagram" xmlns:c="http://schemas.openxmlformats.org/drawingml/2006/chart" xmlns:mv="urn:schemas-microsoft-com:mac:vml" xmlns="">
+    <mc:Fallback xmlns="" xmlns:mv="urn:schemas-microsoft-com:mac:vml" xmlns:c="http://schemas.openxmlformats.org/drawingml/2006/chart" xmlns:dgm="http://schemas.openxmlformats.org/drawingml/2006/diagram" xmlns:o="urn:schemas-microsoft-com:office:office" xmlns:v="urn:schemas-microsoft-com:vml" xmlns:pvml="urn:schemas-microsoft-com:office:powerpoint" xmlns:com="http://schemas.openxmlformats.org/drawingml/2006/compatibility" xmlns:p15="http://schemas.microsoft.com/office/powerpoint/2012/main" xmlns:ahyp="http://schemas.microsoft.com/office/drawing/2018/hyperlinkcolor">
       <p:transition spd="slow">
         <p:fade/>
       </p:transition>
@@ -8233,7 +8235,7 @@
         <p:fade/>
       </p:transition>
     </mc:Choice>
-    <mc:Fallback xmlns:ahyp="http://schemas.microsoft.com/office/drawing/2018/hyperlinkcolor" xmlns:p15="http://schemas.microsoft.com/office/powerpoint/2012/main" xmlns:com="http://schemas.openxmlformats.org/drawingml/2006/compatibility" xmlns:pvml="urn:schemas-microsoft-com:office:powerpoint" xmlns:v="urn:schemas-microsoft-com:vml" xmlns:o="urn:schemas-microsoft-com:office:office" xmlns:dgm="http://schemas.openxmlformats.org/drawingml/2006/diagram" xmlns:c="http://schemas.openxmlformats.org/drawingml/2006/chart" xmlns:mv="urn:schemas-microsoft-com:mac:vml" xmlns="">
+    <mc:Fallback xmlns="" xmlns:mv="urn:schemas-microsoft-com:mac:vml" xmlns:c="http://schemas.openxmlformats.org/drawingml/2006/chart" xmlns:dgm="http://schemas.openxmlformats.org/drawingml/2006/diagram" xmlns:o="urn:schemas-microsoft-com:office:office" xmlns:v="urn:schemas-microsoft-com:vml" xmlns:pvml="urn:schemas-microsoft-com:office:powerpoint" xmlns:com="http://schemas.openxmlformats.org/drawingml/2006/compatibility" xmlns:p15="http://schemas.microsoft.com/office/powerpoint/2012/main" xmlns:ahyp="http://schemas.microsoft.com/office/drawing/2018/hyperlinkcolor">
       <p:transition spd="slow">
         <p:fade/>
       </p:transition>
@@ -9570,7 +9572,7 @@
         <p:fade/>
       </p:transition>
     </mc:Choice>
-    <mc:Fallback xmlns:ahyp="http://schemas.microsoft.com/office/drawing/2018/hyperlinkcolor" xmlns:p15="http://schemas.microsoft.com/office/powerpoint/2012/main" xmlns:com="http://schemas.openxmlformats.org/drawingml/2006/compatibility" xmlns:pvml="urn:schemas-microsoft-com:office:powerpoint" xmlns:v="urn:schemas-microsoft-com:vml" xmlns:o="urn:schemas-microsoft-com:office:office" xmlns:dgm="http://schemas.openxmlformats.org/drawingml/2006/diagram" xmlns:c="http://schemas.openxmlformats.org/drawingml/2006/chart" xmlns:mv="urn:schemas-microsoft-com:mac:vml" xmlns="">
+    <mc:Fallback xmlns="" xmlns:mv="urn:schemas-microsoft-com:mac:vml" xmlns:c="http://schemas.openxmlformats.org/drawingml/2006/chart" xmlns:dgm="http://schemas.openxmlformats.org/drawingml/2006/diagram" xmlns:o="urn:schemas-microsoft-com:office:office" xmlns:v="urn:schemas-microsoft-com:vml" xmlns:pvml="urn:schemas-microsoft-com:office:powerpoint" xmlns:com="http://schemas.openxmlformats.org/drawingml/2006/compatibility" xmlns:p15="http://schemas.microsoft.com/office/powerpoint/2012/main" xmlns:ahyp="http://schemas.microsoft.com/office/drawing/2018/hyperlinkcolor">
       <p:transition spd="slow">
         <p:fade/>
       </p:transition>
@@ -10988,7 +10990,7 @@
         <p:fade/>
       </p:transition>
     </mc:Choice>
-    <mc:Fallback xmlns:ahyp="http://schemas.microsoft.com/office/drawing/2018/hyperlinkcolor" xmlns:p15="http://schemas.microsoft.com/office/powerpoint/2012/main" xmlns:com="http://schemas.openxmlformats.org/drawingml/2006/compatibility" xmlns:pvml="urn:schemas-microsoft-com:office:powerpoint" xmlns:v="urn:schemas-microsoft-com:vml" xmlns:o="urn:schemas-microsoft-com:office:office" xmlns:dgm="http://schemas.openxmlformats.org/drawingml/2006/diagram" xmlns:c="http://schemas.openxmlformats.org/drawingml/2006/chart" xmlns:mv="urn:schemas-microsoft-com:mac:vml" xmlns="">
+    <mc:Fallback xmlns="" xmlns:mv="urn:schemas-microsoft-com:mac:vml" xmlns:c="http://schemas.openxmlformats.org/drawingml/2006/chart" xmlns:dgm="http://schemas.openxmlformats.org/drawingml/2006/diagram" xmlns:o="urn:schemas-microsoft-com:office:office" xmlns:v="urn:schemas-microsoft-com:vml" xmlns:pvml="urn:schemas-microsoft-com:office:powerpoint" xmlns:com="http://schemas.openxmlformats.org/drawingml/2006/compatibility" xmlns:p15="http://schemas.microsoft.com/office/powerpoint/2012/main" xmlns:ahyp="http://schemas.microsoft.com/office/drawing/2018/hyperlinkcolor">
       <p:transition spd="slow">
         <p:fade/>
       </p:transition>
@@ -11877,7 +11879,7 @@
         <p:fade/>
       </p:transition>
     </mc:Choice>
-    <mc:Fallback xmlns:ahyp="http://schemas.microsoft.com/office/drawing/2018/hyperlinkcolor" xmlns:p15="http://schemas.microsoft.com/office/powerpoint/2012/main" xmlns:com="http://schemas.openxmlformats.org/drawingml/2006/compatibility" xmlns:pvml="urn:schemas-microsoft-com:office:powerpoint" xmlns:v="urn:schemas-microsoft-com:vml" xmlns:o="urn:schemas-microsoft-com:office:office" xmlns:dgm="http://schemas.openxmlformats.org/drawingml/2006/diagram" xmlns:c="http://schemas.openxmlformats.org/drawingml/2006/chart" xmlns:mv="urn:schemas-microsoft-com:mac:vml" xmlns="">
+    <mc:Fallback xmlns="" xmlns:mv="urn:schemas-microsoft-com:mac:vml" xmlns:c="http://schemas.openxmlformats.org/drawingml/2006/chart" xmlns:dgm="http://schemas.openxmlformats.org/drawingml/2006/diagram" xmlns:o="urn:schemas-microsoft-com:office:office" xmlns:v="urn:schemas-microsoft-com:vml" xmlns:pvml="urn:schemas-microsoft-com:office:powerpoint" xmlns:com="http://schemas.openxmlformats.org/drawingml/2006/compatibility" xmlns:p15="http://schemas.microsoft.com/office/powerpoint/2012/main" xmlns:ahyp="http://schemas.microsoft.com/office/drawing/2018/hyperlinkcolor">
       <p:transition spd="slow">
         <p:fade/>
       </p:transition>
@@ -12031,7 +12033,7 @@
         <p:fade/>
       </p:transition>
     </mc:Choice>
-    <mc:Fallback xmlns:ahyp="http://schemas.microsoft.com/office/drawing/2018/hyperlinkcolor" xmlns:p15="http://schemas.microsoft.com/office/powerpoint/2012/main" xmlns:com="http://schemas.openxmlformats.org/drawingml/2006/compatibility" xmlns:pvml="urn:schemas-microsoft-com:office:powerpoint" xmlns:v="urn:schemas-microsoft-com:vml" xmlns:o="urn:schemas-microsoft-com:office:office" xmlns:dgm="http://schemas.openxmlformats.org/drawingml/2006/diagram" xmlns:c="http://schemas.openxmlformats.org/drawingml/2006/chart" xmlns:mv="urn:schemas-microsoft-com:mac:vml" xmlns="">
+    <mc:Fallback xmlns="" xmlns:mv="urn:schemas-microsoft-com:mac:vml" xmlns:c="http://schemas.openxmlformats.org/drawingml/2006/chart" xmlns:dgm="http://schemas.openxmlformats.org/drawingml/2006/diagram" xmlns:o="urn:schemas-microsoft-com:office:office" xmlns:v="urn:schemas-microsoft-com:vml" xmlns:pvml="urn:schemas-microsoft-com:office:powerpoint" xmlns:com="http://schemas.openxmlformats.org/drawingml/2006/compatibility" xmlns:p15="http://schemas.microsoft.com/office/powerpoint/2012/main" xmlns:ahyp="http://schemas.microsoft.com/office/drawing/2018/hyperlinkcolor">
       <p:transition spd="slow">
         <p:fade/>
       </p:transition>
@@ -13165,7 +13167,7 @@
         <p:fade/>
       </p:transition>
     </mc:Choice>
-    <mc:Fallback xmlns:ahyp="http://schemas.microsoft.com/office/drawing/2018/hyperlinkcolor" xmlns:p15="http://schemas.microsoft.com/office/powerpoint/2012/main" xmlns:com="http://schemas.openxmlformats.org/drawingml/2006/compatibility" xmlns:pvml="urn:schemas-microsoft-com:office:powerpoint" xmlns:v="urn:schemas-microsoft-com:vml" xmlns:o="urn:schemas-microsoft-com:office:office" xmlns:dgm="http://schemas.openxmlformats.org/drawingml/2006/diagram" xmlns:c="http://schemas.openxmlformats.org/drawingml/2006/chart" xmlns:mv="urn:schemas-microsoft-com:mac:vml" xmlns="">
+    <mc:Fallback xmlns="" xmlns:mv="urn:schemas-microsoft-com:mac:vml" xmlns:c="http://schemas.openxmlformats.org/drawingml/2006/chart" xmlns:dgm="http://schemas.openxmlformats.org/drawingml/2006/diagram" xmlns:o="urn:schemas-microsoft-com:office:office" xmlns:v="urn:schemas-microsoft-com:vml" xmlns:pvml="urn:schemas-microsoft-com:office:powerpoint" xmlns:com="http://schemas.openxmlformats.org/drawingml/2006/compatibility" xmlns:p15="http://schemas.microsoft.com/office/powerpoint/2012/main" xmlns:ahyp="http://schemas.microsoft.com/office/drawing/2018/hyperlinkcolor">
       <p:transition spd="slow">
         <p:fade/>
       </p:transition>
@@ -13331,6 +13333,109 @@
   <p:cSld>
     <p:spTree>
       <p:nvGrpSpPr>
+        <p:cNvPr id="1" name=""/>
+        <p:cNvGrpSpPr/>
+        <p:nvPr/>
+      </p:nvGrpSpPr>
+      <p:grpSpPr>
+        <a:xfrm>
+          <a:off x="0" y="0"/>
+          <a:ext cx="0" cy="0"/>
+          <a:chOff x="0" y="0"/>
+          <a:chExt cx="0" cy="0"/>
+        </a:xfrm>
+      </p:grpSpPr>
+      <p:sp>
+        <p:nvSpPr>
+          <p:cNvPr id="5" name="Title 4"/>
+          <p:cNvSpPr>
+            <a:spLocks noGrp="1"/>
+          </p:cNvSpPr>
+          <p:nvPr>
+            <p:ph type="title"/>
+          </p:nvPr>
+        </p:nvSpPr>
+        <p:spPr/>
+        <p:txBody>
+          <a:bodyPr/>
+          <a:lstStyle/>
+          <a:p>
+            <a:r>
+              <a:rPr lang="en-GB" dirty="0" smtClean="0"/>
+              <a:t>Microservice 3 Lambda Code</a:t>
+            </a:r>
+            <a:endParaRPr lang="en-GB" dirty="0"/>
+          </a:p>
+        </p:txBody>
+      </p:sp>
+      <p:pic>
+        <p:nvPicPr>
+          <p:cNvPr id="2" name="Picture 1"/>
+          <p:cNvPicPr>
+            <a:picLocks noChangeAspect="1"/>
+          </p:cNvPicPr>
+          <p:nvPr/>
+        </p:nvPicPr>
+        <p:blipFill>
+          <a:blip r:embed="rId2"/>
+          <a:stretch>
+            <a:fillRect/>
+          </a:stretch>
+        </p:blipFill>
+        <p:spPr>
+          <a:xfrm>
+            <a:off x="1004878" y="1348581"/>
+            <a:ext cx="9578178" cy="5901437"/>
+          </a:xfrm>
+          <a:prstGeom prst="rect">
+            <a:avLst/>
+          </a:prstGeom>
+          <a:ln w="38100" cap="sq">
+            <a:solidFill>
+              <a:srgbClr val="000000"/>
+            </a:solidFill>
+            <a:prstDash val="solid"/>
+            <a:miter lim="800000"/>
+          </a:ln>
+          <a:effectLst>
+            <a:outerShdw blurRad="50800" dist="38100" dir="2700000" algn="tl" rotWithShape="0">
+              <a:srgbClr val="000000">
+                <a:alpha val="43000"/>
+              </a:srgbClr>
+            </a:outerShdw>
+          </a:effectLst>
+        </p:spPr>
+      </p:pic>
+    </p:spTree>
+    <p:extLst>
+      <p:ext uri="{BB962C8B-B14F-4D97-AF65-F5344CB8AC3E}">
+        <p14:creationId xmlns:p14="http://schemas.microsoft.com/office/powerpoint/2010/main" val="639340243"/>
+      </p:ext>
+    </p:extLst>
+  </p:cSld>
+  <p:clrMapOvr>
+    <a:masterClrMapping/>
+  </p:clrMapOvr>
+  <mc:AlternateContent xmlns:mc="http://schemas.openxmlformats.org/markup-compatibility/2006" xmlns:p14="http://schemas.microsoft.com/office/powerpoint/2010/main">
+    <mc:Choice Requires="p14">
+      <p:transition spd="med" p14:dur="700">
+        <p:fade/>
+      </p:transition>
+    </mc:Choice>
+    <mc:Fallback xmlns="" xmlns:mv="urn:schemas-microsoft-com:mac:vml" xmlns:c="http://schemas.openxmlformats.org/drawingml/2006/chart" xmlns:dgm="http://schemas.openxmlformats.org/drawingml/2006/diagram" xmlns:o="urn:schemas-microsoft-com:office:office" xmlns:v="urn:schemas-microsoft-com:vml" xmlns:pvml="urn:schemas-microsoft-com:office:powerpoint" xmlns:com="http://schemas.openxmlformats.org/drawingml/2006/compatibility" xmlns:p15="http://schemas.microsoft.com/office/powerpoint/2012/main" xmlns:ahyp="http://schemas.microsoft.com/office/drawing/2018/hyperlinkcolor">
+      <p:transition spd="slow">
+        <p:fade/>
+      </p:transition>
+    </mc:Fallback>
+  </mc:AlternateContent>
+</p:sld>
+</file>
+
+<file path=ppt/slides/slide13.xml><?xml version="1.0" encoding="utf-8"?>
+<p:sld xmlns:a="http://schemas.openxmlformats.org/drawingml/2006/main" xmlns:r="http://schemas.openxmlformats.org/officeDocument/2006/relationships" xmlns:p="http://schemas.openxmlformats.org/presentationml/2006/main">
+  <p:cSld>
+    <p:spTree>
+      <p:nvGrpSpPr>
         <p:cNvPr id="1" name="Shape 971"/>
         <p:cNvGrpSpPr/>
         <p:nvPr/>
@@ -13442,7 +13547,11 @@
             </a:pPr>
             <a:r>
               <a:rPr lang="en-US" dirty="0" smtClean="0"/>
-              <a:t>Image Resize Service</a:t>
+              <a:t>User </a:t>
+            </a:r>
+            <a:r>
+              <a:rPr lang="en-US" smtClean="0"/>
+              <a:t>Clearance Level</a:t>
             </a:r>
             <a:endParaRPr dirty="0"/>
           </a:p>
@@ -13464,7 +13573,7 @@
         <p:fade/>
       </p:transition>
     </mc:Choice>
-    <mc:Fallback xmlns:ahyp="http://schemas.microsoft.com/office/drawing/2018/hyperlinkcolor" xmlns:p15="http://schemas.microsoft.com/office/powerpoint/2012/main" xmlns:com="http://schemas.openxmlformats.org/drawingml/2006/compatibility" xmlns:pvml="urn:schemas-microsoft-com:office:powerpoint" xmlns:v="urn:schemas-microsoft-com:vml" xmlns:o="urn:schemas-microsoft-com:office:office" xmlns:dgm="http://schemas.openxmlformats.org/drawingml/2006/diagram" xmlns:c="http://schemas.openxmlformats.org/drawingml/2006/chart" xmlns:mv="urn:schemas-microsoft-com:mac:vml" xmlns="">
+    <mc:Fallback xmlns="" xmlns:mv="urn:schemas-microsoft-com:mac:vml" xmlns:c="http://schemas.openxmlformats.org/drawingml/2006/chart" xmlns:dgm="http://schemas.openxmlformats.org/drawingml/2006/diagram" xmlns:o="urn:schemas-microsoft-com:office:office" xmlns:v="urn:schemas-microsoft-com:vml" xmlns:pvml="urn:schemas-microsoft-com:office:powerpoint" xmlns:com="http://schemas.openxmlformats.org/drawingml/2006/compatibility" xmlns:p15="http://schemas.microsoft.com/office/powerpoint/2012/main" xmlns:ahyp="http://schemas.microsoft.com/office/drawing/2018/hyperlinkcolor">
       <p:transition spd="slow">
         <p:fade/>
       </p:transition>
@@ -13480,7 +13589,7 @@
 </p:sld>
 </file>
 
-<file path=ppt/slides/slide13.xml><?xml version="1.0" encoding="utf-8"?>
+<file path=ppt/slides/slide14.xml><?xml version="1.0" encoding="utf-8"?>
 <p:sld xmlns:a="http://schemas.openxmlformats.org/drawingml/2006/main" xmlns:r="http://schemas.openxmlformats.org/officeDocument/2006/relationships" xmlns:p="http://schemas.openxmlformats.org/presentationml/2006/main">
   <p:cSld>
     <p:spTree>
@@ -14541,7 +14650,7 @@
         <p:fade/>
       </p:transition>
     </mc:Choice>
-    <mc:Fallback xmlns:ahyp="http://schemas.microsoft.com/office/drawing/2018/hyperlinkcolor" xmlns:p15="http://schemas.microsoft.com/office/powerpoint/2012/main" xmlns:com="http://schemas.openxmlformats.org/drawingml/2006/compatibility" xmlns:pvml="urn:schemas-microsoft-com:office:powerpoint" xmlns:v="urn:schemas-microsoft-com:vml" xmlns:o="urn:schemas-microsoft-com:office:office" xmlns:dgm="http://schemas.openxmlformats.org/drawingml/2006/diagram" xmlns:c="http://schemas.openxmlformats.org/drawingml/2006/chart" xmlns:mv="urn:schemas-microsoft-com:mac:vml" xmlns="">
+    <mc:Fallback xmlns="" xmlns:mv="urn:schemas-microsoft-com:mac:vml" xmlns:c="http://schemas.openxmlformats.org/drawingml/2006/chart" xmlns:dgm="http://schemas.openxmlformats.org/drawingml/2006/diagram" xmlns:o="urn:schemas-microsoft-com:office:office" xmlns:v="urn:schemas-microsoft-com:vml" xmlns:pvml="urn:schemas-microsoft-com:office:powerpoint" xmlns:com="http://schemas.openxmlformats.org/drawingml/2006/compatibility" xmlns:p15="http://schemas.microsoft.com/office/powerpoint/2012/main" xmlns:ahyp="http://schemas.microsoft.com/office/drawing/2018/hyperlinkcolor">
       <p:transition spd="slow">
         <p:fade/>
       </p:transition>
@@ -14674,7 +14783,110 @@
 </p:sld>
 </file>
 
-<file path=ppt/slides/slide14.xml><?xml version="1.0" encoding="utf-8"?>
+<file path=ppt/slides/slide15.xml><?xml version="1.0" encoding="utf-8"?>
+<p:sld xmlns:a="http://schemas.openxmlformats.org/drawingml/2006/main" xmlns:r="http://schemas.openxmlformats.org/officeDocument/2006/relationships" xmlns:p="http://schemas.openxmlformats.org/presentationml/2006/main">
+  <p:cSld>
+    <p:spTree>
+      <p:nvGrpSpPr>
+        <p:cNvPr id="1" name=""/>
+        <p:cNvGrpSpPr/>
+        <p:nvPr/>
+      </p:nvGrpSpPr>
+      <p:grpSpPr>
+        <a:xfrm>
+          <a:off x="0" y="0"/>
+          <a:ext cx="0" cy="0"/>
+          <a:chOff x="0" y="0"/>
+          <a:chExt cx="0" cy="0"/>
+        </a:xfrm>
+      </p:grpSpPr>
+      <p:sp>
+        <p:nvSpPr>
+          <p:cNvPr id="5" name="Title 4"/>
+          <p:cNvSpPr>
+            <a:spLocks noGrp="1"/>
+          </p:cNvSpPr>
+          <p:nvPr>
+            <p:ph type="title"/>
+          </p:nvPr>
+        </p:nvSpPr>
+        <p:spPr/>
+        <p:txBody>
+          <a:bodyPr/>
+          <a:lstStyle/>
+          <a:p>
+            <a:r>
+              <a:rPr lang="en-GB" dirty="0" smtClean="0"/>
+              <a:t>Microservice 4 Lambda Code</a:t>
+            </a:r>
+            <a:endParaRPr lang="en-GB" dirty="0"/>
+          </a:p>
+        </p:txBody>
+      </p:sp>
+      <p:pic>
+        <p:nvPicPr>
+          <p:cNvPr id="4" name="Picture 3"/>
+          <p:cNvPicPr>
+            <a:picLocks noChangeAspect="1"/>
+          </p:cNvPicPr>
+          <p:nvPr/>
+        </p:nvPicPr>
+        <p:blipFill>
+          <a:blip r:embed="rId2"/>
+          <a:stretch>
+            <a:fillRect/>
+          </a:stretch>
+        </p:blipFill>
+        <p:spPr>
+          <a:xfrm>
+            <a:off x="1019892" y="1258640"/>
+            <a:ext cx="8971051" cy="6208812"/>
+          </a:xfrm>
+          <a:prstGeom prst="rect">
+            <a:avLst/>
+          </a:prstGeom>
+          <a:ln w="38100" cap="sq">
+            <a:solidFill>
+              <a:srgbClr val="000000"/>
+            </a:solidFill>
+            <a:prstDash val="solid"/>
+            <a:miter lim="800000"/>
+          </a:ln>
+          <a:effectLst>
+            <a:outerShdw blurRad="50800" dist="38100" dir="2700000" algn="tl" rotWithShape="0">
+              <a:srgbClr val="000000">
+                <a:alpha val="43000"/>
+              </a:srgbClr>
+            </a:outerShdw>
+          </a:effectLst>
+        </p:spPr>
+      </p:pic>
+    </p:spTree>
+    <p:extLst>
+      <p:ext uri="{BB962C8B-B14F-4D97-AF65-F5344CB8AC3E}">
+        <p14:creationId xmlns:p14="http://schemas.microsoft.com/office/powerpoint/2010/main" val="2556740960"/>
+      </p:ext>
+    </p:extLst>
+  </p:cSld>
+  <p:clrMapOvr>
+    <a:masterClrMapping/>
+  </p:clrMapOvr>
+  <mc:AlternateContent xmlns:mc="http://schemas.openxmlformats.org/markup-compatibility/2006" xmlns:p14="http://schemas.microsoft.com/office/powerpoint/2010/main">
+    <mc:Choice Requires="p14">
+      <p:transition spd="med" p14:dur="700">
+        <p:fade/>
+      </p:transition>
+    </mc:Choice>
+    <mc:Fallback xmlns="" xmlns:mv="urn:schemas-microsoft-com:mac:vml" xmlns:c="http://schemas.openxmlformats.org/drawingml/2006/chart" xmlns:dgm="http://schemas.openxmlformats.org/drawingml/2006/diagram" xmlns:o="urn:schemas-microsoft-com:office:office" xmlns:v="urn:schemas-microsoft-com:vml" xmlns:pvml="urn:schemas-microsoft-com:office:powerpoint" xmlns:com="http://schemas.openxmlformats.org/drawingml/2006/compatibility" xmlns:p15="http://schemas.microsoft.com/office/powerpoint/2012/main" xmlns:ahyp="http://schemas.microsoft.com/office/drawing/2018/hyperlinkcolor">
+      <p:transition spd="slow">
+        <p:fade/>
+      </p:transition>
+    </mc:Fallback>
+  </mc:AlternateContent>
+</p:sld>
+</file>
+
+<file path=ppt/slides/slide16.xml><?xml version="1.0" encoding="utf-8"?>
 <p:sld xmlns:a="http://schemas.openxmlformats.org/drawingml/2006/main" xmlns:r="http://schemas.openxmlformats.org/officeDocument/2006/relationships" xmlns:p="http://schemas.openxmlformats.org/presentationml/2006/main">
   <p:cSld>
     <p:spTree>
@@ -14756,7 +14968,7 @@
         <p:fade/>
       </p:transition>
     </mc:Choice>
-    <mc:Fallback xmlns:ahyp="http://schemas.microsoft.com/office/drawing/2018/hyperlinkcolor" xmlns:p15="http://schemas.microsoft.com/office/powerpoint/2012/main" xmlns:com="http://schemas.openxmlformats.org/drawingml/2006/compatibility" xmlns:pvml="urn:schemas-microsoft-com:office:powerpoint" xmlns:v="urn:schemas-microsoft-com:vml" xmlns:o="urn:schemas-microsoft-com:office:office" xmlns:dgm="http://schemas.openxmlformats.org/drawingml/2006/diagram" xmlns:c="http://schemas.openxmlformats.org/drawingml/2006/chart" xmlns:mv="urn:schemas-microsoft-com:mac:vml" xmlns="">
+    <mc:Fallback xmlns="" xmlns:mv="urn:schemas-microsoft-com:mac:vml" xmlns:c="http://schemas.openxmlformats.org/drawingml/2006/chart" xmlns:dgm="http://schemas.openxmlformats.org/drawingml/2006/diagram" xmlns:o="urn:schemas-microsoft-com:office:office" xmlns:v="urn:schemas-microsoft-com:vml" xmlns:pvml="urn:schemas-microsoft-com:office:powerpoint" xmlns:com="http://schemas.openxmlformats.org/drawingml/2006/compatibility" xmlns:p15="http://schemas.microsoft.com/office/powerpoint/2012/main" xmlns:ahyp="http://schemas.microsoft.com/office/drawing/2018/hyperlinkcolor">
       <p:transition spd="slow">
         <p:fade/>
       </p:transition>
@@ -14772,7 +14984,7 @@
 </p:sld>
 </file>
 
-<file path=ppt/slides/slide15.xml><?xml version="1.0" encoding="utf-8"?>
+<file path=ppt/slides/slide17.xml><?xml version="1.0" encoding="utf-8"?>
 <p:sld xmlns:a="http://schemas.openxmlformats.org/drawingml/2006/main" xmlns:r="http://schemas.openxmlformats.org/officeDocument/2006/relationships" xmlns:p="http://schemas.openxmlformats.org/presentationml/2006/main">
   <p:cSld>
     <p:spTree>
@@ -14905,7 +15117,7 @@
         <p:fade/>
       </p:transition>
     </mc:Choice>
-    <mc:Fallback xmlns:ahyp="http://schemas.microsoft.com/office/drawing/2018/hyperlinkcolor" xmlns:p15="http://schemas.microsoft.com/office/powerpoint/2012/main" xmlns:com="http://schemas.openxmlformats.org/drawingml/2006/compatibility" xmlns:pvml="urn:schemas-microsoft-com:office:powerpoint" xmlns:v="urn:schemas-microsoft-com:vml" xmlns:o="urn:schemas-microsoft-com:office:office" xmlns:dgm="http://schemas.openxmlformats.org/drawingml/2006/diagram" xmlns:c="http://schemas.openxmlformats.org/drawingml/2006/chart" xmlns:mv="urn:schemas-microsoft-com:mac:vml" xmlns="">
+    <mc:Fallback xmlns="" xmlns:mv="urn:schemas-microsoft-com:mac:vml" xmlns:c="http://schemas.openxmlformats.org/drawingml/2006/chart" xmlns:dgm="http://schemas.openxmlformats.org/drawingml/2006/diagram" xmlns:o="urn:schemas-microsoft-com:office:office" xmlns:v="urn:schemas-microsoft-com:vml" xmlns:pvml="urn:schemas-microsoft-com:office:powerpoint" xmlns:com="http://schemas.openxmlformats.org/drawingml/2006/compatibility" xmlns:p15="http://schemas.microsoft.com/office/powerpoint/2012/main" xmlns:ahyp="http://schemas.microsoft.com/office/drawing/2018/hyperlinkcolor">
       <p:transition spd="slow">
         <p:fade/>
       </p:transition>
@@ -14914,7 +15126,7 @@
 </p:sld>
 </file>
 
-<file path=ppt/slides/slide16.xml><?xml version="1.0" encoding="utf-8"?>
+<file path=ppt/slides/slide18.xml><?xml version="1.0" encoding="utf-8"?>
 <p:sld xmlns:a="http://schemas.openxmlformats.org/drawingml/2006/main" xmlns:r="http://schemas.openxmlformats.org/officeDocument/2006/relationships" xmlns:p="http://schemas.openxmlformats.org/presentationml/2006/main">
   <p:cSld>
     <p:spTree>
@@ -17696,7 +17908,7 @@
         <p:fade/>
       </p:transition>
     </mc:Choice>
-    <mc:Fallback xmlns:ahyp="http://schemas.microsoft.com/office/drawing/2018/hyperlinkcolor" xmlns:p15="http://schemas.microsoft.com/office/powerpoint/2012/main" xmlns:com="http://schemas.openxmlformats.org/drawingml/2006/compatibility" xmlns:pvml="urn:schemas-microsoft-com:office:powerpoint" xmlns:v="urn:schemas-microsoft-com:vml" xmlns:o="urn:schemas-microsoft-com:office:office" xmlns:dgm="http://schemas.openxmlformats.org/drawingml/2006/diagram" xmlns:c="http://schemas.openxmlformats.org/drawingml/2006/chart" xmlns:mv="urn:schemas-microsoft-com:mac:vml" xmlns="">
+    <mc:Fallback xmlns="" xmlns:mv="urn:schemas-microsoft-com:mac:vml" xmlns:c="http://schemas.openxmlformats.org/drawingml/2006/chart" xmlns:dgm="http://schemas.openxmlformats.org/drawingml/2006/diagram" xmlns:o="urn:schemas-microsoft-com:office:office" xmlns:v="urn:schemas-microsoft-com:vml" xmlns:pvml="urn:schemas-microsoft-com:office:powerpoint" xmlns:com="http://schemas.openxmlformats.org/drawingml/2006/compatibility" xmlns:p15="http://schemas.microsoft.com/office/powerpoint/2012/main" xmlns:ahyp="http://schemas.microsoft.com/office/drawing/2018/hyperlinkcolor">
       <p:transition spd="slow">
         <p:fade/>
       </p:transition>
@@ -17712,7 +17924,7 @@
 </p:sld>
 </file>
 
-<file path=ppt/slides/slide17.xml><?xml version="1.0" encoding="utf-8"?>
+<file path=ppt/slides/slide19.xml><?xml version="1.0" encoding="utf-8"?>
 <p:sld xmlns:a="http://schemas.openxmlformats.org/drawingml/2006/main" xmlns:r="http://schemas.openxmlformats.org/officeDocument/2006/relationships" xmlns:p="http://schemas.openxmlformats.org/presentationml/2006/main">
   <p:cSld>
     <p:spTree>
@@ -17740,7 +17952,7 @@
         <p:fade/>
       </p:transition>
     </mc:Choice>
-    <mc:Fallback xmlns:ahyp="http://schemas.microsoft.com/office/drawing/2018/hyperlinkcolor" xmlns:p15="http://schemas.microsoft.com/office/powerpoint/2012/main" xmlns:com="http://schemas.openxmlformats.org/drawingml/2006/compatibility" xmlns:pvml="urn:schemas-microsoft-com:office:powerpoint" xmlns:v="urn:schemas-microsoft-com:vml" xmlns:o="urn:schemas-microsoft-com:office:office" xmlns:dgm="http://schemas.openxmlformats.org/drawingml/2006/diagram" xmlns:c="http://schemas.openxmlformats.org/drawingml/2006/chart" xmlns:mv="urn:schemas-microsoft-com:mac:vml" xmlns="">
+    <mc:Fallback xmlns="" xmlns:mv="urn:schemas-microsoft-com:mac:vml" xmlns:c="http://schemas.openxmlformats.org/drawingml/2006/chart" xmlns:dgm="http://schemas.openxmlformats.org/drawingml/2006/diagram" xmlns:o="urn:schemas-microsoft-com:office:office" xmlns:v="urn:schemas-microsoft-com:vml" xmlns:pvml="urn:schemas-microsoft-com:office:powerpoint" xmlns:com="http://schemas.openxmlformats.org/drawingml/2006/compatibility" xmlns:p15="http://schemas.microsoft.com/office/powerpoint/2012/main" xmlns:ahyp="http://schemas.microsoft.com/office/drawing/2018/hyperlinkcolor">
       <p:transition spd="slow">
         <p:fade/>
       </p:transition>
@@ -19092,7 +19304,7 @@
         <p:fade/>
       </p:transition>
     </mc:Choice>
-    <mc:Fallback xmlns:ahyp="http://schemas.microsoft.com/office/drawing/2018/hyperlinkcolor" xmlns:p15="http://schemas.microsoft.com/office/powerpoint/2012/main" xmlns:com="http://schemas.openxmlformats.org/drawingml/2006/compatibility" xmlns:pvml="urn:schemas-microsoft-com:office:powerpoint" xmlns:v="urn:schemas-microsoft-com:vml" xmlns:o="urn:schemas-microsoft-com:office:office" xmlns:dgm="http://schemas.openxmlformats.org/drawingml/2006/diagram" xmlns:c="http://schemas.openxmlformats.org/drawingml/2006/chart" xmlns:mv="urn:schemas-microsoft-com:mac:vml" xmlns="">
+    <mc:Fallback xmlns="" xmlns:mv="urn:schemas-microsoft-com:mac:vml" xmlns:c="http://schemas.openxmlformats.org/drawingml/2006/chart" xmlns:dgm="http://schemas.openxmlformats.org/drawingml/2006/diagram" xmlns:o="urn:schemas-microsoft-com:office:office" xmlns:v="urn:schemas-microsoft-com:vml" xmlns:pvml="urn:schemas-microsoft-com:office:powerpoint" xmlns:com="http://schemas.openxmlformats.org/drawingml/2006/compatibility" xmlns:p15="http://schemas.microsoft.com/office/powerpoint/2012/main" xmlns:ahyp="http://schemas.microsoft.com/office/drawing/2018/hyperlinkcolor">
       <p:transition spd="slow">
         <p:fade/>
       </p:transition>
@@ -19246,7 +19458,7 @@
         <p:fade/>
       </p:transition>
     </mc:Choice>
-    <mc:Fallback xmlns:ahyp="http://schemas.microsoft.com/office/drawing/2018/hyperlinkcolor" xmlns:p15="http://schemas.microsoft.com/office/powerpoint/2012/main" xmlns:com="http://schemas.openxmlformats.org/drawingml/2006/compatibility" xmlns:pvml="urn:schemas-microsoft-com:office:powerpoint" xmlns:v="urn:schemas-microsoft-com:vml" xmlns:o="urn:schemas-microsoft-com:office:office" xmlns:dgm="http://schemas.openxmlformats.org/drawingml/2006/diagram" xmlns:c="http://schemas.openxmlformats.org/drawingml/2006/chart" xmlns:mv="urn:schemas-microsoft-com:mac:vml" xmlns="">
+    <mc:Fallback xmlns="" xmlns:mv="urn:schemas-microsoft-com:mac:vml" xmlns:c="http://schemas.openxmlformats.org/drawingml/2006/chart" xmlns:dgm="http://schemas.openxmlformats.org/drawingml/2006/diagram" xmlns:o="urn:schemas-microsoft-com:office:office" xmlns:v="urn:schemas-microsoft-com:vml" xmlns:pvml="urn:schemas-microsoft-com:office:powerpoint" xmlns:com="http://schemas.openxmlformats.org/drawingml/2006/compatibility" xmlns:p15="http://schemas.microsoft.com/office/powerpoint/2012/main" xmlns:ahyp="http://schemas.microsoft.com/office/drawing/2018/hyperlinkcolor">
       <p:transition spd="slow">
         <p:fade/>
       </p:transition>
@@ -20307,7 +20519,7 @@
         <p:fade/>
       </p:transition>
     </mc:Choice>
-    <mc:Fallback xmlns:ahyp="http://schemas.microsoft.com/office/drawing/2018/hyperlinkcolor" xmlns:p15="http://schemas.microsoft.com/office/powerpoint/2012/main" xmlns:com="http://schemas.openxmlformats.org/drawingml/2006/compatibility" xmlns:pvml="urn:schemas-microsoft-com:office:powerpoint" xmlns:v="urn:schemas-microsoft-com:vml" xmlns:o="urn:schemas-microsoft-com:office:office" xmlns:dgm="http://schemas.openxmlformats.org/drawingml/2006/diagram" xmlns:c="http://schemas.openxmlformats.org/drawingml/2006/chart" xmlns:mv="urn:schemas-microsoft-com:mac:vml" xmlns="">
+    <mc:Fallback xmlns="" xmlns:mv="urn:schemas-microsoft-com:mac:vml" xmlns:c="http://schemas.openxmlformats.org/drawingml/2006/chart" xmlns:dgm="http://schemas.openxmlformats.org/drawingml/2006/diagram" xmlns:o="urn:schemas-microsoft-com:office:office" xmlns:v="urn:schemas-microsoft-com:vml" xmlns:pvml="urn:schemas-microsoft-com:office:powerpoint" xmlns:com="http://schemas.openxmlformats.org/drawingml/2006/compatibility" xmlns:p15="http://schemas.microsoft.com/office/powerpoint/2012/main" xmlns:ahyp="http://schemas.microsoft.com/office/drawing/2018/hyperlinkcolor">
       <p:transition spd="slow">
         <p:fade/>
       </p:transition>
@@ -20402,7 +20614,7 @@
             </a:pPr>
             <a:r>
               <a:rPr lang="en-GB" sz="1400" b="0" dirty="0" smtClean="0"/>
-              <a:t>In terms of scale, large scale deployment of the architecture may not be suitable for Heroku and an alternative such as pure Lambda functions or EC2 reserved instances should be considered.  However, for the requirements of this system.  Heroku was suitable and met all requirements.</a:t>
+              <a:t>In terms of scale, large scale deployment of the architecture may not be suitable for Heroku and an alternative such as API Gateway coupled with Lambda functions or EC2 instances should be considered.  However, for the requirements of this system.  Heroku was suitable and met all requirements.</a:t>
             </a:r>
             <a:endParaRPr lang="en-GB" sz="1400" b="0" dirty="0"/>
           </a:p>
@@ -20483,7 +20695,7 @@
           <a:p>
             <a:r>
               <a:rPr lang="en-GB" dirty="0" smtClean="0"/>
-              <a:t>Justification of Choices	</a:t>
+              <a:t>Justification of Hosting Choices	</a:t>
             </a:r>
             <a:endParaRPr lang="en-GB" dirty="0"/>
           </a:p>
@@ -20659,7 +20871,7 @@
         <p:fade/>
       </p:transition>
     </mc:Choice>
-    <mc:Fallback xmlns:ahyp="http://schemas.microsoft.com/office/drawing/2018/hyperlinkcolor" xmlns:p15="http://schemas.microsoft.com/office/powerpoint/2012/main" xmlns:com="http://schemas.openxmlformats.org/drawingml/2006/compatibility" xmlns:pvml="urn:schemas-microsoft-com:office:powerpoint" xmlns:v="urn:schemas-microsoft-com:vml" xmlns:o="urn:schemas-microsoft-com:office:office" xmlns:dgm="http://schemas.openxmlformats.org/drawingml/2006/diagram" xmlns:c="http://schemas.openxmlformats.org/drawingml/2006/chart" xmlns:mv="urn:schemas-microsoft-com:mac:vml" xmlns="">
+    <mc:Fallback xmlns="" xmlns:mv="urn:schemas-microsoft-com:mac:vml" xmlns:c="http://schemas.openxmlformats.org/drawingml/2006/chart" xmlns:dgm="http://schemas.openxmlformats.org/drawingml/2006/diagram" xmlns:o="urn:schemas-microsoft-com:office:office" xmlns:v="urn:schemas-microsoft-com:vml" xmlns:pvml="urn:schemas-microsoft-com:office:powerpoint" xmlns:com="http://schemas.openxmlformats.org/drawingml/2006/compatibility" xmlns:p15="http://schemas.microsoft.com/office/powerpoint/2012/main" xmlns:ahyp="http://schemas.microsoft.com/office/drawing/2018/hyperlinkcolor">
       <p:transition spd="slow">
         <p:fade/>
       </p:transition>
@@ -20801,7 +21013,7 @@
         <p:fade/>
       </p:transition>
     </mc:Choice>
-    <mc:Fallback xmlns:ahyp="http://schemas.microsoft.com/office/drawing/2018/hyperlinkcolor" xmlns:p15="http://schemas.microsoft.com/office/powerpoint/2012/main" xmlns:com="http://schemas.openxmlformats.org/drawingml/2006/compatibility" xmlns:pvml="urn:schemas-microsoft-com:office:powerpoint" xmlns:v="urn:schemas-microsoft-com:vml" xmlns:o="urn:schemas-microsoft-com:office:office" xmlns:dgm="http://schemas.openxmlformats.org/drawingml/2006/diagram" xmlns:c="http://schemas.openxmlformats.org/drawingml/2006/chart" xmlns:mv="urn:schemas-microsoft-com:mac:vml" xmlns="">
+    <mc:Fallback xmlns="" xmlns:mv="urn:schemas-microsoft-com:mac:vml" xmlns:c="http://schemas.openxmlformats.org/drawingml/2006/chart" xmlns:dgm="http://schemas.openxmlformats.org/drawingml/2006/diagram" xmlns:o="urn:schemas-microsoft-com:office:office" xmlns:v="urn:schemas-microsoft-com:vml" xmlns:pvml="urn:schemas-microsoft-com:office:powerpoint" xmlns:com="http://schemas.openxmlformats.org/drawingml/2006/compatibility" xmlns:p15="http://schemas.microsoft.com/office/powerpoint/2012/main" xmlns:ahyp="http://schemas.microsoft.com/office/drawing/2018/hyperlinkcolor">
       <p:transition spd="slow">
         <p:fade/>
       </p:transition>
@@ -21883,7 +22095,7 @@
         <p:fade/>
       </p:transition>
     </mc:Choice>
-    <mc:Fallback xmlns:ahyp="http://schemas.microsoft.com/office/drawing/2018/hyperlinkcolor" xmlns:p15="http://schemas.microsoft.com/office/powerpoint/2012/main" xmlns:com="http://schemas.openxmlformats.org/drawingml/2006/compatibility" xmlns:pvml="urn:schemas-microsoft-com:office:powerpoint" xmlns:v="urn:schemas-microsoft-com:vml" xmlns:o="urn:schemas-microsoft-com:office:office" xmlns:dgm="http://schemas.openxmlformats.org/drawingml/2006/diagram" xmlns:c="http://schemas.openxmlformats.org/drawingml/2006/chart" xmlns:mv="urn:schemas-microsoft-com:mac:vml" xmlns="">
+    <mc:Fallback xmlns="" xmlns:mv="urn:schemas-microsoft-com:mac:vml" xmlns:c="http://schemas.openxmlformats.org/drawingml/2006/chart" xmlns:dgm="http://schemas.openxmlformats.org/drawingml/2006/diagram" xmlns:o="urn:schemas-microsoft-com:office:office" xmlns:v="urn:schemas-microsoft-com:vml" xmlns:pvml="urn:schemas-microsoft-com:office:powerpoint" xmlns:com="http://schemas.openxmlformats.org/drawingml/2006/compatibility" xmlns:p15="http://schemas.microsoft.com/office/powerpoint/2012/main" xmlns:ahyp="http://schemas.microsoft.com/office/drawing/2018/hyperlinkcolor">
       <p:transition spd="slow">
         <p:fade/>
       </p:transition>
@@ -22154,7 +22366,7 @@
         <p:fade/>
       </p:transition>
     </mc:Choice>
-    <mc:Fallback xmlns:ahyp="http://schemas.microsoft.com/office/drawing/2018/hyperlinkcolor" xmlns:p15="http://schemas.microsoft.com/office/powerpoint/2012/main" xmlns:com="http://schemas.openxmlformats.org/drawingml/2006/compatibility" xmlns:pvml="urn:schemas-microsoft-com:office:powerpoint" xmlns:v="urn:schemas-microsoft-com:vml" xmlns:o="urn:schemas-microsoft-com:office:office" xmlns:dgm="http://schemas.openxmlformats.org/drawingml/2006/diagram" xmlns:c="http://schemas.openxmlformats.org/drawingml/2006/chart" xmlns:mv="urn:schemas-microsoft-com:mac:vml" xmlns="">
+    <mc:Fallback xmlns="" xmlns:mv="urn:schemas-microsoft-com:mac:vml" xmlns:c="http://schemas.openxmlformats.org/drawingml/2006/chart" xmlns:dgm="http://schemas.openxmlformats.org/drawingml/2006/diagram" xmlns:o="urn:schemas-microsoft-com:office:office" xmlns:v="urn:schemas-microsoft-com:vml" xmlns:pvml="urn:schemas-microsoft-com:office:powerpoint" xmlns:com="http://schemas.openxmlformats.org/drawingml/2006/compatibility" xmlns:p15="http://schemas.microsoft.com/office/powerpoint/2012/main" xmlns:ahyp="http://schemas.microsoft.com/office/drawing/2018/hyperlinkcolor">
       <p:transition spd="slow">
         <p:fade/>
       </p:transition>
@@ -23717,7 +23929,7 @@
         <p:fade/>
       </p:transition>
     </mc:Choice>
-    <mc:Fallback xmlns:ahyp="http://schemas.microsoft.com/office/drawing/2018/hyperlinkcolor" xmlns:p15="http://schemas.microsoft.com/office/powerpoint/2012/main" xmlns:com="http://schemas.openxmlformats.org/drawingml/2006/compatibility" xmlns:pvml="urn:schemas-microsoft-com:office:powerpoint" xmlns:v="urn:schemas-microsoft-com:vml" xmlns:o="urn:schemas-microsoft-com:office:office" xmlns:dgm="http://schemas.openxmlformats.org/drawingml/2006/diagram" xmlns:c="http://schemas.openxmlformats.org/drawingml/2006/chart" xmlns:mv="urn:schemas-microsoft-com:mac:vml" xmlns="">
+    <mc:Fallback xmlns="" xmlns:mv="urn:schemas-microsoft-com:mac:vml" xmlns:c="http://schemas.openxmlformats.org/drawingml/2006/chart" xmlns:dgm="http://schemas.openxmlformats.org/drawingml/2006/diagram" xmlns:o="urn:schemas-microsoft-com:office:office" xmlns:v="urn:schemas-microsoft-com:vml" xmlns:pvml="urn:schemas-microsoft-com:office:powerpoint" xmlns:com="http://schemas.openxmlformats.org/drawingml/2006/compatibility" xmlns:p15="http://schemas.microsoft.com/office/powerpoint/2012/main" xmlns:ahyp="http://schemas.microsoft.com/office/drawing/2018/hyperlinkcolor">
       <p:transition spd="slow">
         <p:fade/>
       </p:transition>

--- a/Microservices Architecture.pptx
+++ b/Microservices Architecture.pptx
@@ -5,7 +5,7 @@
     <p:sldMasterId id="2147483677" r:id="rId1"/>
   </p:sldMasterIdLst>
   <p:notesMasterIdLst>
-    <p:notesMasterId r:id="rId21"/>
+    <p:notesMasterId r:id="rId22"/>
   </p:notesMasterIdLst>
   <p:sldIdLst>
     <p:sldId id="260" r:id="rId2"/>
@@ -17,16 +17,17 @@
     <p:sldId id="305" r:id="rId8"/>
     <p:sldId id="306" r:id="rId9"/>
     <p:sldId id="307" r:id="rId10"/>
-    <p:sldId id="308" r:id="rId11"/>
-    <p:sldId id="309" r:id="rId12"/>
-    <p:sldId id="316" r:id="rId13"/>
-    <p:sldId id="310" r:id="rId14"/>
-    <p:sldId id="311" r:id="rId15"/>
-    <p:sldId id="317" r:id="rId16"/>
-    <p:sldId id="303" r:id="rId17"/>
-    <p:sldId id="312" r:id="rId18"/>
-    <p:sldId id="302" r:id="rId19"/>
-    <p:sldId id="304" r:id="rId20"/>
+    <p:sldId id="318" r:id="rId11"/>
+    <p:sldId id="308" r:id="rId12"/>
+    <p:sldId id="309" r:id="rId13"/>
+    <p:sldId id="316" r:id="rId14"/>
+    <p:sldId id="310" r:id="rId15"/>
+    <p:sldId id="311" r:id="rId16"/>
+    <p:sldId id="317" r:id="rId17"/>
+    <p:sldId id="303" r:id="rId18"/>
+    <p:sldId id="312" r:id="rId19"/>
+    <p:sldId id="302" r:id="rId20"/>
+    <p:sldId id="304" r:id="rId21"/>
   </p:sldIdLst>
   <p:sldSz cx="14630400" cy="8229600"/>
   <p:notesSz cx="6858000" cy="9144000"/>
@@ -4585,7 +4586,7 @@
         <p:fade/>
       </p:transition>
     </mc:Choice>
-    <mc:Fallback xmlns="" xmlns:mv="urn:schemas-microsoft-com:mac:vml" xmlns:c="http://schemas.openxmlformats.org/drawingml/2006/chart" xmlns:dgm="http://schemas.openxmlformats.org/drawingml/2006/diagram" xmlns:o="urn:schemas-microsoft-com:office:office" xmlns:v="urn:schemas-microsoft-com:vml" xmlns:pvml="urn:schemas-microsoft-com:office:powerpoint" xmlns:com="http://schemas.openxmlformats.org/drawingml/2006/compatibility" xmlns:p15="http://schemas.microsoft.com/office/powerpoint/2012/main" xmlns:ahyp="http://schemas.microsoft.com/office/drawing/2018/hyperlinkcolor">
+    <mc:Fallback xmlns:ahyp="http://schemas.microsoft.com/office/drawing/2018/hyperlinkcolor" xmlns:p15="http://schemas.microsoft.com/office/powerpoint/2012/main" xmlns:com="http://schemas.openxmlformats.org/drawingml/2006/compatibility" xmlns:pvml="urn:schemas-microsoft-com:office:powerpoint" xmlns:v="urn:schemas-microsoft-com:vml" xmlns:o="urn:schemas-microsoft-com:office:office" xmlns:dgm="http://schemas.openxmlformats.org/drawingml/2006/diagram" xmlns:c="http://schemas.openxmlformats.org/drawingml/2006/chart" xmlns:mv="urn:schemas-microsoft-com:mac:vml" xmlns="">
       <p:transition spd="slow">
         <p:fade/>
       </p:transition>
@@ -4930,7 +4931,7 @@
         <p:fade/>
       </p:transition>
     </mc:Choice>
-    <mc:Fallback xmlns="" xmlns:mv="urn:schemas-microsoft-com:mac:vml" xmlns:c="http://schemas.openxmlformats.org/drawingml/2006/chart" xmlns:dgm="http://schemas.openxmlformats.org/drawingml/2006/diagram" xmlns:o="urn:schemas-microsoft-com:office:office" xmlns:v="urn:schemas-microsoft-com:vml" xmlns:pvml="urn:schemas-microsoft-com:office:powerpoint" xmlns:com="http://schemas.openxmlformats.org/drawingml/2006/compatibility" xmlns:p15="http://schemas.microsoft.com/office/powerpoint/2012/main" xmlns:ahyp="http://schemas.microsoft.com/office/drawing/2018/hyperlinkcolor">
+    <mc:Fallback xmlns:ahyp="http://schemas.microsoft.com/office/drawing/2018/hyperlinkcolor" xmlns:p15="http://schemas.microsoft.com/office/powerpoint/2012/main" xmlns:com="http://schemas.openxmlformats.org/drawingml/2006/compatibility" xmlns:pvml="urn:schemas-microsoft-com:office:powerpoint" xmlns:v="urn:schemas-microsoft-com:vml" xmlns:o="urn:schemas-microsoft-com:office:office" xmlns:dgm="http://schemas.openxmlformats.org/drawingml/2006/diagram" xmlns:c="http://schemas.openxmlformats.org/drawingml/2006/chart" xmlns:mv="urn:schemas-microsoft-com:mac:vml" xmlns="">
       <p:transition spd="slow">
         <p:fade/>
       </p:transition>
@@ -6294,7 +6295,7 @@
         <p:fade/>
       </p:transition>
     </mc:Choice>
-    <mc:Fallback xmlns="" xmlns:mv="urn:schemas-microsoft-com:mac:vml" xmlns:c="http://schemas.openxmlformats.org/drawingml/2006/chart" xmlns:dgm="http://schemas.openxmlformats.org/drawingml/2006/diagram" xmlns:o="urn:schemas-microsoft-com:office:office" xmlns:v="urn:schemas-microsoft-com:vml" xmlns:pvml="urn:schemas-microsoft-com:office:powerpoint" xmlns:com="http://schemas.openxmlformats.org/drawingml/2006/compatibility" xmlns:p15="http://schemas.microsoft.com/office/powerpoint/2012/main" xmlns:ahyp="http://schemas.microsoft.com/office/drawing/2018/hyperlinkcolor">
+    <mc:Fallback xmlns:ahyp="http://schemas.microsoft.com/office/drawing/2018/hyperlinkcolor" xmlns:p15="http://schemas.microsoft.com/office/powerpoint/2012/main" xmlns:com="http://schemas.openxmlformats.org/drawingml/2006/compatibility" xmlns:pvml="urn:schemas-microsoft-com:office:powerpoint" xmlns:v="urn:schemas-microsoft-com:vml" xmlns:o="urn:schemas-microsoft-com:office:office" xmlns:dgm="http://schemas.openxmlformats.org/drawingml/2006/diagram" xmlns:c="http://schemas.openxmlformats.org/drawingml/2006/chart" xmlns:mv="urn:schemas-microsoft-com:mac:vml" xmlns="">
       <p:transition spd="slow">
         <p:fade/>
       </p:transition>
@@ -6636,7 +6637,7 @@
         <p:fade/>
       </p:transition>
     </mc:Choice>
-    <mc:Fallback xmlns="" xmlns:mv="urn:schemas-microsoft-com:mac:vml" xmlns:c="http://schemas.openxmlformats.org/drawingml/2006/chart" xmlns:dgm="http://schemas.openxmlformats.org/drawingml/2006/diagram" xmlns:o="urn:schemas-microsoft-com:office:office" xmlns:v="urn:schemas-microsoft-com:vml" xmlns:pvml="urn:schemas-microsoft-com:office:powerpoint" xmlns:com="http://schemas.openxmlformats.org/drawingml/2006/compatibility" xmlns:p15="http://schemas.microsoft.com/office/powerpoint/2012/main" xmlns:ahyp="http://schemas.microsoft.com/office/drawing/2018/hyperlinkcolor">
+    <mc:Fallback xmlns:ahyp="http://schemas.microsoft.com/office/drawing/2018/hyperlinkcolor" xmlns:p15="http://schemas.microsoft.com/office/powerpoint/2012/main" xmlns:com="http://schemas.openxmlformats.org/drawingml/2006/compatibility" xmlns:pvml="urn:schemas-microsoft-com:office:powerpoint" xmlns:v="urn:schemas-microsoft-com:vml" xmlns:o="urn:schemas-microsoft-com:office:office" xmlns:dgm="http://schemas.openxmlformats.org/drawingml/2006/diagram" xmlns:c="http://schemas.openxmlformats.org/drawingml/2006/chart" xmlns:mv="urn:schemas-microsoft-com:mac:vml" xmlns="">
       <p:transition spd="slow">
         <p:fade/>
       </p:transition>
@@ -7298,7 +7299,7 @@
         <p:fade/>
       </p:transition>
     </mc:Choice>
-    <mc:Fallback xmlns="" xmlns:mv="urn:schemas-microsoft-com:mac:vml" xmlns:c="http://schemas.openxmlformats.org/drawingml/2006/chart" xmlns:dgm="http://schemas.openxmlformats.org/drawingml/2006/diagram" xmlns:o="urn:schemas-microsoft-com:office:office" xmlns:v="urn:schemas-microsoft-com:vml" xmlns:pvml="urn:schemas-microsoft-com:office:powerpoint" xmlns:com="http://schemas.openxmlformats.org/drawingml/2006/compatibility" xmlns:p15="http://schemas.microsoft.com/office/powerpoint/2012/main" xmlns:ahyp="http://schemas.microsoft.com/office/drawing/2018/hyperlinkcolor">
+    <mc:Fallback xmlns:ahyp="http://schemas.microsoft.com/office/drawing/2018/hyperlinkcolor" xmlns:p15="http://schemas.microsoft.com/office/powerpoint/2012/main" xmlns:com="http://schemas.openxmlformats.org/drawingml/2006/compatibility" xmlns:pvml="urn:schemas-microsoft-com:office:powerpoint" xmlns:v="urn:schemas-microsoft-com:vml" xmlns:o="urn:schemas-microsoft-com:office:office" xmlns:dgm="http://schemas.openxmlformats.org/drawingml/2006/diagram" xmlns:c="http://schemas.openxmlformats.org/drawingml/2006/chart" xmlns:mv="urn:schemas-microsoft-com:mac:vml" xmlns="">
       <p:transition spd="slow">
         <p:fade/>
       </p:transition>
@@ -8235,7 +8236,7 @@
         <p:fade/>
       </p:transition>
     </mc:Choice>
-    <mc:Fallback xmlns="" xmlns:mv="urn:schemas-microsoft-com:mac:vml" xmlns:c="http://schemas.openxmlformats.org/drawingml/2006/chart" xmlns:dgm="http://schemas.openxmlformats.org/drawingml/2006/diagram" xmlns:o="urn:schemas-microsoft-com:office:office" xmlns:v="urn:schemas-microsoft-com:vml" xmlns:pvml="urn:schemas-microsoft-com:office:powerpoint" xmlns:com="http://schemas.openxmlformats.org/drawingml/2006/compatibility" xmlns:p15="http://schemas.microsoft.com/office/powerpoint/2012/main" xmlns:ahyp="http://schemas.microsoft.com/office/drawing/2018/hyperlinkcolor">
+    <mc:Fallback xmlns:ahyp="http://schemas.microsoft.com/office/drawing/2018/hyperlinkcolor" xmlns:p15="http://schemas.microsoft.com/office/powerpoint/2012/main" xmlns:com="http://schemas.openxmlformats.org/drawingml/2006/compatibility" xmlns:pvml="urn:schemas-microsoft-com:office:powerpoint" xmlns:v="urn:schemas-microsoft-com:vml" xmlns:o="urn:schemas-microsoft-com:office:office" xmlns:dgm="http://schemas.openxmlformats.org/drawingml/2006/diagram" xmlns:c="http://schemas.openxmlformats.org/drawingml/2006/chart" xmlns:mv="urn:schemas-microsoft-com:mac:vml" xmlns="">
       <p:transition spd="slow">
         <p:fade/>
       </p:transition>
@@ -9572,7 +9573,7 @@
         <p:fade/>
       </p:transition>
     </mc:Choice>
-    <mc:Fallback xmlns="" xmlns:mv="urn:schemas-microsoft-com:mac:vml" xmlns:c="http://schemas.openxmlformats.org/drawingml/2006/chart" xmlns:dgm="http://schemas.openxmlformats.org/drawingml/2006/diagram" xmlns:o="urn:schemas-microsoft-com:office:office" xmlns:v="urn:schemas-microsoft-com:vml" xmlns:pvml="urn:schemas-microsoft-com:office:powerpoint" xmlns:com="http://schemas.openxmlformats.org/drawingml/2006/compatibility" xmlns:p15="http://schemas.microsoft.com/office/powerpoint/2012/main" xmlns:ahyp="http://schemas.microsoft.com/office/drawing/2018/hyperlinkcolor">
+    <mc:Fallback xmlns:ahyp="http://schemas.microsoft.com/office/drawing/2018/hyperlinkcolor" xmlns:p15="http://schemas.microsoft.com/office/powerpoint/2012/main" xmlns:com="http://schemas.openxmlformats.org/drawingml/2006/compatibility" xmlns:pvml="urn:schemas-microsoft-com:office:powerpoint" xmlns:v="urn:schemas-microsoft-com:vml" xmlns:o="urn:schemas-microsoft-com:office:office" xmlns:dgm="http://schemas.openxmlformats.org/drawingml/2006/diagram" xmlns:c="http://schemas.openxmlformats.org/drawingml/2006/chart" xmlns:mv="urn:schemas-microsoft-com:mac:vml" xmlns="">
       <p:transition spd="slow">
         <p:fade/>
       </p:transition>
@@ -10990,7 +10991,7 @@
         <p:fade/>
       </p:transition>
     </mc:Choice>
-    <mc:Fallback xmlns="" xmlns:mv="urn:schemas-microsoft-com:mac:vml" xmlns:c="http://schemas.openxmlformats.org/drawingml/2006/chart" xmlns:dgm="http://schemas.openxmlformats.org/drawingml/2006/diagram" xmlns:o="urn:schemas-microsoft-com:office:office" xmlns:v="urn:schemas-microsoft-com:vml" xmlns:pvml="urn:schemas-microsoft-com:office:powerpoint" xmlns:com="http://schemas.openxmlformats.org/drawingml/2006/compatibility" xmlns:p15="http://schemas.microsoft.com/office/powerpoint/2012/main" xmlns:ahyp="http://schemas.microsoft.com/office/drawing/2018/hyperlinkcolor">
+    <mc:Fallback xmlns:ahyp="http://schemas.microsoft.com/office/drawing/2018/hyperlinkcolor" xmlns:p15="http://schemas.microsoft.com/office/powerpoint/2012/main" xmlns:com="http://schemas.openxmlformats.org/drawingml/2006/compatibility" xmlns:pvml="urn:schemas-microsoft-com:office:powerpoint" xmlns:v="urn:schemas-microsoft-com:vml" xmlns:o="urn:schemas-microsoft-com:office:office" xmlns:dgm="http://schemas.openxmlformats.org/drawingml/2006/diagram" xmlns:c="http://schemas.openxmlformats.org/drawingml/2006/chart" xmlns:mv="urn:schemas-microsoft-com:mac:vml" xmlns="">
       <p:transition spd="slow">
         <p:fade/>
       </p:transition>
@@ -11879,7 +11880,7 @@
         <p:fade/>
       </p:transition>
     </mc:Choice>
-    <mc:Fallback xmlns="" xmlns:mv="urn:schemas-microsoft-com:mac:vml" xmlns:c="http://schemas.openxmlformats.org/drawingml/2006/chart" xmlns:dgm="http://schemas.openxmlformats.org/drawingml/2006/diagram" xmlns:o="urn:schemas-microsoft-com:office:office" xmlns:v="urn:schemas-microsoft-com:vml" xmlns:pvml="urn:schemas-microsoft-com:office:powerpoint" xmlns:com="http://schemas.openxmlformats.org/drawingml/2006/compatibility" xmlns:p15="http://schemas.microsoft.com/office/powerpoint/2012/main" xmlns:ahyp="http://schemas.microsoft.com/office/drawing/2018/hyperlinkcolor">
+    <mc:Fallback xmlns:ahyp="http://schemas.microsoft.com/office/drawing/2018/hyperlinkcolor" xmlns:p15="http://schemas.microsoft.com/office/powerpoint/2012/main" xmlns:com="http://schemas.openxmlformats.org/drawingml/2006/compatibility" xmlns:pvml="urn:schemas-microsoft-com:office:powerpoint" xmlns:v="urn:schemas-microsoft-com:vml" xmlns:o="urn:schemas-microsoft-com:office:office" xmlns:dgm="http://schemas.openxmlformats.org/drawingml/2006/diagram" xmlns:c="http://schemas.openxmlformats.org/drawingml/2006/chart" xmlns:mv="urn:schemas-microsoft-com:mac:vml" xmlns="">
       <p:transition spd="slow">
         <p:fade/>
       </p:transition>
@@ -11896,6 +11897,109 @@
 </file>
 
 <file path=ppt/slides/slide10.xml><?xml version="1.0" encoding="utf-8"?>
+<p:sld xmlns:a="http://schemas.openxmlformats.org/drawingml/2006/main" xmlns:r="http://schemas.openxmlformats.org/officeDocument/2006/relationships" xmlns:p="http://schemas.openxmlformats.org/presentationml/2006/main">
+  <p:cSld>
+    <p:spTree>
+      <p:nvGrpSpPr>
+        <p:cNvPr id="1" name=""/>
+        <p:cNvGrpSpPr/>
+        <p:nvPr/>
+      </p:nvGrpSpPr>
+      <p:grpSpPr>
+        <a:xfrm>
+          <a:off x="0" y="0"/>
+          <a:ext cx="0" cy="0"/>
+          <a:chOff x="0" y="0"/>
+          <a:chExt cx="0" cy="0"/>
+        </a:xfrm>
+      </p:grpSpPr>
+      <p:sp>
+        <p:nvSpPr>
+          <p:cNvPr id="5" name="Title 4"/>
+          <p:cNvSpPr>
+            <a:spLocks noGrp="1"/>
+          </p:cNvSpPr>
+          <p:nvPr>
+            <p:ph type="title"/>
+          </p:nvPr>
+        </p:nvSpPr>
+        <p:spPr/>
+        <p:txBody>
+          <a:bodyPr/>
+          <a:lstStyle/>
+          <a:p>
+            <a:r>
+              <a:rPr lang="en-GB" dirty="0" smtClean="0"/>
+              <a:t>Microservice 2 Lambda Code</a:t>
+            </a:r>
+            <a:endParaRPr lang="en-GB" dirty="0"/>
+          </a:p>
+        </p:txBody>
+      </p:sp>
+      <p:pic>
+        <p:nvPicPr>
+          <p:cNvPr id="6" name="Picture 5"/>
+          <p:cNvPicPr>
+            <a:picLocks noChangeAspect="1"/>
+          </p:cNvPicPr>
+          <p:nvPr/>
+        </p:nvPicPr>
+        <p:blipFill>
+          <a:blip r:embed="rId2"/>
+          <a:stretch>
+            <a:fillRect/>
+          </a:stretch>
+        </p:blipFill>
+        <p:spPr>
+          <a:xfrm>
+            <a:off x="1407834" y="2057399"/>
+            <a:ext cx="8161874" cy="3056572"/>
+          </a:xfrm>
+          <a:prstGeom prst="rect">
+            <a:avLst/>
+          </a:prstGeom>
+          <a:ln w="38100" cap="sq">
+            <a:solidFill>
+              <a:srgbClr val="000000"/>
+            </a:solidFill>
+            <a:prstDash val="solid"/>
+            <a:miter lim="800000"/>
+          </a:ln>
+          <a:effectLst>
+            <a:outerShdw blurRad="50800" dist="38100" dir="2700000" algn="tl" rotWithShape="0">
+              <a:srgbClr val="000000">
+                <a:alpha val="43000"/>
+              </a:srgbClr>
+            </a:outerShdw>
+          </a:effectLst>
+        </p:spPr>
+      </p:pic>
+    </p:spTree>
+    <p:extLst>
+      <p:ext uri="{BB962C8B-B14F-4D97-AF65-F5344CB8AC3E}">
+        <p14:creationId xmlns:p14="http://schemas.microsoft.com/office/powerpoint/2010/main" val="3997021714"/>
+      </p:ext>
+    </p:extLst>
+  </p:cSld>
+  <p:clrMapOvr>
+    <a:masterClrMapping/>
+  </p:clrMapOvr>
+  <mc:AlternateContent xmlns:mc="http://schemas.openxmlformats.org/markup-compatibility/2006" xmlns:p14="http://schemas.microsoft.com/office/powerpoint/2010/main">
+    <mc:Choice Requires="p14">
+      <p:transition spd="med" p14:dur="700">
+        <p:fade/>
+      </p:transition>
+    </mc:Choice>
+    <mc:Fallback xmlns:ahyp="http://schemas.microsoft.com/office/drawing/2018/hyperlinkcolor" xmlns:p15="http://schemas.microsoft.com/office/powerpoint/2012/main" xmlns:com="http://schemas.openxmlformats.org/drawingml/2006/compatibility" xmlns:pvml="urn:schemas-microsoft-com:office:powerpoint" xmlns:v="urn:schemas-microsoft-com:vml" xmlns:o="urn:schemas-microsoft-com:office:office" xmlns:dgm="http://schemas.openxmlformats.org/drawingml/2006/diagram" xmlns:c="http://schemas.openxmlformats.org/drawingml/2006/chart" xmlns:mv="urn:schemas-microsoft-com:mac:vml" xmlns="">
+      <p:transition spd="slow">
+        <p:fade/>
+      </p:transition>
+    </mc:Fallback>
+  </mc:AlternateContent>
+</p:sld>
+</file>
+
+<file path=ppt/slides/slide11.xml><?xml version="1.0" encoding="utf-8"?>
 <p:sld xmlns:a="http://schemas.openxmlformats.org/drawingml/2006/main" xmlns:r="http://schemas.openxmlformats.org/officeDocument/2006/relationships" xmlns:p="http://schemas.openxmlformats.org/presentationml/2006/main">
   <p:cSld>
     <p:spTree>
@@ -12033,7 +12137,7 @@
         <p:fade/>
       </p:transition>
     </mc:Choice>
-    <mc:Fallback xmlns="" xmlns:mv="urn:schemas-microsoft-com:mac:vml" xmlns:c="http://schemas.openxmlformats.org/drawingml/2006/chart" xmlns:dgm="http://schemas.openxmlformats.org/drawingml/2006/diagram" xmlns:o="urn:schemas-microsoft-com:office:office" xmlns:v="urn:schemas-microsoft-com:vml" xmlns:pvml="urn:schemas-microsoft-com:office:powerpoint" xmlns:com="http://schemas.openxmlformats.org/drawingml/2006/compatibility" xmlns:p15="http://schemas.microsoft.com/office/powerpoint/2012/main" xmlns:ahyp="http://schemas.microsoft.com/office/drawing/2018/hyperlinkcolor">
+    <mc:Fallback xmlns:ahyp="http://schemas.microsoft.com/office/drawing/2018/hyperlinkcolor" xmlns:p15="http://schemas.microsoft.com/office/powerpoint/2012/main" xmlns:com="http://schemas.openxmlformats.org/drawingml/2006/compatibility" xmlns:pvml="urn:schemas-microsoft-com:office:powerpoint" xmlns:v="urn:schemas-microsoft-com:vml" xmlns:o="urn:schemas-microsoft-com:office:office" xmlns:dgm="http://schemas.openxmlformats.org/drawingml/2006/diagram" xmlns:c="http://schemas.openxmlformats.org/drawingml/2006/chart" xmlns:mv="urn:schemas-microsoft-com:mac:vml" xmlns="">
       <p:transition spd="slow">
         <p:fade/>
       </p:transition>
@@ -12049,7 +12153,7 @@
 </p:sld>
 </file>
 
-<file path=ppt/slides/slide11.xml><?xml version="1.0" encoding="utf-8"?>
+<file path=ppt/slides/slide12.xml><?xml version="1.0" encoding="utf-8"?>
 <p:sld xmlns:a="http://schemas.openxmlformats.org/drawingml/2006/main" xmlns:r="http://schemas.openxmlformats.org/officeDocument/2006/relationships" xmlns:p="http://schemas.openxmlformats.org/presentationml/2006/main">
   <p:cSld>
     <p:spTree>
@@ -13167,7 +13271,7 @@
         <p:fade/>
       </p:transition>
     </mc:Choice>
-    <mc:Fallback xmlns="" xmlns:mv="urn:schemas-microsoft-com:mac:vml" xmlns:c="http://schemas.openxmlformats.org/drawingml/2006/chart" xmlns:dgm="http://schemas.openxmlformats.org/drawingml/2006/diagram" xmlns:o="urn:schemas-microsoft-com:office:office" xmlns:v="urn:schemas-microsoft-com:vml" xmlns:pvml="urn:schemas-microsoft-com:office:powerpoint" xmlns:com="http://schemas.openxmlformats.org/drawingml/2006/compatibility" xmlns:p15="http://schemas.microsoft.com/office/powerpoint/2012/main" xmlns:ahyp="http://schemas.microsoft.com/office/drawing/2018/hyperlinkcolor">
+    <mc:Fallback xmlns:ahyp="http://schemas.microsoft.com/office/drawing/2018/hyperlinkcolor" xmlns:p15="http://schemas.microsoft.com/office/powerpoint/2012/main" xmlns:com="http://schemas.openxmlformats.org/drawingml/2006/compatibility" xmlns:pvml="urn:schemas-microsoft-com:office:powerpoint" xmlns:v="urn:schemas-microsoft-com:vml" xmlns:o="urn:schemas-microsoft-com:office:office" xmlns:dgm="http://schemas.openxmlformats.org/drawingml/2006/diagram" xmlns:c="http://schemas.openxmlformats.org/drawingml/2006/chart" xmlns:mv="urn:schemas-microsoft-com:mac:vml" xmlns="">
       <p:transition spd="slow">
         <p:fade/>
       </p:transition>
@@ -13328,7 +13432,7 @@
 </p:sld>
 </file>
 
-<file path=ppt/slides/slide12.xml><?xml version="1.0" encoding="utf-8"?>
+<file path=ppt/slides/slide13.xml><?xml version="1.0" encoding="utf-8"?>
 <p:sld xmlns:a="http://schemas.openxmlformats.org/drawingml/2006/main" xmlns:r="http://schemas.openxmlformats.org/officeDocument/2006/relationships" xmlns:p="http://schemas.openxmlformats.org/presentationml/2006/main">
   <p:cSld>
     <p:spTree>
@@ -13370,7 +13474,7 @@
       </p:sp>
       <p:pic>
         <p:nvPicPr>
-          <p:cNvPr id="2" name="Picture 1"/>
+          <p:cNvPr id="3" name="Picture 2"/>
           <p:cNvPicPr>
             <a:picLocks noChangeAspect="1"/>
           </p:cNvPicPr>
@@ -13384,8 +13488,8 @@
         </p:blipFill>
         <p:spPr>
           <a:xfrm>
-            <a:off x="1004878" y="1348581"/>
-            <a:ext cx="9578178" cy="5901437"/>
+            <a:off x="1969711" y="1550730"/>
+            <a:ext cx="9327553" cy="4957600"/>
           </a:xfrm>
           <a:prstGeom prst="rect">
             <a:avLst/>
@@ -13422,7 +13526,7 @@
         <p:fade/>
       </p:transition>
     </mc:Choice>
-    <mc:Fallback xmlns="" xmlns:mv="urn:schemas-microsoft-com:mac:vml" xmlns:c="http://schemas.openxmlformats.org/drawingml/2006/chart" xmlns:dgm="http://schemas.openxmlformats.org/drawingml/2006/diagram" xmlns:o="urn:schemas-microsoft-com:office:office" xmlns:v="urn:schemas-microsoft-com:vml" xmlns:pvml="urn:schemas-microsoft-com:office:powerpoint" xmlns:com="http://schemas.openxmlformats.org/drawingml/2006/compatibility" xmlns:p15="http://schemas.microsoft.com/office/powerpoint/2012/main" xmlns:ahyp="http://schemas.microsoft.com/office/drawing/2018/hyperlinkcolor">
+    <mc:Fallback xmlns:ahyp="http://schemas.microsoft.com/office/drawing/2018/hyperlinkcolor" xmlns:p15="http://schemas.microsoft.com/office/powerpoint/2012/main" xmlns:com="http://schemas.openxmlformats.org/drawingml/2006/compatibility" xmlns:pvml="urn:schemas-microsoft-com:office:powerpoint" xmlns:v="urn:schemas-microsoft-com:vml" xmlns:o="urn:schemas-microsoft-com:office:office" xmlns:dgm="http://schemas.openxmlformats.org/drawingml/2006/diagram" xmlns:c="http://schemas.openxmlformats.org/drawingml/2006/chart" xmlns:mv="urn:schemas-microsoft-com:mac:vml" xmlns="">
       <p:transition spd="slow">
         <p:fade/>
       </p:transition>
@@ -13431,7 +13535,7 @@
 </p:sld>
 </file>
 
-<file path=ppt/slides/slide13.xml><?xml version="1.0" encoding="utf-8"?>
+<file path=ppt/slides/slide14.xml><?xml version="1.0" encoding="utf-8"?>
 <p:sld xmlns:a="http://schemas.openxmlformats.org/drawingml/2006/main" xmlns:r="http://schemas.openxmlformats.org/officeDocument/2006/relationships" xmlns:p="http://schemas.openxmlformats.org/presentationml/2006/main">
   <p:cSld>
     <p:spTree>
@@ -13573,7 +13677,7 @@
         <p:fade/>
       </p:transition>
     </mc:Choice>
-    <mc:Fallback xmlns="" xmlns:mv="urn:schemas-microsoft-com:mac:vml" xmlns:c="http://schemas.openxmlformats.org/drawingml/2006/chart" xmlns:dgm="http://schemas.openxmlformats.org/drawingml/2006/diagram" xmlns:o="urn:schemas-microsoft-com:office:office" xmlns:v="urn:schemas-microsoft-com:vml" xmlns:pvml="urn:schemas-microsoft-com:office:powerpoint" xmlns:com="http://schemas.openxmlformats.org/drawingml/2006/compatibility" xmlns:p15="http://schemas.microsoft.com/office/powerpoint/2012/main" xmlns:ahyp="http://schemas.microsoft.com/office/drawing/2018/hyperlinkcolor">
+    <mc:Fallback xmlns:ahyp="http://schemas.microsoft.com/office/drawing/2018/hyperlinkcolor" xmlns:p15="http://schemas.microsoft.com/office/powerpoint/2012/main" xmlns:com="http://schemas.openxmlformats.org/drawingml/2006/compatibility" xmlns:pvml="urn:schemas-microsoft-com:office:powerpoint" xmlns:v="urn:schemas-microsoft-com:vml" xmlns:o="urn:schemas-microsoft-com:office:office" xmlns:dgm="http://schemas.openxmlformats.org/drawingml/2006/diagram" xmlns:c="http://schemas.openxmlformats.org/drawingml/2006/chart" xmlns:mv="urn:schemas-microsoft-com:mac:vml" xmlns="">
       <p:transition spd="slow">
         <p:fade/>
       </p:transition>
@@ -13589,7 +13693,7 @@
 </p:sld>
 </file>
 
-<file path=ppt/slides/slide14.xml><?xml version="1.0" encoding="utf-8"?>
+<file path=ppt/slides/slide15.xml><?xml version="1.0" encoding="utf-8"?>
 <p:sld xmlns:a="http://schemas.openxmlformats.org/drawingml/2006/main" xmlns:r="http://schemas.openxmlformats.org/officeDocument/2006/relationships" xmlns:p="http://schemas.openxmlformats.org/presentationml/2006/main">
   <p:cSld>
     <p:spTree>
@@ -14650,7 +14754,7 @@
         <p:fade/>
       </p:transition>
     </mc:Choice>
-    <mc:Fallback xmlns="" xmlns:mv="urn:schemas-microsoft-com:mac:vml" xmlns:c="http://schemas.openxmlformats.org/drawingml/2006/chart" xmlns:dgm="http://schemas.openxmlformats.org/drawingml/2006/diagram" xmlns:o="urn:schemas-microsoft-com:office:office" xmlns:v="urn:schemas-microsoft-com:vml" xmlns:pvml="urn:schemas-microsoft-com:office:powerpoint" xmlns:com="http://schemas.openxmlformats.org/drawingml/2006/compatibility" xmlns:p15="http://schemas.microsoft.com/office/powerpoint/2012/main" xmlns:ahyp="http://schemas.microsoft.com/office/drawing/2018/hyperlinkcolor">
+    <mc:Fallback xmlns:ahyp="http://schemas.microsoft.com/office/drawing/2018/hyperlinkcolor" xmlns:p15="http://schemas.microsoft.com/office/powerpoint/2012/main" xmlns:com="http://schemas.openxmlformats.org/drawingml/2006/compatibility" xmlns:pvml="urn:schemas-microsoft-com:office:powerpoint" xmlns:v="urn:schemas-microsoft-com:vml" xmlns:o="urn:schemas-microsoft-com:office:office" xmlns:dgm="http://schemas.openxmlformats.org/drawingml/2006/diagram" xmlns:c="http://schemas.openxmlformats.org/drawingml/2006/chart" xmlns:mv="urn:schemas-microsoft-com:mac:vml" xmlns="">
       <p:transition spd="slow">
         <p:fade/>
       </p:transition>
@@ -14783,7 +14887,7 @@
 </p:sld>
 </file>
 
-<file path=ppt/slides/slide15.xml><?xml version="1.0" encoding="utf-8"?>
+<file path=ppt/slides/slide16.xml><?xml version="1.0" encoding="utf-8"?>
 <p:sld xmlns:a="http://schemas.openxmlformats.org/drawingml/2006/main" xmlns:r="http://schemas.openxmlformats.org/officeDocument/2006/relationships" xmlns:p="http://schemas.openxmlformats.org/presentationml/2006/main">
   <p:cSld>
     <p:spTree>
@@ -14825,7 +14929,7 @@
       </p:sp>
       <p:pic>
         <p:nvPicPr>
-          <p:cNvPr id="4" name="Picture 3"/>
+          <p:cNvPr id="2" name="Picture 1"/>
           <p:cNvPicPr>
             <a:picLocks noChangeAspect="1"/>
           </p:cNvPicPr>
@@ -14839,8 +14943,8 @@
         </p:blipFill>
         <p:spPr>
           <a:xfrm>
-            <a:off x="1019892" y="1258640"/>
-            <a:ext cx="8971051" cy="6208812"/>
+            <a:off x="1673289" y="1278912"/>
+            <a:ext cx="8222879" cy="5857843"/>
           </a:xfrm>
           <a:prstGeom prst="rect">
             <a:avLst/>
@@ -14877,7 +14981,7 @@
         <p:fade/>
       </p:transition>
     </mc:Choice>
-    <mc:Fallback xmlns="" xmlns:mv="urn:schemas-microsoft-com:mac:vml" xmlns:c="http://schemas.openxmlformats.org/drawingml/2006/chart" xmlns:dgm="http://schemas.openxmlformats.org/drawingml/2006/diagram" xmlns:o="urn:schemas-microsoft-com:office:office" xmlns:v="urn:schemas-microsoft-com:vml" xmlns:pvml="urn:schemas-microsoft-com:office:powerpoint" xmlns:com="http://schemas.openxmlformats.org/drawingml/2006/compatibility" xmlns:p15="http://schemas.microsoft.com/office/powerpoint/2012/main" xmlns:ahyp="http://schemas.microsoft.com/office/drawing/2018/hyperlinkcolor">
+    <mc:Fallback xmlns:ahyp="http://schemas.microsoft.com/office/drawing/2018/hyperlinkcolor" xmlns:p15="http://schemas.microsoft.com/office/powerpoint/2012/main" xmlns:com="http://schemas.openxmlformats.org/drawingml/2006/compatibility" xmlns:pvml="urn:schemas-microsoft-com:office:powerpoint" xmlns:v="urn:schemas-microsoft-com:vml" xmlns:o="urn:schemas-microsoft-com:office:office" xmlns:dgm="http://schemas.openxmlformats.org/drawingml/2006/diagram" xmlns:c="http://schemas.openxmlformats.org/drawingml/2006/chart" xmlns:mv="urn:schemas-microsoft-com:mac:vml" xmlns="">
       <p:transition spd="slow">
         <p:fade/>
       </p:transition>
@@ -14886,7 +14990,7 @@
 </p:sld>
 </file>
 
-<file path=ppt/slides/slide16.xml><?xml version="1.0" encoding="utf-8"?>
+<file path=ppt/slides/slide17.xml><?xml version="1.0" encoding="utf-8"?>
 <p:sld xmlns:a="http://schemas.openxmlformats.org/drawingml/2006/main" xmlns:r="http://schemas.openxmlformats.org/officeDocument/2006/relationships" xmlns:p="http://schemas.openxmlformats.org/presentationml/2006/main">
   <p:cSld>
     <p:spTree>
@@ -14968,7 +15072,7 @@
         <p:fade/>
       </p:transition>
     </mc:Choice>
-    <mc:Fallback xmlns="" xmlns:mv="urn:schemas-microsoft-com:mac:vml" xmlns:c="http://schemas.openxmlformats.org/drawingml/2006/chart" xmlns:dgm="http://schemas.openxmlformats.org/drawingml/2006/diagram" xmlns:o="urn:schemas-microsoft-com:office:office" xmlns:v="urn:schemas-microsoft-com:vml" xmlns:pvml="urn:schemas-microsoft-com:office:powerpoint" xmlns:com="http://schemas.openxmlformats.org/drawingml/2006/compatibility" xmlns:p15="http://schemas.microsoft.com/office/powerpoint/2012/main" xmlns:ahyp="http://schemas.microsoft.com/office/drawing/2018/hyperlinkcolor">
+    <mc:Fallback xmlns:ahyp="http://schemas.microsoft.com/office/drawing/2018/hyperlinkcolor" xmlns:p15="http://schemas.microsoft.com/office/powerpoint/2012/main" xmlns:com="http://schemas.openxmlformats.org/drawingml/2006/compatibility" xmlns:pvml="urn:schemas-microsoft-com:office:powerpoint" xmlns:v="urn:schemas-microsoft-com:vml" xmlns:o="urn:schemas-microsoft-com:office:office" xmlns:dgm="http://schemas.openxmlformats.org/drawingml/2006/diagram" xmlns:c="http://schemas.openxmlformats.org/drawingml/2006/chart" xmlns:mv="urn:schemas-microsoft-com:mac:vml" xmlns="">
       <p:transition spd="slow">
         <p:fade/>
       </p:transition>
@@ -14984,7 +15088,7 @@
 </p:sld>
 </file>
 
-<file path=ppt/slides/slide17.xml><?xml version="1.0" encoding="utf-8"?>
+<file path=ppt/slides/slide18.xml><?xml version="1.0" encoding="utf-8"?>
 <p:sld xmlns:a="http://schemas.openxmlformats.org/drawingml/2006/main" xmlns:r="http://schemas.openxmlformats.org/officeDocument/2006/relationships" xmlns:p="http://schemas.openxmlformats.org/presentationml/2006/main">
   <p:cSld>
     <p:spTree>
@@ -15044,7 +15148,7 @@
               <a:buChar char="•"/>
             </a:pPr>
             <a:r>
-              <a:rPr lang="en-GB" dirty="0" smtClean="0"/>
+              <a:rPr lang="en-GB" sz="1800" dirty="0" smtClean="0"/>
               <a:t>Lots of lessons picked up throughout the programming of the API’s.</a:t>
             </a:r>
           </a:p>
@@ -15054,7 +15158,7 @@
               <a:buChar char="•"/>
             </a:pPr>
             <a:r>
-              <a:rPr lang="en-GB" dirty="0" smtClean="0"/>
+              <a:rPr lang="en-GB" sz="1800" dirty="0" smtClean="0"/>
               <a:t>Idempotency needs to be accounted for when performing CRUD operations on DynamoDB;</a:t>
             </a:r>
           </a:p>
@@ -15064,7 +15168,7 @@
               <a:buChar char="•"/>
             </a:pPr>
             <a:r>
-              <a:rPr lang="en-GB" dirty="0" smtClean="0"/>
+              <a:rPr lang="en-GB" sz="1800" dirty="0" smtClean="0"/>
               <a:t>Payloads should be done via Json as opposed to parsing arguments where possible, due to mandatory arguments being required when using a parser.  This caused issues when only sending key field information.</a:t>
             </a:r>
           </a:p>
@@ -15074,9 +15178,14 @@
               <a:buChar char="•"/>
             </a:pPr>
             <a:r>
-              <a:rPr lang="en-GB" dirty="0" smtClean="0"/>
-              <a:t>File handling is relatively straightforward but ideally, bucket names et. Al. should be variablised when possible to reduce wet code.  Typo’s in bucket name caused a lot of consternation and confusion when writing the API.</a:t>
-            </a:r>
+              <a:rPr lang="en-GB" sz="1800" dirty="0" smtClean="0"/>
+              <a:t>File handling is relatively straightforward but ideally, bucket names et. Al. should be variablised when possible to reduce wet code.  Typo’s in bucket name caused a lot of consternation and confusion when writing the API</a:t>
+            </a:r>
+            <a:r>
+              <a:rPr lang="en-GB" sz="1800" dirty="0"/>
+              <a:t>. </a:t>
+            </a:r>
+            <a:endParaRPr lang="en-GB" sz="1800" dirty="0" smtClean="0"/>
           </a:p>
           <a:p>
             <a:pPr marL="571500" indent="-342900">
@@ -15084,9 +15193,10 @@
               <a:buChar char="•"/>
             </a:pPr>
             <a:r>
-              <a:rPr lang="en-GB" dirty="0" smtClean="0"/>
-              <a:t>DynamoDB is not suited for regular searching and scanning of database records.  Alternatives such as RDS are better.</a:t>
-            </a:r>
+              <a:rPr lang="en-GB" sz="1800" dirty="0" smtClean="0"/>
+              <a:t>Access Permissions and policies are complex.  Case in point S3FullAccess does not allow a user to delete an object, giving access denied errors.  A Lambda was the only solution for this.</a:t>
+            </a:r>
+            <a:endParaRPr lang="en-GB" sz="1800" dirty="0"/>
           </a:p>
           <a:p>
             <a:pPr marL="571500" indent="-342900">
@@ -15094,10 +15204,27 @@
               <a:buChar char="•"/>
             </a:pPr>
             <a:r>
-              <a:rPr lang="en-GB" dirty="0" smtClean="0"/>
-              <a:t>Code 200 returns are not always correct, code 200 indicates the endpoint was successfully hit by the API request, not that the function of the API was successful, additional code was required to handle exceptions.</a:t>
-            </a:r>
-            <a:endParaRPr lang="en-GB" dirty="0"/>
+              <a:rPr lang="en-GB" sz="1800" dirty="0" smtClean="0"/>
+              <a:t>DynamoDB </a:t>
+            </a:r>
+            <a:r>
+              <a:rPr lang="en-GB" sz="1800" dirty="0" smtClean="0"/>
+              <a:t>is not suited for regular searching and scanning of database records.  Alternatives such as RDS are better.</a:t>
+            </a:r>
+          </a:p>
+          <a:p>
+            <a:pPr marL="571500" indent="-342900">
+              <a:buFont typeface="Arial" panose="020B0604020202020204" pitchFamily="34" charset="0"/>
+              <a:buChar char="•"/>
+            </a:pPr>
+            <a:r>
+              <a:rPr lang="en-GB" sz="1800" dirty="0" smtClean="0"/>
+              <a:t>Code 200 returns are not always correct, code 200 indicates the endpoint was successfully hit by the API request, not that the function of the API was successful, additional code was required to handle exceptions</a:t>
+            </a:r>
+            <a:r>
+              <a:rPr lang="en-GB" sz="1800" dirty="0" smtClean="0"/>
+              <a:t>.</a:t>
+            </a:r>
           </a:p>
         </p:txBody>
       </p:sp>
@@ -15117,7 +15244,7 @@
         <p:fade/>
       </p:transition>
     </mc:Choice>
-    <mc:Fallback xmlns="" xmlns:mv="urn:schemas-microsoft-com:mac:vml" xmlns:c="http://schemas.openxmlformats.org/drawingml/2006/chart" xmlns:dgm="http://schemas.openxmlformats.org/drawingml/2006/diagram" xmlns:o="urn:schemas-microsoft-com:office:office" xmlns:v="urn:schemas-microsoft-com:vml" xmlns:pvml="urn:schemas-microsoft-com:office:powerpoint" xmlns:com="http://schemas.openxmlformats.org/drawingml/2006/compatibility" xmlns:p15="http://schemas.microsoft.com/office/powerpoint/2012/main" xmlns:ahyp="http://schemas.microsoft.com/office/drawing/2018/hyperlinkcolor">
+    <mc:Fallback xmlns:ahyp="http://schemas.microsoft.com/office/drawing/2018/hyperlinkcolor" xmlns:p15="http://schemas.microsoft.com/office/powerpoint/2012/main" xmlns:com="http://schemas.openxmlformats.org/drawingml/2006/compatibility" xmlns:pvml="urn:schemas-microsoft-com:office:powerpoint" xmlns:v="urn:schemas-microsoft-com:vml" xmlns:o="urn:schemas-microsoft-com:office:office" xmlns:dgm="http://schemas.openxmlformats.org/drawingml/2006/diagram" xmlns:c="http://schemas.openxmlformats.org/drawingml/2006/chart" xmlns:mv="urn:schemas-microsoft-com:mac:vml" xmlns="">
       <p:transition spd="slow">
         <p:fade/>
       </p:transition>
@@ -15126,7 +15253,7 @@
 </p:sld>
 </file>
 
-<file path=ppt/slides/slide18.xml><?xml version="1.0" encoding="utf-8"?>
+<file path=ppt/slides/slide19.xml><?xml version="1.0" encoding="utf-8"?>
 <p:sld xmlns:a="http://schemas.openxmlformats.org/drawingml/2006/main" xmlns:r="http://schemas.openxmlformats.org/officeDocument/2006/relationships" xmlns:p="http://schemas.openxmlformats.org/presentationml/2006/main">
   <p:cSld>
     <p:spTree>
@@ -17908,7 +18035,7 @@
         <p:fade/>
       </p:transition>
     </mc:Choice>
-    <mc:Fallback xmlns="" xmlns:mv="urn:schemas-microsoft-com:mac:vml" xmlns:c="http://schemas.openxmlformats.org/drawingml/2006/chart" xmlns:dgm="http://schemas.openxmlformats.org/drawingml/2006/diagram" xmlns:o="urn:schemas-microsoft-com:office:office" xmlns:v="urn:schemas-microsoft-com:vml" xmlns:pvml="urn:schemas-microsoft-com:office:powerpoint" xmlns:com="http://schemas.openxmlformats.org/drawingml/2006/compatibility" xmlns:p15="http://schemas.microsoft.com/office/powerpoint/2012/main" xmlns:ahyp="http://schemas.microsoft.com/office/drawing/2018/hyperlinkcolor">
+    <mc:Fallback xmlns:ahyp="http://schemas.microsoft.com/office/drawing/2018/hyperlinkcolor" xmlns:p15="http://schemas.microsoft.com/office/powerpoint/2012/main" xmlns:com="http://schemas.openxmlformats.org/drawingml/2006/compatibility" xmlns:pvml="urn:schemas-microsoft-com:office:powerpoint" xmlns:v="urn:schemas-microsoft-com:vml" xmlns:o="urn:schemas-microsoft-com:office:office" xmlns:dgm="http://schemas.openxmlformats.org/drawingml/2006/diagram" xmlns:c="http://schemas.openxmlformats.org/drawingml/2006/chart" xmlns:mv="urn:schemas-microsoft-com:mac:vml" xmlns="">
       <p:transition spd="slow">
         <p:fade/>
       </p:transition>
@@ -17921,43 +18048,6 @@
       </p:par>
     </p:tnLst>
   </p:timing>
-</p:sld>
-</file>
-
-<file path=ppt/slides/slide19.xml><?xml version="1.0" encoding="utf-8"?>
-<p:sld xmlns:a="http://schemas.openxmlformats.org/drawingml/2006/main" xmlns:r="http://schemas.openxmlformats.org/officeDocument/2006/relationships" xmlns:p="http://schemas.openxmlformats.org/presentationml/2006/main">
-  <p:cSld>
-    <p:spTree>
-      <p:nvGrpSpPr>
-        <p:cNvPr id="1" name="Shape 1395"/>
-        <p:cNvGrpSpPr/>
-        <p:nvPr/>
-      </p:nvGrpSpPr>
-      <p:grpSpPr>
-        <a:xfrm>
-          <a:off x="0" y="0"/>
-          <a:ext cx="0" cy="0"/>
-          <a:chOff x="0" y="0"/>
-          <a:chExt cx="0" cy="0"/>
-        </a:xfrm>
-      </p:grpSpPr>
-    </p:spTree>
-  </p:cSld>
-  <p:clrMapOvr>
-    <a:masterClrMapping/>
-  </p:clrMapOvr>
-  <mc:AlternateContent xmlns:mc="http://schemas.openxmlformats.org/markup-compatibility/2006" xmlns:p14="http://schemas.microsoft.com/office/powerpoint/2010/main">
-    <mc:Choice Requires="p14">
-      <p:transition spd="med" p14:dur="700">
-        <p:fade/>
-      </p:transition>
-    </mc:Choice>
-    <mc:Fallback xmlns="" xmlns:mv="urn:schemas-microsoft-com:mac:vml" xmlns:c="http://schemas.openxmlformats.org/drawingml/2006/chart" xmlns:dgm="http://schemas.openxmlformats.org/drawingml/2006/diagram" xmlns:o="urn:schemas-microsoft-com:office:office" xmlns:v="urn:schemas-microsoft-com:vml" xmlns:pvml="urn:schemas-microsoft-com:office:powerpoint" xmlns:com="http://schemas.openxmlformats.org/drawingml/2006/compatibility" xmlns:p15="http://schemas.microsoft.com/office/powerpoint/2012/main" xmlns:ahyp="http://schemas.microsoft.com/office/drawing/2018/hyperlinkcolor">
-      <p:transition spd="slow">
-        <p:fade/>
-      </p:transition>
-    </mc:Fallback>
-  </mc:AlternateContent>
 </p:sld>
 </file>
 
@@ -19304,7 +19394,7 @@
         <p:fade/>
       </p:transition>
     </mc:Choice>
-    <mc:Fallback xmlns="" xmlns:mv="urn:schemas-microsoft-com:mac:vml" xmlns:c="http://schemas.openxmlformats.org/drawingml/2006/chart" xmlns:dgm="http://schemas.openxmlformats.org/drawingml/2006/diagram" xmlns:o="urn:schemas-microsoft-com:office:office" xmlns:v="urn:schemas-microsoft-com:vml" xmlns:pvml="urn:schemas-microsoft-com:office:powerpoint" xmlns:com="http://schemas.openxmlformats.org/drawingml/2006/compatibility" xmlns:p15="http://schemas.microsoft.com/office/powerpoint/2012/main" xmlns:ahyp="http://schemas.microsoft.com/office/drawing/2018/hyperlinkcolor">
+    <mc:Fallback xmlns:ahyp="http://schemas.microsoft.com/office/drawing/2018/hyperlinkcolor" xmlns:p15="http://schemas.microsoft.com/office/powerpoint/2012/main" xmlns:com="http://schemas.openxmlformats.org/drawingml/2006/compatibility" xmlns:pvml="urn:schemas-microsoft-com:office:powerpoint" xmlns:v="urn:schemas-microsoft-com:vml" xmlns:o="urn:schemas-microsoft-com:office:office" xmlns:dgm="http://schemas.openxmlformats.org/drawingml/2006/diagram" xmlns:c="http://schemas.openxmlformats.org/drawingml/2006/chart" xmlns:mv="urn:schemas-microsoft-com:mac:vml" xmlns="">
       <p:transition spd="slow">
         <p:fade/>
       </p:transition>
@@ -19317,6 +19407,43 @@
       </p:par>
     </p:tnLst>
   </p:timing>
+</p:sld>
+</file>
+
+<file path=ppt/slides/slide20.xml><?xml version="1.0" encoding="utf-8"?>
+<p:sld xmlns:a="http://schemas.openxmlformats.org/drawingml/2006/main" xmlns:r="http://schemas.openxmlformats.org/officeDocument/2006/relationships" xmlns:p="http://schemas.openxmlformats.org/presentationml/2006/main">
+  <p:cSld>
+    <p:spTree>
+      <p:nvGrpSpPr>
+        <p:cNvPr id="1" name="Shape 1395"/>
+        <p:cNvGrpSpPr/>
+        <p:nvPr/>
+      </p:nvGrpSpPr>
+      <p:grpSpPr>
+        <a:xfrm>
+          <a:off x="0" y="0"/>
+          <a:ext cx="0" cy="0"/>
+          <a:chOff x="0" y="0"/>
+          <a:chExt cx="0" cy="0"/>
+        </a:xfrm>
+      </p:grpSpPr>
+    </p:spTree>
+  </p:cSld>
+  <p:clrMapOvr>
+    <a:masterClrMapping/>
+  </p:clrMapOvr>
+  <mc:AlternateContent xmlns:mc="http://schemas.openxmlformats.org/markup-compatibility/2006" xmlns:p14="http://schemas.microsoft.com/office/powerpoint/2010/main">
+    <mc:Choice Requires="p14">
+      <p:transition spd="med" p14:dur="700">
+        <p:fade/>
+      </p:transition>
+    </mc:Choice>
+    <mc:Fallback xmlns:ahyp="http://schemas.microsoft.com/office/drawing/2018/hyperlinkcolor" xmlns:p15="http://schemas.microsoft.com/office/powerpoint/2012/main" xmlns:com="http://schemas.openxmlformats.org/drawingml/2006/compatibility" xmlns:pvml="urn:schemas-microsoft-com:office:powerpoint" xmlns:v="urn:schemas-microsoft-com:vml" xmlns:o="urn:schemas-microsoft-com:office:office" xmlns:dgm="http://schemas.openxmlformats.org/drawingml/2006/diagram" xmlns:c="http://schemas.openxmlformats.org/drawingml/2006/chart" xmlns:mv="urn:schemas-microsoft-com:mac:vml" xmlns="">
+      <p:transition spd="slow">
+        <p:fade/>
+      </p:transition>
+    </mc:Fallback>
+  </mc:AlternateContent>
 </p:sld>
 </file>
 
@@ -19458,7 +19585,7 @@
         <p:fade/>
       </p:transition>
     </mc:Choice>
-    <mc:Fallback xmlns="" xmlns:mv="urn:schemas-microsoft-com:mac:vml" xmlns:c="http://schemas.openxmlformats.org/drawingml/2006/chart" xmlns:dgm="http://schemas.openxmlformats.org/drawingml/2006/diagram" xmlns:o="urn:schemas-microsoft-com:office:office" xmlns:v="urn:schemas-microsoft-com:vml" xmlns:pvml="urn:schemas-microsoft-com:office:powerpoint" xmlns:com="http://schemas.openxmlformats.org/drawingml/2006/compatibility" xmlns:p15="http://schemas.microsoft.com/office/powerpoint/2012/main" xmlns:ahyp="http://schemas.microsoft.com/office/drawing/2018/hyperlinkcolor">
+    <mc:Fallback xmlns:ahyp="http://schemas.microsoft.com/office/drawing/2018/hyperlinkcolor" xmlns:p15="http://schemas.microsoft.com/office/powerpoint/2012/main" xmlns:com="http://schemas.openxmlformats.org/drawingml/2006/compatibility" xmlns:pvml="urn:schemas-microsoft-com:office:powerpoint" xmlns:v="urn:schemas-microsoft-com:vml" xmlns:o="urn:schemas-microsoft-com:office:office" xmlns:dgm="http://schemas.openxmlformats.org/drawingml/2006/diagram" xmlns:c="http://schemas.openxmlformats.org/drawingml/2006/chart" xmlns:mv="urn:schemas-microsoft-com:mac:vml" xmlns="">
       <p:transition spd="slow">
         <p:fade/>
       </p:transition>
@@ -19938,7 +20065,7 @@
         </p:blipFill>
         <p:spPr>
           <a:xfrm>
-            <a:off x="9355701" y="2301228"/>
+            <a:off x="9355701" y="2109504"/>
             <a:ext cx="806737" cy="777363"/>
           </a:xfrm>
           <a:prstGeom prst="rect">
@@ -19975,7 +20102,7 @@
         </p:blipFill>
         <p:spPr>
           <a:xfrm>
-            <a:off x="9346546" y="3910904"/>
+            <a:off x="9346546" y="4294360"/>
             <a:ext cx="806737" cy="777363"/>
           </a:xfrm>
           <a:prstGeom prst="rect">
@@ -20175,7 +20302,7 @@
         </p:nvSpPr>
         <p:spPr>
           <a:xfrm>
-            <a:off x="9054132" y="3124597"/>
+            <a:off x="9054132" y="2932873"/>
             <a:ext cx="1452457" cy="253916"/>
           </a:xfrm>
           <a:prstGeom prst="rect">
@@ -20205,7 +20332,7 @@
         </p:nvSpPr>
         <p:spPr>
           <a:xfrm>
-            <a:off x="9204742" y="4753547"/>
+            <a:off x="9204742" y="5122255"/>
             <a:ext cx="1452457" cy="253916"/>
           </a:xfrm>
           <a:prstGeom prst="rect">
@@ -20503,6 +20630,73 @@
           </a:p>
         </p:txBody>
       </p:sp>
+      <p:pic>
+        <p:nvPicPr>
+          <p:cNvPr id="29" name="Picture 28"/>
+          <p:cNvPicPr>
+            <a:picLocks noChangeAspect="1"/>
+          </p:cNvPicPr>
+          <p:nvPr/>
+        </p:nvPicPr>
+        <p:blipFill rotWithShape="1">
+          <a:blip r:embed="rId6"/>
+          <a:srcRect l="-1" t="9556" r="7815"/>
+          <a:stretch/>
+        </p:blipFill>
+        <p:spPr>
+          <a:xfrm>
+            <a:off x="9346546" y="3212744"/>
+            <a:ext cx="806737" cy="777363"/>
+          </a:xfrm>
+          <a:prstGeom prst="rect">
+            <a:avLst/>
+          </a:prstGeom>
+          <a:ln w="38100" cap="sq">
+            <a:solidFill>
+              <a:srgbClr val="000000"/>
+            </a:solidFill>
+            <a:prstDash val="solid"/>
+            <a:miter lim="800000"/>
+          </a:ln>
+          <a:effectLst>
+            <a:outerShdw blurRad="50800" dist="38100" dir="2700000" algn="tl" rotWithShape="0">
+              <a:srgbClr val="000000">
+                <a:alpha val="43000"/>
+              </a:srgbClr>
+            </a:outerShdw>
+          </a:effectLst>
+        </p:spPr>
+      </p:pic>
+      <p:sp>
+        <p:nvSpPr>
+          <p:cNvPr id="32" name="TextBox 31"/>
+          <p:cNvSpPr txBox="1"/>
+          <p:nvPr/>
+        </p:nvSpPr>
+        <p:spPr>
+          <a:xfrm>
+            <a:off x="9280963" y="3990107"/>
+            <a:ext cx="937901" cy="253916"/>
+          </a:xfrm>
+          <a:prstGeom prst="rect">
+            <a:avLst/>
+          </a:prstGeom>
+          <a:noFill/>
+        </p:spPr>
+        <p:txBody>
+          <a:bodyPr wrap="square" rtlCol="0">
+            <a:spAutoFit/>
+          </a:bodyPr>
+          <a:lstStyle/>
+          <a:p>
+            <a:r>
+              <a:rPr lang="en-GB" sz="1050" dirty="0" smtClean="0"/>
+              <a:t>deleteObject</a:t>
+            </a:r>
+            <a:endParaRPr lang="en-GB" sz="1050" dirty="0"/>
+          </a:p>
+        </p:txBody>
+      </p:sp>
     </p:spTree>
     <p:extLst>
       <p:ext uri="{BB962C8B-B14F-4D97-AF65-F5344CB8AC3E}">
@@ -20519,7 +20713,7 @@
         <p:fade/>
       </p:transition>
     </mc:Choice>
-    <mc:Fallback xmlns="" xmlns:mv="urn:schemas-microsoft-com:mac:vml" xmlns:c="http://schemas.openxmlformats.org/drawingml/2006/chart" xmlns:dgm="http://schemas.openxmlformats.org/drawingml/2006/diagram" xmlns:o="urn:schemas-microsoft-com:office:office" xmlns:v="urn:schemas-microsoft-com:vml" xmlns:pvml="urn:schemas-microsoft-com:office:powerpoint" xmlns:com="http://schemas.openxmlformats.org/drawingml/2006/compatibility" xmlns:p15="http://schemas.microsoft.com/office/powerpoint/2012/main" xmlns:ahyp="http://schemas.microsoft.com/office/drawing/2018/hyperlinkcolor">
+    <mc:Fallback xmlns:ahyp="http://schemas.microsoft.com/office/drawing/2018/hyperlinkcolor" xmlns:p15="http://schemas.microsoft.com/office/powerpoint/2012/main" xmlns:com="http://schemas.openxmlformats.org/drawingml/2006/compatibility" xmlns:pvml="urn:schemas-microsoft-com:office:powerpoint" xmlns:v="urn:schemas-microsoft-com:vml" xmlns:o="urn:schemas-microsoft-com:office:office" xmlns:dgm="http://schemas.openxmlformats.org/drawingml/2006/diagram" xmlns:c="http://schemas.openxmlformats.org/drawingml/2006/chart" xmlns:mv="urn:schemas-microsoft-com:mac:vml" xmlns="">
       <p:transition spd="slow">
         <p:fade/>
       </p:transition>
@@ -20871,7 +21065,7 @@
         <p:fade/>
       </p:transition>
     </mc:Choice>
-    <mc:Fallback xmlns="" xmlns:mv="urn:schemas-microsoft-com:mac:vml" xmlns:c="http://schemas.openxmlformats.org/drawingml/2006/chart" xmlns:dgm="http://schemas.openxmlformats.org/drawingml/2006/diagram" xmlns:o="urn:schemas-microsoft-com:office:office" xmlns:v="urn:schemas-microsoft-com:vml" xmlns:pvml="urn:schemas-microsoft-com:office:powerpoint" xmlns:com="http://schemas.openxmlformats.org/drawingml/2006/compatibility" xmlns:p15="http://schemas.microsoft.com/office/powerpoint/2012/main" xmlns:ahyp="http://schemas.microsoft.com/office/drawing/2018/hyperlinkcolor">
+    <mc:Fallback xmlns:ahyp="http://schemas.microsoft.com/office/drawing/2018/hyperlinkcolor" xmlns:p15="http://schemas.microsoft.com/office/powerpoint/2012/main" xmlns:com="http://schemas.openxmlformats.org/drawingml/2006/compatibility" xmlns:pvml="urn:schemas-microsoft-com:office:powerpoint" xmlns:v="urn:schemas-microsoft-com:vml" xmlns:o="urn:schemas-microsoft-com:office:office" xmlns:dgm="http://schemas.openxmlformats.org/drawingml/2006/diagram" xmlns:c="http://schemas.openxmlformats.org/drawingml/2006/chart" xmlns:mv="urn:schemas-microsoft-com:mac:vml" xmlns="">
       <p:transition spd="slow">
         <p:fade/>
       </p:transition>
@@ -21013,7 +21207,7 @@
         <p:fade/>
       </p:transition>
     </mc:Choice>
-    <mc:Fallback xmlns="" xmlns:mv="urn:schemas-microsoft-com:mac:vml" xmlns:c="http://schemas.openxmlformats.org/drawingml/2006/chart" xmlns:dgm="http://schemas.openxmlformats.org/drawingml/2006/diagram" xmlns:o="urn:schemas-microsoft-com:office:office" xmlns:v="urn:schemas-microsoft-com:vml" xmlns:pvml="urn:schemas-microsoft-com:office:powerpoint" xmlns:com="http://schemas.openxmlformats.org/drawingml/2006/compatibility" xmlns:p15="http://schemas.microsoft.com/office/powerpoint/2012/main" xmlns:ahyp="http://schemas.microsoft.com/office/drawing/2018/hyperlinkcolor">
+    <mc:Fallback xmlns:ahyp="http://schemas.microsoft.com/office/drawing/2018/hyperlinkcolor" xmlns:p15="http://schemas.microsoft.com/office/powerpoint/2012/main" xmlns:com="http://schemas.openxmlformats.org/drawingml/2006/compatibility" xmlns:pvml="urn:schemas-microsoft-com:office:powerpoint" xmlns:v="urn:schemas-microsoft-com:vml" xmlns:o="urn:schemas-microsoft-com:office:office" xmlns:dgm="http://schemas.openxmlformats.org/drawingml/2006/diagram" xmlns:c="http://schemas.openxmlformats.org/drawingml/2006/chart" xmlns:mv="urn:schemas-microsoft-com:mac:vml" xmlns="">
       <p:transition spd="slow">
         <p:fade/>
       </p:transition>
@@ -22095,7 +22289,7 @@
         <p:fade/>
       </p:transition>
     </mc:Choice>
-    <mc:Fallback xmlns="" xmlns:mv="urn:schemas-microsoft-com:mac:vml" xmlns:c="http://schemas.openxmlformats.org/drawingml/2006/chart" xmlns:dgm="http://schemas.openxmlformats.org/drawingml/2006/diagram" xmlns:o="urn:schemas-microsoft-com:office:office" xmlns:v="urn:schemas-microsoft-com:vml" xmlns:pvml="urn:schemas-microsoft-com:office:powerpoint" xmlns:com="http://schemas.openxmlformats.org/drawingml/2006/compatibility" xmlns:p15="http://schemas.microsoft.com/office/powerpoint/2012/main" xmlns:ahyp="http://schemas.microsoft.com/office/drawing/2018/hyperlinkcolor">
+    <mc:Fallback xmlns:ahyp="http://schemas.microsoft.com/office/drawing/2018/hyperlinkcolor" xmlns:p15="http://schemas.microsoft.com/office/powerpoint/2012/main" xmlns:com="http://schemas.openxmlformats.org/drawingml/2006/compatibility" xmlns:pvml="urn:schemas-microsoft-com:office:powerpoint" xmlns:v="urn:schemas-microsoft-com:vml" xmlns:o="urn:schemas-microsoft-com:office:office" xmlns:dgm="http://schemas.openxmlformats.org/drawingml/2006/diagram" xmlns:c="http://schemas.openxmlformats.org/drawingml/2006/chart" xmlns:mv="urn:schemas-microsoft-com:mac:vml" xmlns="">
       <p:transition spd="slow">
         <p:fade/>
       </p:transition>
@@ -22366,7 +22560,7 @@
         <p:fade/>
       </p:transition>
     </mc:Choice>
-    <mc:Fallback xmlns="" xmlns:mv="urn:schemas-microsoft-com:mac:vml" xmlns:c="http://schemas.openxmlformats.org/drawingml/2006/chart" xmlns:dgm="http://schemas.openxmlformats.org/drawingml/2006/diagram" xmlns:o="urn:schemas-microsoft-com:office:office" xmlns:v="urn:schemas-microsoft-com:vml" xmlns:pvml="urn:schemas-microsoft-com:office:powerpoint" xmlns:com="http://schemas.openxmlformats.org/drawingml/2006/compatibility" xmlns:p15="http://schemas.microsoft.com/office/powerpoint/2012/main" xmlns:ahyp="http://schemas.microsoft.com/office/drawing/2018/hyperlinkcolor">
+    <mc:Fallback xmlns:ahyp="http://schemas.microsoft.com/office/drawing/2018/hyperlinkcolor" xmlns:p15="http://schemas.microsoft.com/office/powerpoint/2012/main" xmlns:com="http://schemas.openxmlformats.org/drawingml/2006/compatibility" xmlns:pvml="urn:schemas-microsoft-com:office:powerpoint" xmlns:v="urn:schemas-microsoft-com:vml" xmlns:o="urn:schemas-microsoft-com:office:office" xmlns:dgm="http://schemas.openxmlformats.org/drawingml/2006/diagram" xmlns:c="http://schemas.openxmlformats.org/drawingml/2006/chart" xmlns:mv="urn:schemas-microsoft-com:mac:vml" xmlns="">
       <p:transition spd="slow">
         <p:fade/>
       </p:transition>
@@ -22696,7 +22890,7 @@
         </p:blipFill>
         <p:spPr>
           <a:xfrm>
-            <a:off x="6052914" y="3108334"/>
+            <a:off x="6052914" y="2517885"/>
             <a:ext cx="769981" cy="832313"/>
           </a:xfrm>
           <a:prstGeom prst="rect">
@@ -23134,8 +23328,8 @@
         </p:nvSpPr>
         <p:spPr>
           <a:xfrm>
-            <a:off x="10572749" y="1165123"/>
-            <a:ext cx="3669674" cy="3970318"/>
+            <a:off x="10572749" y="1120879"/>
+            <a:ext cx="3669674" cy="4339650"/>
           </a:xfrm>
           <a:prstGeom prst="rect">
             <a:avLst/>
@@ -23170,40 +23364,56 @@
             </a:r>
           </a:p>
           <a:p>
-            <a:endParaRPr lang="en-GB" dirty="0" smtClean="0"/>
-          </a:p>
-          <a:p>
-            <a:r>
-              <a:rPr lang="en-GB" dirty="0" smtClean="0"/>
+            <a:endParaRPr lang="en-GB" sz="1200" dirty="0" smtClean="0"/>
+          </a:p>
+          <a:p>
+            <a:r>
+              <a:rPr lang="en-GB" sz="1200" dirty="0" smtClean="0"/>
               <a:t>Heroku: Cloud PaaS based solution for hosting cloud based services.  Can communicate with AWS services and Virtual Private Clouds via secure keys.</a:t>
             </a:r>
           </a:p>
           <a:p>
-            <a:endParaRPr lang="en-GB" dirty="0"/>
-          </a:p>
-          <a:p>
-            <a:r>
-              <a:rPr lang="en-GB" dirty="0" smtClean="0"/>
+            <a:endParaRPr lang="en-GB" sz="1200" dirty="0"/>
+          </a:p>
+          <a:p>
+            <a:r>
+              <a:rPr lang="en-GB" sz="1200" dirty="0" smtClean="0"/>
               <a:t>Flask: Python based Library for Website design, comes with RESTful API libraries</a:t>
             </a:r>
           </a:p>
           <a:p>
-            <a:endParaRPr lang="en-GB" dirty="0"/>
-          </a:p>
-          <a:p>
-            <a:r>
-              <a:rPr lang="en-GB" dirty="0" smtClean="0"/>
+            <a:endParaRPr lang="en-GB" sz="1200" dirty="0"/>
+          </a:p>
+          <a:p>
+            <a:r>
+              <a:rPr lang="en-GB" sz="1200" dirty="0" smtClean="0"/>
               <a:t>DynamoDB: NoSQL persistent, non-ephermal database.  Makes use of Json format to store records.</a:t>
             </a:r>
           </a:p>
           <a:p>
-            <a:endParaRPr lang="en-GB" dirty="0"/>
-          </a:p>
-          <a:p>
-            <a:r>
-              <a:rPr lang="en-GB" dirty="0" smtClean="0"/>
-              <a:t>S3: Simple Storage Service.  Cost effective permanent object storage.  Accessible by other AWS Services based on permissions and role assignments.</a:t>
-            </a:r>
+            <a:endParaRPr lang="en-GB" sz="1200" dirty="0"/>
+          </a:p>
+          <a:p>
+            <a:r>
+              <a:rPr lang="en-GB" sz="1200" dirty="0" smtClean="0"/>
+              <a:t>S3: Simple Storage Service.  Cost effective permanent object storage.  Accessible by other AWS Services based on permissions and role assignments</a:t>
+            </a:r>
+            <a:r>
+              <a:rPr lang="en-GB" sz="1200" dirty="0" smtClean="0"/>
+              <a:t>.</a:t>
+            </a:r>
+          </a:p>
+          <a:p>
+            <a:endParaRPr lang="en-GB" sz="1200" dirty="0"/>
+          </a:p>
+          <a:p>
+            <a:r>
+              <a:rPr lang="en-GB" sz="1200" dirty="0"/>
+              <a:t>AWS Lambda: Serverless computing service designed for executing code without needing to manage infrastructure or servers to host said code.</a:t>
+            </a:r>
+          </a:p>
+          <a:p>
+            <a:endParaRPr lang="en-GB" sz="1200" dirty="0" smtClean="0"/>
           </a:p>
         </p:txBody>
       </p:sp>
@@ -23216,7 +23426,7 @@
         <p:spPr>
           <a:xfrm>
             <a:off x="712429" y="5383161"/>
-            <a:ext cx="13529994" cy="2031325"/>
+            <a:ext cx="13529994" cy="2262158"/>
           </a:xfrm>
           <a:prstGeom prst="rect">
             <a:avLst/>
@@ -23256,34 +23466,45 @@
           </a:p>
           <a:p>
             <a:r>
-              <a:rPr lang="en-GB" dirty="0" smtClean="0"/>
+              <a:rPr lang="en-GB" sz="1100" dirty="0" smtClean="0"/>
               <a:t>DynamoDB chosen because of NoSQL format.  No requirement for schema means it is easy to adapt or add/remove attributes for each record as and when required by the business with no loss to functionality. Dynamo struggles with searching through large numbers of records, however, for the purposes of this microservice, data size will be small. Costs are reduced as we can predict usage and set provisioned capacity or use variable, on demand capacity if usage is not known.</a:t>
             </a:r>
           </a:p>
           <a:p>
-            <a:endParaRPr lang="en-GB" dirty="0" smtClean="0"/>
-          </a:p>
-          <a:p>
-            <a:r>
-              <a:rPr lang="en-GB" dirty="0" smtClean="0"/>
+            <a:endParaRPr lang="en-GB" sz="1100" dirty="0" smtClean="0"/>
+          </a:p>
+          <a:p>
+            <a:r>
+              <a:rPr lang="en-GB" sz="1100" dirty="0" smtClean="0"/>
               <a:t>S3</a:t>
             </a:r>
             <a:r>
-              <a:rPr lang="en-GB" dirty="0"/>
+              <a:rPr lang="en-GB" sz="1100" dirty="0"/>
               <a:t>: </a:t>
             </a:r>
             <a:r>
-              <a:rPr lang="en-GB" dirty="0" smtClean="0"/>
+              <a:rPr lang="en-GB" sz="1100" dirty="0" smtClean="0"/>
               <a:t>Chosen because S3 is the AWS storage solution.  S3 used rather than S3 Block because S3 offers cost </a:t>
             </a:r>
             <a:r>
-              <a:rPr lang="en-GB" dirty="0"/>
+              <a:rPr lang="en-GB" sz="1100" dirty="0"/>
               <a:t>effective storage for objects.  As we are dealing with image files which should have very little interaction with multiple services in terms of editing or updating, block storage is not a required feature of the microservice.  This further reduces costs</a:t>
             </a:r>
             <a:r>
-              <a:rPr lang="en-GB" dirty="0" smtClean="0"/>
+              <a:rPr lang="en-GB" sz="1100" dirty="0" smtClean="0"/>
               <a:t>.</a:t>
             </a:r>
+          </a:p>
+          <a:p>
+            <a:endParaRPr lang="en-GB" sz="1100" dirty="0"/>
+          </a:p>
+          <a:p>
+            <a:r>
+              <a:rPr lang="en-GB" sz="1100" dirty="0"/>
+              <a:t>Lambda is used here due to cost.  Lambda charges per request ($0.20 per 1m) and this is cheaper than hosting even the smallest EC2 instance as the requests will not be frequent, even at scale.  Speed is also a factor, time needed to activate an EC2 instance that is not started vs a lambda function that runs immediately on request.</a:t>
+            </a:r>
+          </a:p>
+          <a:p>
             <a:endParaRPr lang="en-GB" dirty="0"/>
           </a:p>
         </p:txBody>
@@ -23913,6 +24134,43 @@
           </a:p>
         </p:txBody>
       </p:sp>
+      <p:pic>
+        <p:nvPicPr>
+          <p:cNvPr id="41" name="Picture 40"/>
+          <p:cNvPicPr>
+            <a:picLocks noChangeAspect="1"/>
+          </p:cNvPicPr>
+          <p:nvPr/>
+        </p:nvPicPr>
+        <p:blipFill rotWithShape="1">
+          <a:blip r:embed="rId7"/>
+          <a:srcRect l="-1" t="9556" r="7815"/>
+          <a:stretch/>
+        </p:blipFill>
+        <p:spPr>
+          <a:xfrm>
+            <a:off x="6050757" y="3637057"/>
+            <a:ext cx="806737" cy="777363"/>
+          </a:xfrm>
+          <a:prstGeom prst="rect">
+            <a:avLst/>
+          </a:prstGeom>
+          <a:ln w="38100" cap="sq">
+            <a:solidFill>
+              <a:srgbClr val="000000"/>
+            </a:solidFill>
+            <a:prstDash val="solid"/>
+            <a:miter lim="800000"/>
+          </a:ln>
+          <a:effectLst>
+            <a:outerShdw blurRad="50800" dist="38100" dir="2700000" algn="tl" rotWithShape="0">
+              <a:srgbClr val="000000">
+                <a:alpha val="43000"/>
+              </a:srgbClr>
+            </a:outerShdw>
+          </a:effectLst>
+        </p:spPr>
+      </p:pic>
     </p:spTree>
     <p:extLst>
       <p:ext uri="{BB962C8B-B14F-4D97-AF65-F5344CB8AC3E}">
@@ -23929,7 +24187,7 @@
         <p:fade/>
       </p:transition>
     </mc:Choice>
-    <mc:Fallback xmlns="" xmlns:mv="urn:schemas-microsoft-com:mac:vml" xmlns:c="http://schemas.openxmlformats.org/drawingml/2006/chart" xmlns:dgm="http://schemas.openxmlformats.org/drawingml/2006/diagram" xmlns:o="urn:schemas-microsoft-com:office:office" xmlns:v="urn:schemas-microsoft-com:vml" xmlns:pvml="urn:schemas-microsoft-com:office:powerpoint" xmlns:com="http://schemas.openxmlformats.org/drawingml/2006/compatibility" xmlns:p15="http://schemas.microsoft.com/office/powerpoint/2012/main" xmlns:ahyp="http://schemas.microsoft.com/office/drawing/2018/hyperlinkcolor">
+    <mc:Fallback xmlns:ahyp="http://schemas.microsoft.com/office/drawing/2018/hyperlinkcolor" xmlns:p15="http://schemas.microsoft.com/office/powerpoint/2012/main" xmlns:com="http://schemas.openxmlformats.org/drawingml/2006/compatibility" xmlns:pvml="urn:schemas-microsoft-com:office:powerpoint" xmlns:v="urn:schemas-microsoft-com:vml" xmlns:o="urn:schemas-microsoft-com:office:office" xmlns:dgm="http://schemas.openxmlformats.org/drawingml/2006/diagram" xmlns:c="http://schemas.openxmlformats.org/drawingml/2006/chart" xmlns:mv="urn:schemas-microsoft-com:mac:vml" xmlns="">
       <p:transition spd="slow">
         <p:fade/>
       </p:transition>

--- a/Microservices Architecture.pptx
+++ b/Microservices Architecture.pptx
@@ -4586,7 +4586,7 @@
         <p:fade/>
       </p:transition>
     </mc:Choice>
-    <mc:Fallback xmlns:ahyp="http://schemas.microsoft.com/office/drawing/2018/hyperlinkcolor" xmlns:p15="http://schemas.microsoft.com/office/powerpoint/2012/main" xmlns:com="http://schemas.openxmlformats.org/drawingml/2006/compatibility" xmlns:pvml="urn:schemas-microsoft-com:office:powerpoint" xmlns:v="urn:schemas-microsoft-com:vml" xmlns:o="urn:schemas-microsoft-com:office:office" xmlns:dgm="http://schemas.openxmlformats.org/drawingml/2006/diagram" xmlns:c="http://schemas.openxmlformats.org/drawingml/2006/chart" xmlns:mv="urn:schemas-microsoft-com:mac:vml" xmlns="">
+    <mc:Fallback xmlns="" xmlns:mv="urn:schemas-microsoft-com:mac:vml" xmlns:c="http://schemas.openxmlformats.org/drawingml/2006/chart" xmlns:dgm="http://schemas.openxmlformats.org/drawingml/2006/diagram" xmlns:o="urn:schemas-microsoft-com:office:office" xmlns:v="urn:schemas-microsoft-com:vml" xmlns:pvml="urn:schemas-microsoft-com:office:powerpoint" xmlns:com="http://schemas.openxmlformats.org/drawingml/2006/compatibility" xmlns:p15="http://schemas.microsoft.com/office/powerpoint/2012/main" xmlns:ahyp="http://schemas.microsoft.com/office/drawing/2018/hyperlinkcolor">
       <p:transition spd="slow">
         <p:fade/>
       </p:transition>
@@ -4931,7 +4931,7 @@
         <p:fade/>
       </p:transition>
     </mc:Choice>
-    <mc:Fallback xmlns:ahyp="http://schemas.microsoft.com/office/drawing/2018/hyperlinkcolor" xmlns:p15="http://schemas.microsoft.com/office/powerpoint/2012/main" xmlns:com="http://schemas.openxmlformats.org/drawingml/2006/compatibility" xmlns:pvml="urn:schemas-microsoft-com:office:powerpoint" xmlns:v="urn:schemas-microsoft-com:vml" xmlns:o="urn:schemas-microsoft-com:office:office" xmlns:dgm="http://schemas.openxmlformats.org/drawingml/2006/diagram" xmlns:c="http://schemas.openxmlformats.org/drawingml/2006/chart" xmlns:mv="urn:schemas-microsoft-com:mac:vml" xmlns="">
+    <mc:Fallback xmlns="" xmlns:mv="urn:schemas-microsoft-com:mac:vml" xmlns:c="http://schemas.openxmlformats.org/drawingml/2006/chart" xmlns:dgm="http://schemas.openxmlformats.org/drawingml/2006/diagram" xmlns:o="urn:schemas-microsoft-com:office:office" xmlns:v="urn:schemas-microsoft-com:vml" xmlns:pvml="urn:schemas-microsoft-com:office:powerpoint" xmlns:com="http://schemas.openxmlformats.org/drawingml/2006/compatibility" xmlns:p15="http://schemas.microsoft.com/office/powerpoint/2012/main" xmlns:ahyp="http://schemas.microsoft.com/office/drawing/2018/hyperlinkcolor">
       <p:transition spd="slow">
         <p:fade/>
       </p:transition>
@@ -6295,7 +6295,7 @@
         <p:fade/>
       </p:transition>
     </mc:Choice>
-    <mc:Fallback xmlns:ahyp="http://schemas.microsoft.com/office/drawing/2018/hyperlinkcolor" xmlns:p15="http://schemas.microsoft.com/office/powerpoint/2012/main" xmlns:com="http://schemas.openxmlformats.org/drawingml/2006/compatibility" xmlns:pvml="urn:schemas-microsoft-com:office:powerpoint" xmlns:v="urn:schemas-microsoft-com:vml" xmlns:o="urn:schemas-microsoft-com:office:office" xmlns:dgm="http://schemas.openxmlformats.org/drawingml/2006/diagram" xmlns:c="http://schemas.openxmlformats.org/drawingml/2006/chart" xmlns:mv="urn:schemas-microsoft-com:mac:vml" xmlns="">
+    <mc:Fallback xmlns="" xmlns:mv="urn:schemas-microsoft-com:mac:vml" xmlns:c="http://schemas.openxmlformats.org/drawingml/2006/chart" xmlns:dgm="http://schemas.openxmlformats.org/drawingml/2006/diagram" xmlns:o="urn:schemas-microsoft-com:office:office" xmlns:v="urn:schemas-microsoft-com:vml" xmlns:pvml="urn:schemas-microsoft-com:office:powerpoint" xmlns:com="http://schemas.openxmlformats.org/drawingml/2006/compatibility" xmlns:p15="http://schemas.microsoft.com/office/powerpoint/2012/main" xmlns:ahyp="http://schemas.microsoft.com/office/drawing/2018/hyperlinkcolor">
       <p:transition spd="slow">
         <p:fade/>
       </p:transition>
@@ -6637,7 +6637,7 @@
         <p:fade/>
       </p:transition>
     </mc:Choice>
-    <mc:Fallback xmlns:ahyp="http://schemas.microsoft.com/office/drawing/2018/hyperlinkcolor" xmlns:p15="http://schemas.microsoft.com/office/powerpoint/2012/main" xmlns:com="http://schemas.openxmlformats.org/drawingml/2006/compatibility" xmlns:pvml="urn:schemas-microsoft-com:office:powerpoint" xmlns:v="urn:schemas-microsoft-com:vml" xmlns:o="urn:schemas-microsoft-com:office:office" xmlns:dgm="http://schemas.openxmlformats.org/drawingml/2006/diagram" xmlns:c="http://schemas.openxmlformats.org/drawingml/2006/chart" xmlns:mv="urn:schemas-microsoft-com:mac:vml" xmlns="">
+    <mc:Fallback xmlns="" xmlns:mv="urn:schemas-microsoft-com:mac:vml" xmlns:c="http://schemas.openxmlformats.org/drawingml/2006/chart" xmlns:dgm="http://schemas.openxmlformats.org/drawingml/2006/diagram" xmlns:o="urn:schemas-microsoft-com:office:office" xmlns:v="urn:schemas-microsoft-com:vml" xmlns:pvml="urn:schemas-microsoft-com:office:powerpoint" xmlns:com="http://schemas.openxmlformats.org/drawingml/2006/compatibility" xmlns:p15="http://schemas.microsoft.com/office/powerpoint/2012/main" xmlns:ahyp="http://schemas.microsoft.com/office/drawing/2018/hyperlinkcolor">
       <p:transition spd="slow">
         <p:fade/>
       </p:transition>
@@ -7299,7 +7299,7 @@
         <p:fade/>
       </p:transition>
     </mc:Choice>
-    <mc:Fallback xmlns:ahyp="http://schemas.microsoft.com/office/drawing/2018/hyperlinkcolor" xmlns:p15="http://schemas.microsoft.com/office/powerpoint/2012/main" xmlns:com="http://schemas.openxmlformats.org/drawingml/2006/compatibility" xmlns:pvml="urn:schemas-microsoft-com:office:powerpoint" xmlns:v="urn:schemas-microsoft-com:vml" xmlns:o="urn:schemas-microsoft-com:office:office" xmlns:dgm="http://schemas.openxmlformats.org/drawingml/2006/diagram" xmlns:c="http://schemas.openxmlformats.org/drawingml/2006/chart" xmlns:mv="urn:schemas-microsoft-com:mac:vml" xmlns="">
+    <mc:Fallback xmlns="" xmlns:mv="urn:schemas-microsoft-com:mac:vml" xmlns:c="http://schemas.openxmlformats.org/drawingml/2006/chart" xmlns:dgm="http://schemas.openxmlformats.org/drawingml/2006/diagram" xmlns:o="urn:schemas-microsoft-com:office:office" xmlns:v="urn:schemas-microsoft-com:vml" xmlns:pvml="urn:schemas-microsoft-com:office:powerpoint" xmlns:com="http://schemas.openxmlformats.org/drawingml/2006/compatibility" xmlns:p15="http://schemas.microsoft.com/office/powerpoint/2012/main" xmlns:ahyp="http://schemas.microsoft.com/office/drawing/2018/hyperlinkcolor">
       <p:transition spd="slow">
         <p:fade/>
       </p:transition>
@@ -8236,7 +8236,7 @@
         <p:fade/>
       </p:transition>
     </mc:Choice>
-    <mc:Fallback xmlns:ahyp="http://schemas.microsoft.com/office/drawing/2018/hyperlinkcolor" xmlns:p15="http://schemas.microsoft.com/office/powerpoint/2012/main" xmlns:com="http://schemas.openxmlformats.org/drawingml/2006/compatibility" xmlns:pvml="urn:schemas-microsoft-com:office:powerpoint" xmlns:v="urn:schemas-microsoft-com:vml" xmlns:o="urn:schemas-microsoft-com:office:office" xmlns:dgm="http://schemas.openxmlformats.org/drawingml/2006/diagram" xmlns:c="http://schemas.openxmlformats.org/drawingml/2006/chart" xmlns:mv="urn:schemas-microsoft-com:mac:vml" xmlns="">
+    <mc:Fallback xmlns="" xmlns:mv="urn:schemas-microsoft-com:mac:vml" xmlns:c="http://schemas.openxmlformats.org/drawingml/2006/chart" xmlns:dgm="http://schemas.openxmlformats.org/drawingml/2006/diagram" xmlns:o="urn:schemas-microsoft-com:office:office" xmlns:v="urn:schemas-microsoft-com:vml" xmlns:pvml="urn:schemas-microsoft-com:office:powerpoint" xmlns:com="http://schemas.openxmlformats.org/drawingml/2006/compatibility" xmlns:p15="http://schemas.microsoft.com/office/powerpoint/2012/main" xmlns:ahyp="http://schemas.microsoft.com/office/drawing/2018/hyperlinkcolor">
       <p:transition spd="slow">
         <p:fade/>
       </p:transition>
@@ -9573,7 +9573,7 @@
         <p:fade/>
       </p:transition>
     </mc:Choice>
-    <mc:Fallback xmlns:ahyp="http://schemas.microsoft.com/office/drawing/2018/hyperlinkcolor" xmlns:p15="http://schemas.microsoft.com/office/powerpoint/2012/main" xmlns:com="http://schemas.openxmlformats.org/drawingml/2006/compatibility" xmlns:pvml="urn:schemas-microsoft-com:office:powerpoint" xmlns:v="urn:schemas-microsoft-com:vml" xmlns:o="urn:schemas-microsoft-com:office:office" xmlns:dgm="http://schemas.openxmlformats.org/drawingml/2006/diagram" xmlns:c="http://schemas.openxmlformats.org/drawingml/2006/chart" xmlns:mv="urn:schemas-microsoft-com:mac:vml" xmlns="">
+    <mc:Fallback xmlns="" xmlns:mv="urn:schemas-microsoft-com:mac:vml" xmlns:c="http://schemas.openxmlformats.org/drawingml/2006/chart" xmlns:dgm="http://schemas.openxmlformats.org/drawingml/2006/diagram" xmlns:o="urn:schemas-microsoft-com:office:office" xmlns:v="urn:schemas-microsoft-com:vml" xmlns:pvml="urn:schemas-microsoft-com:office:powerpoint" xmlns:com="http://schemas.openxmlformats.org/drawingml/2006/compatibility" xmlns:p15="http://schemas.microsoft.com/office/powerpoint/2012/main" xmlns:ahyp="http://schemas.microsoft.com/office/drawing/2018/hyperlinkcolor">
       <p:transition spd="slow">
         <p:fade/>
       </p:transition>
@@ -10991,7 +10991,7 @@
         <p:fade/>
       </p:transition>
     </mc:Choice>
-    <mc:Fallback xmlns:ahyp="http://schemas.microsoft.com/office/drawing/2018/hyperlinkcolor" xmlns:p15="http://schemas.microsoft.com/office/powerpoint/2012/main" xmlns:com="http://schemas.openxmlformats.org/drawingml/2006/compatibility" xmlns:pvml="urn:schemas-microsoft-com:office:powerpoint" xmlns:v="urn:schemas-microsoft-com:vml" xmlns:o="urn:schemas-microsoft-com:office:office" xmlns:dgm="http://schemas.openxmlformats.org/drawingml/2006/diagram" xmlns:c="http://schemas.openxmlformats.org/drawingml/2006/chart" xmlns:mv="urn:schemas-microsoft-com:mac:vml" xmlns="">
+    <mc:Fallback xmlns="" xmlns:mv="urn:schemas-microsoft-com:mac:vml" xmlns:c="http://schemas.openxmlformats.org/drawingml/2006/chart" xmlns:dgm="http://schemas.openxmlformats.org/drawingml/2006/diagram" xmlns:o="urn:schemas-microsoft-com:office:office" xmlns:v="urn:schemas-microsoft-com:vml" xmlns:pvml="urn:schemas-microsoft-com:office:powerpoint" xmlns:com="http://schemas.openxmlformats.org/drawingml/2006/compatibility" xmlns:p15="http://schemas.microsoft.com/office/powerpoint/2012/main" xmlns:ahyp="http://schemas.microsoft.com/office/drawing/2018/hyperlinkcolor">
       <p:transition spd="slow">
         <p:fade/>
       </p:transition>
@@ -11880,7 +11880,7 @@
         <p:fade/>
       </p:transition>
     </mc:Choice>
-    <mc:Fallback xmlns:ahyp="http://schemas.microsoft.com/office/drawing/2018/hyperlinkcolor" xmlns:p15="http://schemas.microsoft.com/office/powerpoint/2012/main" xmlns:com="http://schemas.openxmlformats.org/drawingml/2006/compatibility" xmlns:pvml="urn:schemas-microsoft-com:office:powerpoint" xmlns:v="urn:schemas-microsoft-com:vml" xmlns:o="urn:schemas-microsoft-com:office:office" xmlns:dgm="http://schemas.openxmlformats.org/drawingml/2006/diagram" xmlns:c="http://schemas.openxmlformats.org/drawingml/2006/chart" xmlns:mv="urn:schemas-microsoft-com:mac:vml" xmlns="">
+    <mc:Fallback xmlns="" xmlns:mv="urn:schemas-microsoft-com:mac:vml" xmlns:c="http://schemas.openxmlformats.org/drawingml/2006/chart" xmlns:dgm="http://schemas.openxmlformats.org/drawingml/2006/diagram" xmlns:o="urn:schemas-microsoft-com:office:office" xmlns:v="urn:schemas-microsoft-com:vml" xmlns:pvml="urn:schemas-microsoft-com:office:powerpoint" xmlns:com="http://schemas.openxmlformats.org/drawingml/2006/compatibility" xmlns:p15="http://schemas.microsoft.com/office/powerpoint/2012/main" xmlns:ahyp="http://schemas.microsoft.com/office/drawing/2018/hyperlinkcolor">
       <p:transition spd="slow">
         <p:fade/>
       </p:transition>
@@ -11990,12 +11990,19 @@
         <p:fade/>
       </p:transition>
     </mc:Choice>
-    <mc:Fallback xmlns:ahyp="http://schemas.microsoft.com/office/drawing/2018/hyperlinkcolor" xmlns:p15="http://schemas.microsoft.com/office/powerpoint/2012/main" xmlns:com="http://schemas.openxmlformats.org/drawingml/2006/compatibility" xmlns:pvml="urn:schemas-microsoft-com:office:powerpoint" xmlns:v="urn:schemas-microsoft-com:vml" xmlns:o="urn:schemas-microsoft-com:office:office" xmlns:dgm="http://schemas.openxmlformats.org/drawingml/2006/diagram" xmlns:c="http://schemas.openxmlformats.org/drawingml/2006/chart" xmlns:mv="urn:schemas-microsoft-com:mac:vml" xmlns="">
+    <mc:Fallback xmlns="" xmlns:mv="urn:schemas-microsoft-com:mac:vml" xmlns:c="http://schemas.openxmlformats.org/drawingml/2006/chart" xmlns:dgm="http://schemas.openxmlformats.org/drawingml/2006/diagram" xmlns:o="urn:schemas-microsoft-com:office:office" xmlns:v="urn:schemas-microsoft-com:vml" xmlns:pvml="urn:schemas-microsoft-com:office:powerpoint" xmlns:com="http://schemas.openxmlformats.org/drawingml/2006/compatibility" xmlns:p15="http://schemas.microsoft.com/office/powerpoint/2012/main" xmlns:ahyp="http://schemas.microsoft.com/office/drawing/2018/hyperlinkcolor">
       <p:transition spd="slow">
         <p:fade/>
       </p:transition>
     </mc:Fallback>
   </mc:AlternateContent>
+  <p:timing>
+    <p:tnLst>
+      <p:par>
+        <p:cTn id="1" dur="indefinite" restart="never" nodeType="tmRoot"/>
+      </p:par>
+    </p:tnLst>
+  </p:timing>
 </p:sld>
 </file>
 
@@ -12137,7 +12144,7 @@
         <p:fade/>
       </p:transition>
     </mc:Choice>
-    <mc:Fallback xmlns:ahyp="http://schemas.microsoft.com/office/drawing/2018/hyperlinkcolor" xmlns:p15="http://schemas.microsoft.com/office/powerpoint/2012/main" xmlns:com="http://schemas.openxmlformats.org/drawingml/2006/compatibility" xmlns:pvml="urn:schemas-microsoft-com:office:powerpoint" xmlns:v="urn:schemas-microsoft-com:vml" xmlns:o="urn:schemas-microsoft-com:office:office" xmlns:dgm="http://schemas.openxmlformats.org/drawingml/2006/diagram" xmlns:c="http://schemas.openxmlformats.org/drawingml/2006/chart" xmlns:mv="urn:schemas-microsoft-com:mac:vml" xmlns="">
+    <mc:Fallback xmlns="" xmlns:mv="urn:schemas-microsoft-com:mac:vml" xmlns:c="http://schemas.openxmlformats.org/drawingml/2006/chart" xmlns:dgm="http://schemas.openxmlformats.org/drawingml/2006/diagram" xmlns:o="urn:schemas-microsoft-com:office:office" xmlns:v="urn:schemas-microsoft-com:vml" xmlns:pvml="urn:schemas-microsoft-com:office:powerpoint" xmlns:com="http://schemas.openxmlformats.org/drawingml/2006/compatibility" xmlns:p15="http://schemas.microsoft.com/office/powerpoint/2012/main" xmlns:ahyp="http://schemas.microsoft.com/office/drawing/2018/hyperlinkcolor">
       <p:transition spd="slow">
         <p:fade/>
       </p:transition>
@@ -12798,15 +12805,7 @@
             <a:pPr algn="ctr"/>
             <a:r>
               <a:rPr lang="en-GB" sz="700" dirty="0" smtClean="0"/>
-              <a:t>The payload for this Microservice is the information required for the POST and GET requests.  This will be the filename for GET, and the Filename and </a:t>
-            </a:r>
-            <a:r>
-              <a:rPr lang="en-GB" sz="700" dirty="0" err="1" smtClean="0"/>
-              <a:t>Employee_ID</a:t>
-            </a:r>
-            <a:r>
-              <a:rPr lang="en-GB" sz="700" dirty="0" smtClean="0"/>
-              <a:t> for POST.</a:t>
+              <a:t>The payload for this Microservice is the information required for the POST and GET requests.  This will be the filename for GET, and the Filename and Employee_ID for POST.</a:t>
             </a:r>
             <a:endParaRPr lang="en-GB" sz="700" dirty="0"/>
           </a:p>
@@ -13271,7 +13270,7 @@
         <p:fade/>
       </p:transition>
     </mc:Choice>
-    <mc:Fallback xmlns:ahyp="http://schemas.microsoft.com/office/drawing/2018/hyperlinkcolor" xmlns:p15="http://schemas.microsoft.com/office/powerpoint/2012/main" xmlns:com="http://schemas.openxmlformats.org/drawingml/2006/compatibility" xmlns:pvml="urn:schemas-microsoft-com:office:powerpoint" xmlns:v="urn:schemas-microsoft-com:vml" xmlns:o="urn:schemas-microsoft-com:office:office" xmlns:dgm="http://schemas.openxmlformats.org/drawingml/2006/diagram" xmlns:c="http://schemas.openxmlformats.org/drawingml/2006/chart" xmlns:mv="urn:schemas-microsoft-com:mac:vml" xmlns="">
+    <mc:Fallback xmlns="" xmlns:mv="urn:schemas-microsoft-com:mac:vml" xmlns:c="http://schemas.openxmlformats.org/drawingml/2006/chart" xmlns:dgm="http://schemas.openxmlformats.org/drawingml/2006/diagram" xmlns:o="urn:schemas-microsoft-com:office:office" xmlns:v="urn:schemas-microsoft-com:vml" xmlns:pvml="urn:schemas-microsoft-com:office:powerpoint" xmlns:com="http://schemas.openxmlformats.org/drawingml/2006/compatibility" xmlns:p15="http://schemas.microsoft.com/office/powerpoint/2012/main" xmlns:ahyp="http://schemas.microsoft.com/office/drawing/2018/hyperlinkcolor">
       <p:transition spd="slow">
         <p:fade/>
       </p:transition>
@@ -13526,12 +13525,19 @@
         <p:fade/>
       </p:transition>
     </mc:Choice>
-    <mc:Fallback xmlns:ahyp="http://schemas.microsoft.com/office/drawing/2018/hyperlinkcolor" xmlns:p15="http://schemas.microsoft.com/office/powerpoint/2012/main" xmlns:com="http://schemas.openxmlformats.org/drawingml/2006/compatibility" xmlns:pvml="urn:schemas-microsoft-com:office:powerpoint" xmlns:v="urn:schemas-microsoft-com:vml" xmlns:o="urn:schemas-microsoft-com:office:office" xmlns:dgm="http://schemas.openxmlformats.org/drawingml/2006/diagram" xmlns:c="http://schemas.openxmlformats.org/drawingml/2006/chart" xmlns:mv="urn:schemas-microsoft-com:mac:vml" xmlns="">
+    <mc:Fallback xmlns="" xmlns:mv="urn:schemas-microsoft-com:mac:vml" xmlns:c="http://schemas.openxmlformats.org/drawingml/2006/chart" xmlns:dgm="http://schemas.openxmlformats.org/drawingml/2006/diagram" xmlns:o="urn:schemas-microsoft-com:office:office" xmlns:v="urn:schemas-microsoft-com:vml" xmlns:pvml="urn:schemas-microsoft-com:office:powerpoint" xmlns:com="http://schemas.openxmlformats.org/drawingml/2006/compatibility" xmlns:p15="http://schemas.microsoft.com/office/powerpoint/2012/main" xmlns:ahyp="http://schemas.microsoft.com/office/drawing/2018/hyperlinkcolor">
       <p:transition spd="slow">
         <p:fade/>
       </p:transition>
     </mc:Fallback>
   </mc:AlternateContent>
+  <p:timing>
+    <p:tnLst>
+      <p:par>
+        <p:cTn id="1" dur="indefinite" restart="never" nodeType="tmRoot"/>
+      </p:par>
+    </p:tnLst>
+  </p:timing>
 </p:sld>
 </file>
 
@@ -13677,7 +13683,7 @@
         <p:fade/>
       </p:transition>
     </mc:Choice>
-    <mc:Fallback xmlns:ahyp="http://schemas.microsoft.com/office/drawing/2018/hyperlinkcolor" xmlns:p15="http://schemas.microsoft.com/office/powerpoint/2012/main" xmlns:com="http://schemas.openxmlformats.org/drawingml/2006/compatibility" xmlns:pvml="urn:schemas-microsoft-com:office:powerpoint" xmlns:v="urn:schemas-microsoft-com:vml" xmlns:o="urn:schemas-microsoft-com:office:office" xmlns:dgm="http://schemas.openxmlformats.org/drawingml/2006/diagram" xmlns:c="http://schemas.openxmlformats.org/drawingml/2006/chart" xmlns:mv="urn:schemas-microsoft-com:mac:vml" xmlns="">
+    <mc:Fallback xmlns="" xmlns:mv="urn:schemas-microsoft-com:mac:vml" xmlns:c="http://schemas.openxmlformats.org/drawingml/2006/chart" xmlns:dgm="http://schemas.openxmlformats.org/drawingml/2006/diagram" xmlns:o="urn:schemas-microsoft-com:office:office" xmlns:v="urn:schemas-microsoft-com:vml" xmlns:pvml="urn:schemas-microsoft-com:office:powerpoint" xmlns:com="http://schemas.openxmlformats.org/drawingml/2006/compatibility" xmlns:p15="http://schemas.microsoft.com/office/powerpoint/2012/main" xmlns:ahyp="http://schemas.microsoft.com/office/drawing/2018/hyperlinkcolor">
       <p:transition spd="slow">
         <p:fade/>
       </p:transition>
@@ -14265,15 +14271,7 @@
             <a:pPr algn="ctr"/>
             <a:r>
               <a:rPr lang="en-GB" sz="700" dirty="0" smtClean="0"/>
-              <a:t>The payload for this Microservice is the information required for the GET requests.  This will be the </a:t>
-            </a:r>
-            <a:r>
-              <a:rPr lang="en-GB" sz="700" dirty="0" err="1" smtClean="0"/>
-              <a:t>Employee_ID</a:t>
-            </a:r>
-            <a:r>
-              <a:rPr lang="en-GB" sz="700" dirty="0" smtClean="0"/>
-              <a:t> key field.</a:t>
+              <a:t>The payload for this Microservice is the information required for the GET requests.  This will be the Employee_ID key field.</a:t>
             </a:r>
             <a:endParaRPr lang="en-GB" sz="700" dirty="0"/>
           </a:p>
@@ -14754,7 +14752,7 @@
         <p:fade/>
       </p:transition>
     </mc:Choice>
-    <mc:Fallback xmlns:ahyp="http://schemas.microsoft.com/office/drawing/2018/hyperlinkcolor" xmlns:p15="http://schemas.microsoft.com/office/powerpoint/2012/main" xmlns:com="http://schemas.openxmlformats.org/drawingml/2006/compatibility" xmlns:pvml="urn:schemas-microsoft-com:office:powerpoint" xmlns:v="urn:schemas-microsoft-com:vml" xmlns:o="urn:schemas-microsoft-com:office:office" xmlns:dgm="http://schemas.openxmlformats.org/drawingml/2006/diagram" xmlns:c="http://schemas.openxmlformats.org/drawingml/2006/chart" xmlns:mv="urn:schemas-microsoft-com:mac:vml" xmlns="">
+    <mc:Fallback xmlns="" xmlns:mv="urn:schemas-microsoft-com:mac:vml" xmlns:c="http://schemas.openxmlformats.org/drawingml/2006/chart" xmlns:dgm="http://schemas.openxmlformats.org/drawingml/2006/diagram" xmlns:o="urn:schemas-microsoft-com:office:office" xmlns:v="urn:schemas-microsoft-com:vml" xmlns:pvml="urn:schemas-microsoft-com:office:powerpoint" xmlns:com="http://schemas.openxmlformats.org/drawingml/2006/compatibility" xmlns:p15="http://schemas.microsoft.com/office/powerpoint/2012/main" xmlns:ahyp="http://schemas.microsoft.com/office/drawing/2018/hyperlinkcolor">
       <p:transition spd="slow">
         <p:fade/>
       </p:transition>
@@ -14981,12 +14979,19 @@
         <p:fade/>
       </p:transition>
     </mc:Choice>
-    <mc:Fallback xmlns:ahyp="http://schemas.microsoft.com/office/drawing/2018/hyperlinkcolor" xmlns:p15="http://schemas.microsoft.com/office/powerpoint/2012/main" xmlns:com="http://schemas.openxmlformats.org/drawingml/2006/compatibility" xmlns:pvml="urn:schemas-microsoft-com:office:powerpoint" xmlns:v="urn:schemas-microsoft-com:vml" xmlns:o="urn:schemas-microsoft-com:office:office" xmlns:dgm="http://schemas.openxmlformats.org/drawingml/2006/diagram" xmlns:c="http://schemas.openxmlformats.org/drawingml/2006/chart" xmlns:mv="urn:schemas-microsoft-com:mac:vml" xmlns="">
+    <mc:Fallback xmlns="" xmlns:mv="urn:schemas-microsoft-com:mac:vml" xmlns:c="http://schemas.openxmlformats.org/drawingml/2006/chart" xmlns:dgm="http://schemas.openxmlformats.org/drawingml/2006/diagram" xmlns:o="urn:schemas-microsoft-com:office:office" xmlns:v="urn:schemas-microsoft-com:vml" xmlns:pvml="urn:schemas-microsoft-com:office:powerpoint" xmlns:com="http://schemas.openxmlformats.org/drawingml/2006/compatibility" xmlns:p15="http://schemas.microsoft.com/office/powerpoint/2012/main" xmlns:ahyp="http://schemas.microsoft.com/office/drawing/2018/hyperlinkcolor">
       <p:transition spd="slow">
         <p:fade/>
       </p:transition>
     </mc:Fallback>
   </mc:AlternateContent>
+  <p:timing>
+    <p:tnLst>
+      <p:par>
+        <p:cTn id="1" dur="indefinite" restart="never" nodeType="tmRoot"/>
+      </p:par>
+    </p:tnLst>
+  </p:timing>
 </p:sld>
 </file>
 
@@ -15072,7 +15077,7 @@
         <p:fade/>
       </p:transition>
     </mc:Choice>
-    <mc:Fallback xmlns:ahyp="http://schemas.microsoft.com/office/drawing/2018/hyperlinkcolor" xmlns:p15="http://schemas.microsoft.com/office/powerpoint/2012/main" xmlns:com="http://schemas.openxmlformats.org/drawingml/2006/compatibility" xmlns:pvml="urn:schemas-microsoft-com:office:powerpoint" xmlns:v="urn:schemas-microsoft-com:vml" xmlns:o="urn:schemas-microsoft-com:office:office" xmlns:dgm="http://schemas.openxmlformats.org/drawingml/2006/diagram" xmlns:c="http://schemas.openxmlformats.org/drawingml/2006/chart" xmlns:mv="urn:schemas-microsoft-com:mac:vml" xmlns="">
+    <mc:Fallback xmlns="" xmlns:mv="urn:schemas-microsoft-com:mac:vml" xmlns:c="http://schemas.openxmlformats.org/drawingml/2006/chart" xmlns:dgm="http://schemas.openxmlformats.org/drawingml/2006/diagram" xmlns:o="urn:schemas-microsoft-com:office:office" xmlns:v="urn:schemas-microsoft-com:vml" xmlns:pvml="urn:schemas-microsoft-com:office:powerpoint" xmlns:com="http://schemas.openxmlformats.org/drawingml/2006/compatibility" xmlns:p15="http://schemas.microsoft.com/office/powerpoint/2012/main" xmlns:ahyp="http://schemas.microsoft.com/office/drawing/2018/hyperlinkcolor">
       <p:transition spd="slow">
         <p:fade/>
       </p:transition>
@@ -15205,11 +15210,7 @@
             </a:pPr>
             <a:r>
               <a:rPr lang="en-GB" sz="1800" dirty="0" smtClean="0"/>
-              <a:t>DynamoDB </a:t>
-            </a:r>
-            <a:r>
-              <a:rPr lang="en-GB" sz="1800" dirty="0" smtClean="0"/>
-              <a:t>is not suited for regular searching and scanning of database records.  Alternatives such as RDS are better.</a:t>
+              <a:t>DynamoDB is not suited for regular searching and scanning of database records.  Alternatives such as RDS are better.</a:t>
             </a:r>
           </a:p>
           <a:p>
@@ -15219,11 +15220,7 @@
             </a:pPr>
             <a:r>
               <a:rPr lang="en-GB" sz="1800" dirty="0" smtClean="0"/>
-              <a:t>Code 200 returns are not always correct, code 200 indicates the endpoint was successfully hit by the API request, not that the function of the API was successful, additional code was required to handle exceptions</a:t>
-            </a:r>
-            <a:r>
-              <a:rPr lang="en-GB" sz="1800" dirty="0" smtClean="0"/>
-              <a:t>.</a:t>
+              <a:t>Code 200 returns are not always correct, code 200 indicates the endpoint was successfully hit by the API request, not that the function of the API was successful, additional code was required to handle exceptions.</a:t>
             </a:r>
           </a:p>
         </p:txBody>
@@ -15244,12 +15241,19 @@
         <p:fade/>
       </p:transition>
     </mc:Choice>
-    <mc:Fallback xmlns:ahyp="http://schemas.microsoft.com/office/drawing/2018/hyperlinkcolor" xmlns:p15="http://schemas.microsoft.com/office/powerpoint/2012/main" xmlns:com="http://schemas.openxmlformats.org/drawingml/2006/compatibility" xmlns:pvml="urn:schemas-microsoft-com:office:powerpoint" xmlns:v="urn:schemas-microsoft-com:vml" xmlns:o="urn:schemas-microsoft-com:office:office" xmlns:dgm="http://schemas.openxmlformats.org/drawingml/2006/diagram" xmlns:c="http://schemas.openxmlformats.org/drawingml/2006/chart" xmlns:mv="urn:schemas-microsoft-com:mac:vml" xmlns="">
+    <mc:Fallback xmlns="" xmlns:mv="urn:schemas-microsoft-com:mac:vml" xmlns:c="http://schemas.openxmlformats.org/drawingml/2006/chart" xmlns:dgm="http://schemas.openxmlformats.org/drawingml/2006/diagram" xmlns:o="urn:schemas-microsoft-com:office:office" xmlns:v="urn:schemas-microsoft-com:vml" xmlns:pvml="urn:schemas-microsoft-com:office:powerpoint" xmlns:com="http://schemas.openxmlformats.org/drawingml/2006/compatibility" xmlns:p15="http://schemas.microsoft.com/office/powerpoint/2012/main" xmlns:ahyp="http://schemas.microsoft.com/office/drawing/2018/hyperlinkcolor">
       <p:transition spd="slow">
         <p:fade/>
       </p:transition>
     </mc:Fallback>
   </mc:AlternateContent>
+  <p:timing>
+    <p:tnLst>
+      <p:par>
+        <p:cTn id="1" dur="indefinite" restart="never" nodeType="tmRoot"/>
+      </p:par>
+    </p:tnLst>
+  </p:timing>
 </p:sld>
 </file>
 
@@ -15336,8 +15340,8 @@
         </p:nvSpPr>
         <p:spPr bwMode="auto">
           <a:xfrm>
-            <a:off x="533400" y="1244948"/>
-            <a:ext cx="5991226" cy="5847755"/>
+            <a:off x="533400" y="1506558"/>
+            <a:ext cx="5991226" cy="5324535"/>
           </a:xfrm>
           <a:prstGeom prst="rect">
             <a:avLst/>
@@ -15402,7 +15406,7 @@
               <a:tabLst/>
             </a:pPr>
             <a:r>
-              <a:rPr kumimoji="0" lang="en-US" altLang="en-US" sz="1100" b="0" i="0" u="none" strike="noStrike" cap="none" normalizeH="0" baseline="0" dirty="0" err="1" smtClean="0">
+              <a:rPr kumimoji="0" lang="en-US" altLang="en-US" sz="1000" b="0" i="0" u="none" strike="noStrike" cap="none" normalizeH="0" baseline="0" dirty="0" err="1" smtClean="0">
                 <a:ln>
                   <a:noFill/>
                 </a:ln>
@@ -15417,7 +15421,7 @@
               <a:t>Akiwatkar</a:t>
             </a:r>
             <a:r>
-              <a:rPr kumimoji="0" lang="en-US" altLang="en-US" sz="1100" b="0" i="0" u="none" strike="noStrike" cap="none" normalizeH="0" baseline="0" dirty="0" smtClean="0">
+              <a:rPr kumimoji="0" lang="en-US" altLang="en-US" sz="1000" b="0" i="0" u="none" strike="noStrike" cap="none" normalizeH="0" baseline="0" dirty="0" smtClean="0">
                 <a:ln>
                   <a:noFill/>
                 </a:ln>
@@ -15432,7 +15436,7 @@
               <a:t>, R., 2020. </a:t>
             </a:r>
             <a:r>
-              <a:rPr kumimoji="0" lang="en-US" altLang="en-US" sz="1100" b="0" i="1" u="none" strike="noStrike" cap="none" normalizeH="0" baseline="0" dirty="0" err="1" smtClean="0">
+              <a:rPr kumimoji="0" lang="en-US" altLang="en-US" sz="1000" b="0" i="1" u="none" strike="noStrike" cap="none" normalizeH="0" baseline="0" dirty="0" err="1" smtClean="0">
                 <a:ln>
                   <a:noFill/>
                 </a:ln>
@@ -15447,7 +15451,7 @@
               <a:t>Simform</a:t>
             </a:r>
             <a:r>
-              <a:rPr kumimoji="0" lang="en-US" altLang="en-US" sz="1100" b="0" i="1" u="none" strike="noStrike" cap="none" normalizeH="0" baseline="0" dirty="0" smtClean="0">
+              <a:rPr kumimoji="0" lang="en-US" altLang="en-US" sz="1000" b="0" i="1" u="none" strike="noStrike" cap="none" normalizeH="0" baseline="0" dirty="0" smtClean="0">
                 <a:ln>
                   <a:noFill/>
                 </a:ln>
@@ -15462,7 +15466,7 @@
               <a:t>. </a:t>
             </a:r>
             <a:r>
-              <a:rPr kumimoji="0" lang="en-US" altLang="en-US" sz="1100" b="0" i="0" u="none" strike="noStrike" cap="none" normalizeH="0" baseline="0" dirty="0" smtClean="0">
+              <a:rPr kumimoji="0" lang="en-US" altLang="en-US" sz="1000" b="0" i="0" u="none" strike="noStrike" cap="none" normalizeH="0" baseline="0" dirty="0" smtClean="0">
                 <a:ln>
                   <a:noFill/>
                 </a:ln>
@@ -15477,7 +15481,7 @@
               <a:t>[Online] </a:t>
             </a:r>
             <a:br>
-              <a:rPr kumimoji="0" lang="en-US" altLang="en-US" sz="1100" b="0" i="0" u="none" strike="noStrike" cap="none" normalizeH="0" baseline="0" dirty="0" smtClean="0">
+              <a:rPr kumimoji="0" lang="en-US" altLang="en-US" sz="1000" b="0" i="0" u="none" strike="noStrike" cap="none" normalizeH="0" baseline="0" dirty="0" smtClean="0">
                 <a:ln>
                   <a:noFill/>
                 </a:ln>
@@ -15491,7 +15495,7 @@
               </a:rPr>
             </a:br>
             <a:r>
-              <a:rPr kumimoji="0" lang="en-US" altLang="en-US" sz="1100" b="0" i="0" u="none" strike="noStrike" cap="none" normalizeH="0" baseline="0" dirty="0" smtClean="0">
+              <a:rPr kumimoji="0" lang="en-US" altLang="en-US" sz="1000" b="0" i="0" u="none" strike="noStrike" cap="none" normalizeH="0" baseline="0" dirty="0" smtClean="0">
                 <a:ln>
                   <a:noFill/>
                 </a:ln>
@@ -15506,7 +15510,7 @@
               <a:t>Available at: </a:t>
             </a:r>
             <a:r>
-              <a:rPr kumimoji="0" lang="en-US" altLang="en-US" sz="1100" b="0" i="0" u="sng" strike="noStrike" cap="none" normalizeH="0" baseline="0" dirty="0" smtClean="0">
+              <a:rPr kumimoji="0" lang="en-US" altLang="en-US" sz="1000" b="0" i="0" u="sng" strike="noStrike" cap="none" normalizeH="0" baseline="0" dirty="0" smtClean="0">
                 <a:ln>
                   <a:noFill/>
                 </a:ln>
@@ -15521,7 +15525,7 @@
               <a:t>https://www.simform.com/serverless-examples-aws-lambda-use-cases/#website</a:t>
             </a:r>
             <a:r>
-              <a:rPr kumimoji="0" lang="en-US" altLang="en-US" sz="1100" b="0" i="0" u="none" strike="noStrike" cap="none" normalizeH="0" baseline="0" dirty="0" smtClean="0">
+              <a:rPr kumimoji="0" lang="en-US" altLang="en-US" sz="1000" b="0" i="0" u="none" strike="noStrike" cap="none" normalizeH="0" baseline="0" dirty="0" smtClean="0">
                 <a:ln>
                   <a:noFill/>
                 </a:ln>
@@ -15536,7 +15540,7 @@
               <a:t/>
             </a:r>
             <a:br>
-              <a:rPr kumimoji="0" lang="en-US" altLang="en-US" sz="1100" b="0" i="0" u="none" strike="noStrike" cap="none" normalizeH="0" baseline="0" dirty="0" smtClean="0">
+              <a:rPr kumimoji="0" lang="en-US" altLang="en-US" sz="1000" b="0" i="0" u="none" strike="noStrike" cap="none" normalizeH="0" baseline="0" dirty="0" smtClean="0">
                 <a:ln>
                   <a:noFill/>
                 </a:ln>
@@ -15550,7 +15554,7 @@
               </a:rPr>
             </a:br>
             <a:r>
-              <a:rPr kumimoji="0" lang="en-US" altLang="en-US" sz="1100" b="0" i="0" u="none" strike="noStrike" cap="none" normalizeH="0" baseline="0" dirty="0" smtClean="0">
+              <a:rPr kumimoji="0" lang="en-US" altLang="en-US" sz="1000" b="0" i="0" u="none" strike="noStrike" cap="none" normalizeH="0" baseline="0" dirty="0" smtClean="0">
                 <a:ln>
                   <a:noFill/>
                 </a:ln>
@@ -15564,7 +15568,7 @@
               </a:rPr>
               <a:t>[Accessed 23 06 2021].</a:t>
             </a:r>
-            <a:endParaRPr kumimoji="0" lang="en-GB" altLang="en-US" sz="1100" b="0" i="0" u="none" strike="noStrike" cap="none" normalizeH="0" baseline="0" dirty="0" smtClean="0">
+            <a:endParaRPr kumimoji="0" lang="en-GB" altLang="en-US" sz="1000" b="0" i="0" u="none" strike="noStrike" cap="none" normalizeH="0" baseline="0" dirty="0" smtClean="0">
               <a:ln>
                 <a:noFill/>
               </a:ln>
@@ -15592,7 +15596,7 @@
               <a:tabLst/>
             </a:pPr>
             <a:r>
-              <a:rPr kumimoji="0" lang="en-US" altLang="en-US" sz="1100" b="0" i="0" u="none" strike="noStrike" cap="none" normalizeH="0" baseline="0" dirty="0" smtClean="0">
+              <a:rPr kumimoji="0" lang="en-US" altLang="en-US" sz="1000" b="0" i="0" u="none" strike="noStrike" cap="none" normalizeH="0" baseline="0" dirty="0" smtClean="0">
                 <a:ln>
                   <a:noFill/>
                 </a:ln>
@@ -15607,7 +15611,7 @@
               <a:t>Amazon, 2021. </a:t>
             </a:r>
             <a:r>
-              <a:rPr kumimoji="0" lang="en-US" altLang="en-US" sz="1100" b="0" i="1" u="none" strike="noStrike" cap="none" normalizeH="0" baseline="0" dirty="0" smtClean="0">
+              <a:rPr kumimoji="0" lang="en-US" altLang="en-US" sz="1000" b="0" i="1" u="none" strike="noStrike" cap="none" normalizeH="0" baseline="0" dirty="0" smtClean="0">
                 <a:ln>
                   <a:noFill/>
                 </a:ln>
@@ -15622,7 +15626,7 @@
               <a:t>AWS. </a:t>
             </a:r>
             <a:r>
-              <a:rPr kumimoji="0" lang="en-US" altLang="en-US" sz="1100" b="0" i="0" u="none" strike="noStrike" cap="none" normalizeH="0" baseline="0" dirty="0" smtClean="0">
+              <a:rPr kumimoji="0" lang="en-US" altLang="en-US" sz="1000" b="0" i="0" u="none" strike="noStrike" cap="none" normalizeH="0" baseline="0" dirty="0" smtClean="0">
                 <a:ln>
                   <a:noFill/>
                 </a:ln>
@@ -15637,7 +15641,7 @@
               <a:t>[Online] </a:t>
             </a:r>
             <a:br>
-              <a:rPr kumimoji="0" lang="en-US" altLang="en-US" sz="1100" b="0" i="0" u="none" strike="noStrike" cap="none" normalizeH="0" baseline="0" dirty="0" smtClean="0">
+              <a:rPr kumimoji="0" lang="en-US" altLang="en-US" sz="1000" b="0" i="0" u="none" strike="noStrike" cap="none" normalizeH="0" baseline="0" dirty="0" smtClean="0">
                 <a:ln>
                   <a:noFill/>
                 </a:ln>
@@ -15651,7 +15655,7 @@
               </a:rPr>
             </a:br>
             <a:r>
-              <a:rPr kumimoji="0" lang="en-US" altLang="en-US" sz="1100" b="0" i="0" u="none" strike="noStrike" cap="none" normalizeH="0" baseline="0" dirty="0" smtClean="0">
+              <a:rPr kumimoji="0" lang="en-US" altLang="en-US" sz="1000" b="0" i="0" u="none" strike="noStrike" cap="none" normalizeH="0" baseline="0" dirty="0" smtClean="0">
                 <a:ln>
                   <a:noFill/>
                 </a:ln>
@@ -15666,7 +15670,7 @@
               <a:t>Available at: </a:t>
             </a:r>
             <a:r>
-              <a:rPr kumimoji="0" lang="en-US" altLang="en-US" sz="1100" b="0" i="0" u="sng" strike="noStrike" cap="none" normalizeH="0" baseline="0" dirty="0" smtClean="0">
+              <a:rPr kumimoji="0" lang="en-US" altLang="en-US" sz="1000" b="0" i="0" u="sng" strike="noStrike" cap="none" normalizeH="0" baseline="0" dirty="0" smtClean="0">
                 <a:ln>
                   <a:noFill/>
                 </a:ln>
@@ -15681,7 +15685,7 @@
               <a:t>https://docs.aws.amazon.com/apigateway/latest/developerguide/lambda-proxy-binary-media.html</a:t>
             </a:r>
             <a:r>
-              <a:rPr kumimoji="0" lang="en-US" altLang="en-US" sz="1100" b="0" i="0" u="none" strike="noStrike" cap="none" normalizeH="0" baseline="0" dirty="0" smtClean="0">
+              <a:rPr kumimoji="0" lang="en-US" altLang="en-US" sz="1000" b="0" i="0" u="none" strike="noStrike" cap="none" normalizeH="0" baseline="0" dirty="0" smtClean="0">
                 <a:ln>
                   <a:noFill/>
                 </a:ln>
@@ -15696,7 +15700,7 @@
               <a:t/>
             </a:r>
             <a:br>
-              <a:rPr kumimoji="0" lang="en-US" altLang="en-US" sz="1100" b="0" i="0" u="none" strike="noStrike" cap="none" normalizeH="0" baseline="0" dirty="0" smtClean="0">
+              <a:rPr kumimoji="0" lang="en-US" altLang="en-US" sz="1000" b="0" i="0" u="none" strike="noStrike" cap="none" normalizeH="0" baseline="0" dirty="0" smtClean="0">
                 <a:ln>
                   <a:noFill/>
                 </a:ln>
@@ -15710,7 +15714,7 @@
               </a:rPr>
             </a:br>
             <a:r>
-              <a:rPr kumimoji="0" lang="en-US" altLang="en-US" sz="1100" b="0" i="0" u="none" strike="noStrike" cap="none" normalizeH="0" baseline="0" dirty="0" smtClean="0">
+              <a:rPr kumimoji="0" lang="en-US" altLang="en-US" sz="1000" b="0" i="0" u="none" strike="noStrike" cap="none" normalizeH="0" baseline="0" dirty="0" smtClean="0">
                 <a:ln>
                   <a:noFill/>
                 </a:ln>
@@ -15724,7 +15728,7 @@
               </a:rPr>
               <a:t>[Accessed 22 06 2021].</a:t>
             </a:r>
-            <a:endParaRPr kumimoji="0" lang="en-GB" altLang="en-US" sz="1100" b="0" i="0" u="none" strike="noStrike" cap="none" normalizeH="0" baseline="0" dirty="0" smtClean="0">
+            <a:endParaRPr kumimoji="0" lang="en-GB" altLang="en-US" sz="1000" b="0" i="0" u="none" strike="noStrike" cap="none" normalizeH="0" baseline="0" dirty="0" smtClean="0">
               <a:ln>
                 <a:noFill/>
               </a:ln>
@@ -15752,7 +15756,7 @@
               <a:tabLst/>
             </a:pPr>
             <a:r>
-              <a:rPr kumimoji="0" lang="en-US" altLang="en-US" sz="1100" b="0" i="0" u="none" strike="noStrike" cap="none" normalizeH="0" baseline="0" dirty="0" smtClean="0">
+              <a:rPr kumimoji="0" lang="en-US" altLang="en-US" sz="1000" b="0" i="0" u="none" strike="noStrike" cap="none" normalizeH="0" baseline="0" dirty="0" smtClean="0">
                 <a:ln>
                   <a:noFill/>
                 </a:ln>
@@ -15767,7 +15771,7 @@
               <a:t>Amazon, 2021. </a:t>
             </a:r>
             <a:r>
-              <a:rPr kumimoji="0" lang="en-US" altLang="en-US" sz="1100" b="0" i="1" u="none" strike="noStrike" cap="none" normalizeH="0" baseline="0" dirty="0" smtClean="0">
+              <a:rPr kumimoji="0" lang="en-US" altLang="en-US" sz="1000" b="0" i="1" u="none" strike="noStrike" cap="none" normalizeH="0" baseline="0" dirty="0" smtClean="0">
                 <a:ln>
                   <a:noFill/>
                 </a:ln>
@@ -15782,7 +15786,7 @@
               <a:t>AWS. </a:t>
             </a:r>
             <a:r>
-              <a:rPr kumimoji="0" lang="en-US" altLang="en-US" sz="1100" b="0" i="0" u="none" strike="noStrike" cap="none" normalizeH="0" baseline="0" dirty="0" smtClean="0">
+              <a:rPr kumimoji="0" lang="en-US" altLang="en-US" sz="1000" b="0" i="0" u="none" strike="noStrike" cap="none" normalizeH="0" baseline="0" dirty="0" smtClean="0">
                 <a:ln>
                   <a:noFill/>
                 </a:ln>
@@ -15797,7 +15801,7 @@
               <a:t>[Online] </a:t>
             </a:r>
             <a:br>
-              <a:rPr kumimoji="0" lang="en-US" altLang="en-US" sz="1100" b="0" i="0" u="none" strike="noStrike" cap="none" normalizeH="0" baseline="0" dirty="0" smtClean="0">
+              <a:rPr kumimoji="0" lang="en-US" altLang="en-US" sz="1000" b="0" i="0" u="none" strike="noStrike" cap="none" normalizeH="0" baseline="0" dirty="0" smtClean="0">
                 <a:ln>
                   <a:noFill/>
                 </a:ln>
@@ -15811,7 +15815,7 @@
               </a:rPr>
             </a:br>
             <a:r>
-              <a:rPr kumimoji="0" lang="en-US" altLang="en-US" sz="1100" b="0" i="0" u="none" strike="noStrike" cap="none" normalizeH="0" baseline="0" dirty="0" smtClean="0">
+              <a:rPr kumimoji="0" lang="en-US" altLang="en-US" sz="1000" b="0" i="0" u="none" strike="noStrike" cap="none" normalizeH="0" baseline="0" dirty="0" smtClean="0">
                 <a:ln>
                   <a:noFill/>
                 </a:ln>
@@ -15826,7 +15830,7 @@
               <a:t>Available at: </a:t>
             </a:r>
             <a:r>
-              <a:rPr kumimoji="0" lang="en-US" altLang="en-US" sz="1100" b="0" i="0" u="sng" strike="noStrike" cap="none" normalizeH="0" baseline="0" dirty="0" smtClean="0">
+              <a:rPr kumimoji="0" lang="en-US" altLang="en-US" sz="1000" b="0" i="0" u="sng" strike="noStrike" cap="none" normalizeH="0" baseline="0" dirty="0" smtClean="0">
                 <a:ln>
                   <a:noFill/>
                 </a:ln>
@@ -15841,7 +15845,7 @@
               <a:t>https://docs.aws.amazon.com/amazondynamodb/latest/developerguide/GettingStarted.Python.03.html#GettingStarted.Python.03.03</a:t>
             </a:r>
             <a:r>
-              <a:rPr kumimoji="0" lang="en-US" altLang="en-US" sz="1100" b="0" i="0" u="none" strike="noStrike" cap="none" normalizeH="0" baseline="0" dirty="0" smtClean="0">
+              <a:rPr kumimoji="0" lang="en-US" altLang="en-US" sz="1000" b="0" i="0" u="none" strike="noStrike" cap="none" normalizeH="0" baseline="0" dirty="0" smtClean="0">
                 <a:ln>
                   <a:noFill/>
                 </a:ln>
@@ -15856,7 +15860,7 @@
               <a:t/>
             </a:r>
             <a:br>
-              <a:rPr kumimoji="0" lang="en-US" altLang="en-US" sz="1100" b="0" i="0" u="none" strike="noStrike" cap="none" normalizeH="0" baseline="0" dirty="0" smtClean="0">
+              <a:rPr kumimoji="0" lang="en-US" altLang="en-US" sz="1000" b="0" i="0" u="none" strike="noStrike" cap="none" normalizeH="0" baseline="0" dirty="0" smtClean="0">
                 <a:ln>
                   <a:noFill/>
                 </a:ln>
@@ -15870,7 +15874,7 @@
               </a:rPr>
             </a:br>
             <a:r>
-              <a:rPr kumimoji="0" lang="en-US" altLang="en-US" sz="1100" b="0" i="0" u="none" strike="noStrike" cap="none" normalizeH="0" baseline="0" dirty="0" smtClean="0">
+              <a:rPr kumimoji="0" lang="en-US" altLang="en-US" sz="1000" b="0" i="0" u="none" strike="noStrike" cap="none" normalizeH="0" baseline="0" dirty="0" smtClean="0">
                 <a:ln>
                   <a:noFill/>
                 </a:ln>
@@ -15884,7 +15888,7 @@
               </a:rPr>
               <a:t>[Accessed 22 06 2021].</a:t>
             </a:r>
-            <a:endParaRPr kumimoji="0" lang="en-GB" altLang="en-US" sz="1100" b="0" i="0" u="none" strike="noStrike" cap="none" normalizeH="0" baseline="0" dirty="0" smtClean="0">
+            <a:endParaRPr kumimoji="0" lang="en-GB" altLang="en-US" sz="1000" b="0" i="0" u="none" strike="noStrike" cap="none" normalizeH="0" baseline="0" dirty="0" smtClean="0">
               <a:ln>
                 <a:noFill/>
               </a:ln>
@@ -15912,7 +15916,7 @@
               <a:tabLst/>
             </a:pPr>
             <a:r>
-              <a:rPr kumimoji="0" lang="en-US" altLang="en-US" sz="1100" b="0" i="0" u="none" strike="noStrike" cap="none" normalizeH="0" baseline="0" dirty="0" smtClean="0">
+              <a:rPr kumimoji="0" lang="en-US" altLang="en-US" sz="1000" b="0" i="0" u="none" strike="noStrike" cap="none" normalizeH="0" baseline="0" dirty="0" smtClean="0">
                 <a:ln>
                   <a:noFill/>
                 </a:ln>
@@ -15927,7 +15931,7 @@
               <a:t>Amazon, 2021. </a:t>
             </a:r>
             <a:r>
-              <a:rPr kumimoji="0" lang="en-US" altLang="en-US" sz="1100" b="0" i="1" u="none" strike="noStrike" cap="none" normalizeH="0" baseline="0" dirty="0" smtClean="0">
+              <a:rPr kumimoji="0" lang="en-US" altLang="en-US" sz="1000" b="0" i="1" u="none" strike="noStrike" cap="none" normalizeH="0" baseline="0" dirty="0" smtClean="0">
                 <a:ln>
                   <a:noFill/>
                 </a:ln>
@@ -15942,7 +15946,7 @@
               <a:t>AWS. </a:t>
             </a:r>
             <a:r>
-              <a:rPr kumimoji="0" lang="en-US" altLang="en-US" sz="1100" b="0" i="0" u="none" strike="noStrike" cap="none" normalizeH="0" baseline="0" dirty="0" smtClean="0">
+              <a:rPr kumimoji="0" lang="en-US" altLang="en-US" sz="1000" b="0" i="0" u="none" strike="noStrike" cap="none" normalizeH="0" baseline="0" dirty="0" smtClean="0">
                 <a:ln>
                   <a:noFill/>
                 </a:ln>
@@ -15957,7 +15961,7 @@
               <a:t>[Online] </a:t>
             </a:r>
             <a:br>
-              <a:rPr kumimoji="0" lang="en-US" altLang="en-US" sz="1100" b="0" i="0" u="none" strike="noStrike" cap="none" normalizeH="0" baseline="0" dirty="0" smtClean="0">
+              <a:rPr kumimoji="0" lang="en-US" altLang="en-US" sz="1000" b="0" i="0" u="none" strike="noStrike" cap="none" normalizeH="0" baseline="0" dirty="0" smtClean="0">
                 <a:ln>
                   <a:noFill/>
                 </a:ln>
@@ -15971,7 +15975,7 @@
               </a:rPr>
             </a:br>
             <a:r>
-              <a:rPr kumimoji="0" lang="en-US" altLang="en-US" sz="1100" b="0" i="0" u="none" strike="noStrike" cap="none" normalizeH="0" baseline="0" dirty="0" smtClean="0">
+              <a:rPr kumimoji="0" lang="en-US" altLang="en-US" sz="1000" b="0" i="0" u="none" strike="noStrike" cap="none" normalizeH="0" baseline="0" dirty="0" smtClean="0">
                 <a:ln>
                   <a:noFill/>
                 </a:ln>
@@ -15986,7 +15990,7 @@
               <a:t>Available at: </a:t>
             </a:r>
             <a:r>
-              <a:rPr kumimoji="0" lang="en-US" altLang="en-US" sz="1100" b="0" i="0" u="sng" strike="noStrike" cap="none" normalizeH="0" baseline="0" dirty="0" smtClean="0">
+              <a:rPr kumimoji="0" lang="en-US" altLang="en-US" sz="1000" b="0" i="0" u="sng" strike="noStrike" cap="none" normalizeH="0" baseline="0" dirty="0" smtClean="0">
                 <a:ln>
                   <a:noFill/>
                 </a:ln>
@@ -16001,7 +16005,7 @@
               <a:t>https://aws.amazon.com/architecture/reference-architecture-diagrams/?whitepapers-main.sort-by=item.additionalFields.sortDate&amp;whitepapers-main.sort-order=desc&amp;awsf.whitepapers-tech-category=*all&amp;awsf.whitepapers-industries=*all</a:t>
             </a:r>
             <a:r>
-              <a:rPr kumimoji="0" lang="en-US" altLang="en-US" sz="1100" b="0" i="0" u="none" strike="noStrike" cap="none" normalizeH="0" baseline="0" dirty="0" smtClean="0">
+              <a:rPr kumimoji="0" lang="en-US" altLang="en-US" sz="1000" b="0" i="0" u="none" strike="noStrike" cap="none" normalizeH="0" baseline="0" dirty="0" smtClean="0">
                 <a:ln>
                   <a:noFill/>
                 </a:ln>
@@ -16016,7 +16020,7 @@
               <a:t/>
             </a:r>
             <a:br>
-              <a:rPr kumimoji="0" lang="en-US" altLang="en-US" sz="1100" b="0" i="0" u="none" strike="noStrike" cap="none" normalizeH="0" baseline="0" dirty="0" smtClean="0">
+              <a:rPr kumimoji="0" lang="en-US" altLang="en-US" sz="1000" b="0" i="0" u="none" strike="noStrike" cap="none" normalizeH="0" baseline="0" dirty="0" smtClean="0">
                 <a:ln>
                   <a:noFill/>
                 </a:ln>
@@ -16030,7 +16034,7 @@
               </a:rPr>
             </a:br>
             <a:r>
-              <a:rPr kumimoji="0" lang="en-US" altLang="en-US" sz="1100" b="0" i="0" u="none" strike="noStrike" cap="none" normalizeH="0" baseline="0" dirty="0" smtClean="0">
+              <a:rPr kumimoji="0" lang="en-US" altLang="en-US" sz="1000" b="0" i="0" u="none" strike="noStrike" cap="none" normalizeH="0" baseline="0" dirty="0" smtClean="0">
                 <a:ln>
                   <a:noFill/>
                 </a:ln>
@@ -16044,7 +16048,7 @@
               </a:rPr>
               <a:t>[Accessed 13 06 2021].</a:t>
             </a:r>
-            <a:endParaRPr kumimoji="0" lang="en-GB" altLang="en-US" sz="1100" b="0" i="0" u="none" strike="noStrike" cap="none" normalizeH="0" baseline="0" dirty="0" smtClean="0">
+            <a:endParaRPr kumimoji="0" lang="en-GB" altLang="en-US" sz="1000" b="0" i="0" u="none" strike="noStrike" cap="none" normalizeH="0" baseline="0" dirty="0" smtClean="0">
               <a:ln>
                 <a:noFill/>
               </a:ln>
@@ -16072,7 +16076,7 @@
               <a:tabLst/>
             </a:pPr>
             <a:r>
-              <a:rPr kumimoji="0" lang="en-US" altLang="en-US" sz="1100" b="0" i="0" u="none" strike="noStrike" cap="none" normalizeH="0" baseline="0" dirty="0" smtClean="0">
+              <a:rPr kumimoji="0" lang="en-US" altLang="en-US" sz="1000" b="0" i="0" u="none" strike="noStrike" cap="none" normalizeH="0" baseline="0" dirty="0" smtClean="0">
                 <a:ln>
                   <a:noFill/>
                 </a:ln>
@@ -16087,7 +16091,7 @@
               <a:t>Amazon, 2021. </a:t>
             </a:r>
             <a:r>
-              <a:rPr kumimoji="0" lang="en-US" altLang="en-US" sz="1100" b="0" i="1" u="none" strike="noStrike" cap="none" normalizeH="0" baseline="0" dirty="0" smtClean="0">
+              <a:rPr kumimoji="0" lang="en-US" altLang="en-US" sz="1000" b="0" i="1" u="none" strike="noStrike" cap="none" normalizeH="0" baseline="0" dirty="0" smtClean="0">
                 <a:ln>
                   <a:noFill/>
                 </a:ln>
@@ -16102,7 +16106,7 @@
               <a:t>AWS.com. </a:t>
             </a:r>
             <a:r>
-              <a:rPr kumimoji="0" lang="en-US" altLang="en-US" sz="1100" b="0" i="0" u="none" strike="noStrike" cap="none" normalizeH="0" baseline="0" dirty="0" smtClean="0">
+              <a:rPr kumimoji="0" lang="en-US" altLang="en-US" sz="1000" b="0" i="0" u="none" strike="noStrike" cap="none" normalizeH="0" baseline="0" dirty="0" smtClean="0">
                 <a:ln>
                   <a:noFill/>
                 </a:ln>
@@ -16117,7 +16121,7 @@
               <a:t>[Online] </a:t>
             </a:r>
             <a:br>
-              <a:rPr kumimoji="0" lang="en-US" altLang="en-US" sz="1100" b="0" i="0" u="none" strike="noStrike" cap="none" normalizeH="0" baseline="0" dirty="0" smtClean="0">
+              <a:rPr kumimoji="0" lang="en-US" altLang="en-US" sz="1000" b="0" i="0" u="none" strike="noStrike" cap="none" normalizeH="0" baseline="0" dirty="0" smtClean="0">
                 <a:ln>
                   <a:noFill/>
                 </a:ln>
@@ -16131,7 +16135,7 @@
               </a:rPr>
             </a:br>
             <a:r>
-              <a:rPr kumimoji="0" lang="en-US" altLang="en-US" sz="1100" b="0" i="0" u="none" strike="noStrike" cap="none" normalizeH="0" baseline="0" dirty="0" smtClean="0">
+              <a:rPr kumimoji="0" lang="en-US" altLang="en-US" sz="1000" b="0" i="0" u="none" strike="noStrike" cap="none" normalizeH="0" baseline="0" dirty="0" smtClean="0">
                 <a:ln>
                   <a:noFill/>
                 </a:ln>
@@ -16146,7 +16150,7 @@
               <a:t>Available at: </a:t>
             </a:r>
             <a:r>
-              <a:rPr kumimoji="0" lang="en-US" altLang="en-US" sz="1100" b="0" i="0" u="sng" strike="noStrike" cap="none" normalizeH="0" baseline="0" dirty="0" smtClean="0">
+              <a:rPr kumimoji="0" lang="en-US" altLang="en-US" sz="1000" b="0" i="0" u="sng" strike="noStrike" cap="none" normalizeH="0" baseline="0" dirty="0" smtClean="0">
                 <a:ln>
                   <a:noFill/>
                 </a:ln>
@@ -16161,7 +16165,7 @@
               <a:t>https://docs.aws.amazon.com/serverless-application-model/latest/developerguide/serverless-getting-started-hello-world.html</a:t>
             </a:r>
             <a:r>
-              <a:rPr kumimoji="0" lang="en-US" altLang="en-US" sz="1100" b="0" i="0" u="none" strike="noStrike" cap="none" normalizeH="0" baseline="0" dirty="0" smtClean="0">
+              <a:rPr kumimoji="0" lang="en-US" altLang="en-US" sz="1000" b="0" i="0" u="none" strike="noStrike" cap="none" normalizeH="0" baseline="0" dirty="0" smtClean="0">
                 <a:ln>
                   <a:noFill/>
                 </a:ln>
@@ -16176,7 +16180,7 @@
               <a:t/>
             </a:r>
             <a:br>
-              <a:rPr kumimoji="0" lang="en-US" altLang="en-US" sz="1100" b="0" i="0" u="none" strike="noStrike" cap="none" normalizeH="0" baseline="0" dirty="0" smtClean="0">
+              <a:rPr kumimoji="0" lang="en-US" altLang="en-US" sz="1000" b="0" i="0" u="none" strike="noStrike" cap="none" normalizeH="0" baseline="0" dirty="0" smtClean="0">
                 <a:ln>
                   <a:noFill/>
                 </a:ln>
@@ -16190,7 +16194,7 @@
               </a:rPr>
             </a:br>
             <a:r>
-              <a:rPr kumimoji="0" lang="en-US" altLang="en-US" sz="1100" b="0" i="0" u="none" strike="noStrike" cap="none" normalizeH="0" baseline="0" dirty="0" smtClean="0">
+              <a:rPr kumimoji="0" lang="en-US" altLang="en-US" sz="1000" b="0" i="0" u="none" strike="noStrike" cap="none" normalizeH="0" baseline="0" dirty="0" smtClean="0">
                 <a:ln>
                   <a:noFill/>
                 </a:ln>
@@ -16204,7 +16208,7 @@
               </a:rPr>
               <a:t>[Accessed 10 06 2021].</a:t>
             </a:r>
-            <a:endParaRPr kumimoji="0" lang="en-GB" altLang="en-US" sz="1100" b="0" i="0" u="none" strike="noStrike" cap="none" normalizeH="0" baseline="0" dirty="0" smtClean="0">
+            <a:endParaRPr kumimoji="0" lang="en-GB" altLang="en-US" sz="1000" b="0" i="0" u="none" strike="noStrike" cap="none" normalizeH="0" baseline="0" dirty="0" smtClean="0">
               <a:ln>
                 <a:noFill/>
               </a:ln>
@@ -16227,7 +16231,7 @@
               <a:buChar char="•"/>
             </a:pPr>
             <a:r>
-              <a:rPr lang="en-US" altLang="en-US" sz="1100" b="0" dirty="0">
+              <a:rPr lang="en-US" altLang="en-US" sz="1000" b="0" dirty="0">
                 <a:solidFill>
                   <a:schemeClr val="tx1"/>
                 </a:solidFill>
@@ -16238,7 +16242,7 @@
               <a:t>Be a Better Dev, 2019. </a:t>
             </a:r>
             <a:r>
-              <a:rPr lang="en-US" altLang="en-US" sz="1100" b="0" i="1" dirty="0">
+              <a:rPr lang="en-US" altLang="en-US" sz="1000" b="0" i="1" dirty="0">
                 <a:solidFill>
                   <a:schemeClr val="tx1"/>
                 </a:solidFill>
@@ -16249,7 +16253,7 @@
               <a:t>YouTube. </a:t>
             </a:r>
             <a:r>
-              <a:rPr lang="en-US" altLang="en-US" sz="1100" b="0" dirty="0">
+              <a:rPr lang="en-US" altLang="en-US" sz="1000" b="0" dirty="0">
                 <a:solidFill>
                   <a:schemeClr val="tx1"/>
                 </a:solidFill>
@@ -16260,7 +16264,7 @@
               <a:t>[Online] </a:t>
             </a:r>
             <a:br>
-              <a:rPr lang="en-US" altLang="en-US" sz="1100" b="0" dirty="0">
+              <a:rPr lang="en-US" altLang="en-US" sz="1000" b="0" dirty="0">
                 <a:solidFill>
                   <a:schemeClr val="tx1"/>
                 </a:solidFill>
@@ -16270,7 +16274,7 @@
               </a:rPr>
             </a:br>
             <a:r>
-              <a:rPr lang="en-US" altLang="en-US" sz="1100" b="0" dirty="0">
+              <a:rPr lang="en-US" altLang="en-US" sz="1000" b="0" dirty="0">
                 <a:solidFill>
                   <a:schemeClr val="tx1"/>
                 </a:solidFill>
@@ -16281,7 +16285,7 @@
               <a:t>Available at: </a:t>
             </a:r>
             <a:r>
-              <a:rPr lang="en-US" altLang="en-US" sz="1100" b="0" u="sng" dirty="0">
+              <a:rPr lang="en-US" altLang="en-US" sz="1000" b="0" u="sng" dirty="0">
                 <a:solidFill>
                   <a:schemeClr val="tx1"/>
                 </a:solidFill>
@@ -16292,7 +16296,7 @@
               <a:t>https://www.youtube.com/watch?v=6LvtSmJhVRE</a:t>
             </a:r>
             <a:r>
-              <a:rPr lang="en-US" altLang="en-US" sz="1100" b="0" dirty="0">
+              <a:rPr lang="en-US" altLang="en-US" sz="1000" b="0" dirty="0">
                 <a:solidFill>
                   <a:schemeClr val="tx1"/>
                 </a:solidFill>
@@ -16303,7 +16307,7 @@
               <a:t/>
             </a:r>
             <a:br>
-              <a:rPr lang="en-US" altLang="en-US" sz="1100" b="0" dirty="0">
+              <a:rPr lang="en-US" altLang="en-US" sz="1000" b="0" dirty="0">
                 <a:solidFill>
                   <a:schemeClr val="tx1"/>
                 </a:solidFill>
@@ -16313,7 +16317,7 @@
               </a:rPr>
             </a:br>
             <a:r>
-              <a:rPr lang="en-US" altLang="en-US" sz="1100" b="0" dirty="0">
+              <a:rPr lang="en-US" altLang="en-US" sz="1000" b="0" dirty="0">
                 <a:solidFill>
                   <a:schemeClr val="tx1"/>
                 </a:solidFill>
@@ -16323,7 +16327,7 @@
               </a:rPr>
               <a:t>[Accessed 06 06 2021].</a:t>
             </a:r>
-            <a:endParaRPr lang="en-GB" altLang="en-US" sz="1100" b="0" dirty="0">
+            <a:endParaRPr lang="en-GB" altLang="en-US" sz="1000" b="0" dirty="0">
               <a:solidFill>
                 <a:schemeClr val="tx1"/>
               </a:solidFill>
@@ -16342,7 +16346,7 @@
               <a:buChar char="•"/>
             </a:pPr>
             <a:r>
-              <a:rPr lang="en-US" altLang="en-US" sz="1100" b="0" dirty="0">
+              <a:rPr lang="en-US" altLang="en-US" sz="1000" b="0" dirty="0">
                 <a:solidFill>
                   <a:schemeClr val="tx1"/>
                 </a:solidFill>
@@ -16353,7 +16357,7 @@
               <a:t>Be a Better Dev, 2019. </a:t>
             </a:r>
             <a:r>
-              <a:rPr lang="en-US" altLang="en-US" sz="1100" b="0" i="1" dirty="0">
+              <a:rPr lang="en-US" altLang="en-US" sz="1000" b="0" i="1" dirty="0">
                 <a:solidFill>
                   <a:schemeClr val="tx1"/>
                 </a:solidFill>
@@ -16364,7 +16368,7 @@
               <a:t>YouTube.com. </a:t>
             </a:r>
             <a:r>
-              <a:rPr lang="en-US" altLang="en-US" sz="1100" b="0" dirty="0">
+              <a:rPr lang="en-US" altLang="en-US" sz="1000" b="0" dirty="0">
                 <a:solidFill>
                   <a:schemeClr val="tx1"/>
                 </a:solidFill>
@@ -16375,7 +16379,7 @@
               <a:t>[Online] </a:t>
             </a:r>
             <a:br>
-              <a:rPr lang="en-US" altLang="en-US" sz="1100" b="0" dirty="0">
+              <a:rPr lang="en-US" altLang="en-US" sz="1000" b="0" dirty="0">
                 <a:solidFill>
                   <a:schemeClr val="tx1"/>
                 </a:solidFill>
@@ -16385,7 +16389,7 @@
               </a:rPr>
             </a:br>
             <a:r>
-              <a:rPr lang="en-US" altLang="en-US" sz="1100" b="0" dirty="0">
+              <a:rPr lang="en-US" altLang="en-US" sz="1000" b="0" dirty="0">
                 <a:solidFill>
                   <a:schemeClr val="tx1"/>
                 </a:solidFill>
@@ -16396,7 +16400,7 @@
               <a:t>Available at: </a:t>
             </a:r>
             <a:r>
-              <a:rPr lang="en-US" altLang="en-US" sz="1100" b="0" u="sng" dirty="0">
+              <a:rPr lang="en-US" altLang="en-US" sz="1000" b="0" u="sng" dirty="0">
                 <a:solidFill>
                   <a:schemeClr val="tx1"/>
                 </a:solidFill>
@@ -16406,27 +16410,8 @@
               </a:rPr>
               <a:t>https://www.youtube.com/watch?v=vXiZO1c5Sk0 </a:t>
             </a:r>
-            <a:endParaRPr lang="en-US" altLang="en-US" sz="1100" b="0" u="sng" dirty="0" smtClean="0">
-              <a:solidFill>
-                <a:schemeClr val="tx1"/>
-              </a:solidFill>
-              <a:latin typeface="Calibri" panose="020F0502020204030204" pitchFamily="34" charset="0"/>
-              <a:ea typeface="Calibri" panose="020F0502020204030204" pitchFamily="34" charset="0"/>
-              <a:cs typeface="Times New Roman" panose="02020603050405020304" pitchFamily="18" charset="0"/>
-            </a:endParaRPr>
-          </a:p>
-          <a:p>
-            <a:pPr marL="0" lvl="0" indent="0" eaLnBrk="0" fontAlgn="base" hangingPunct="0">
-              <a:spcBef>
-                <a:spcPct val="0"/>
-              </a:spcBef>
-              <a:spcAft>
-                <a:spcPct val="0"/>
-              </a:spcAft>
-              <a:buClrTx/>
-            </a:pPr>
-            <a:r>
-              <a:rPr lang="en-US" altLang="en-US" sz="1100" b="0" dirty="0" smtClean="0">
+            <a:r>
+              <a:rPr lang="en-US" altLang="en-US" sz="1000" b="0" u="sng" dirty="0">
                 <a:solidFill>
                   <a:schemeClr val="tx1"/>
                 </a:solidFill>
@@ -16434,10 +16419,31 @@
                 <a:ea typeface="Calibri" panose="020F0502020204030204" pitchFamily="34" charset="0"/>
                 <a:cs typeface="Times New Roman" panose="02020603050405020304" pitchFamily="18" charset="0"/>
               </a:rPr>
-              <a:t>      [</a:t>
-            </a:r>
-            <a:r>
-              <a:rPr lang="en-US" altLang="en-US" sz="1100" b="0" dirty="0">
+              <a:t/>
+            </a:r>
+            <a:br>
+              <a:rPr lang="en-US" altLang="en-US" sz="1000" b="0" u="sng" dirty="0">
+                <a:solidFill>
+                  <a:schemeClr val="tx1"/>
+                </a:solidFill>
+                <a:latin typeface="Calibri" panose="020F0502020204030204" pitchFamily="34" charset="0"/>
+                <a:ea typeface="Calibri" panose="020F0502020204030204" pitchFamily="34" charset="0"/>
+                <a:cs typeface="Times New Roman" panose="02020603050405020304" pitchFamily="18" charset="0"/>
+              </a:rPr>
+            </a:br>
+            <a:r>
+              <a:rPr lang="en-US" altLang="en-US" sz="1000" b="0" dirty="0" smtClean="0">
+                <a:solidFill>
+                  <a:schemeClr val="tx1"/>
+                </a:solidFill>
+                <a:latin typeface="Calibri" panose="020F0502020204030204" pitchFamily="34" charset="0"/>
+                <a:ea typeface="Calibri" panose="020F0502020204030204" pitchFamily="34" charset="0"/>
+                <a:cs typeface="Times New Roman" panose="02020603050405020304" pitchFamily="18" charset="0"/>
+              </a:rPr>
+              <a:t>[</a:t>
+            </a:r>
+            <a:r>
+              <a:rPr lang="en-US" altLang="en-US" sz="1000" b="0" dirty="0">
                 <a:solidFill>
                   <a:schemeClr val="tx1"/>
                 </a:solidFill>
@@ -16447,7 +16453,7 @@
               </a:rPr>
               <a:t>Accessed 06 06 2021].</a:t>
             </a:r>
-            <a:endParaRPr lang="en-GB" altLang="en-US" sz="1100" b="0" dirty="0">
+            <a:endParaRPr lang="en-GB" altLang="en-US" sz="1000" b="0" dirty="0">
               <a:solidFill>
                 <a:schemeClr val="tx1"/>
               </a:solidFill>
@@ -16466,7 +16472,7 @@
               <a:buChar char="•"/>
             </a:pPr>
             <a:r>
-              <a:rPr lang="en-US" altLang="en-US" sz="1100" b="0" dirty="0">
+              <a:rPr lang="en-US" altLang="en-US" sz="1000" b="0" dirty="0">
                 <a:solidFill>
                   <a:schemeClr val="tx1"/>
                 </a:solidFill>
@@ -16477,7 +16483,7 @@
               <a:t>Burke, K., 2020. </a:t>
             </a:r>
             <a:r>
-              <a:rPr lang="en-US" altLang="en-US" sz="1100" b="0" i="1" dirty="0">
+              <a:rPr lang="en-US" altLang="en-US" sz="1000" b="0" i="1" dirty="0">
                 <a:solidFill>
                   <a:schemeClr val="tx1"/>
                 </a:solidFill>
@@ -16488,7 +16494,7 @@
               <a:t>flask-restful. </a:t>
             </a:r>
             <a:r>
-              <a:rPr lang="en-US" altLang="en-US" sz="1100" b="0" dirty="0">
+              <a:rPr lang="en-US" altLang="en-US" sz="1000" b="0" dirty="0">
                 <a:solidFill>
                   <a:schemeClr val="tx1"/>
                 </a:solidFill>
@@ -16499,7 +16505,7 @@
               <a:t>[Online] </a:t>
             </a:r>
             <a:br>
-              <a:rPr lang="en-US" altLang="en-US" sz="1100" b="0" dirty="0">
+              <a:rPr lang="en-US" altLang="en-US" sz="1000" b="0" dirty="0">
                 <a:solidFill>
                   <a:schemeClr val="tx1"/>
                 </a:solidFill>
@@ -16509,7 +16515,7 @@
               </a:rPr>
             </a:br>
             <a:r>
-              <a:rPr lang="en-US" altLang="en-US" sz="1100" b="0" dirty="0">
+              <a:rPr lang="en-US" altLang="en-US" sz="1000" b="0" dirty="0">
                 <a:solidFill>
                   <a:schemeClr val="tx1"/>
                 </a:solidFill>
@@ -16520,7 +16526,7 @@
               <a:t>Available at: </a:t>
             </a:r>
             <a:r>
-              <a:rPr lang="en-US" altLang="en-US" sz="1100" b="0" u="sng" dirty="0">
+              <a:rPr lang="en-US" altLang="en-US" sz="1000" b="0" u="sng" dirty="0">
                 <a:solidFill>
                   <a:schemeClr val="tx1"/>
                 </a:solidFill>
@@ -16531,7 +16537,7 @@
               <a:t>https://flask-restful.readthedocs.io/en/latest/quickstart.html#full-example</a:t>
             </a:r>
             <a:r>
-              <a:rPr lang="en-US" altLang="en-US" sz="1100" b="0" dirty="0">
+              <a:rPr lang="en-US" altLang="en-US" sz="1000" b="0" dirty="0">
                 <a:solidFill>
                   <a:schemeClr val="tx1"/>
                 </a:solidFill>
@@ -16542,7 +16548,7 @@
               <a:t/>
             </a:r>
             <a:br>
-              <a:rPr lang="en-US" altLang="en-US" sz="1100" b="0" dirty="0">
+              <a:rPr lang="en-US" altLang="en-US" sz="1000" b="0" dirty="0">
                 <a:solidFill>
                   <a:schemeClr val="tx1"/>
                 </a:solidFill>
@@ -16552,7 +16558,7 @@
               </a:rPr>
             </a:br>
             <a:r>
-              <a:rPr lang="en-US" altLang="en-US" sz="1100" b="0" dirty="0">
+              <a:rPr lang="en-US" altLang="en-US" sz="1000" b="0" dirty="0">
                 <a:solidFill>
                   <a:schemeClr val="tx1"/>
                 </a:solidFill>
@@ -16562,7 +16568,7 @@
               </a:rPr>
               <a:t>[Accessed 22 06 2021].</a:t>
             </a:r>
-            <a:endParaRPr lang="en-GB" altLang="en-US" sz="1100" b="0" dirty="0">
+            <a:endParaRPr lang="en-GB" altLang="en-US" sz="1000" b="0" dirty="0">
               <a:solidFill>
                 <a:schemeClr val="tx1"/>
               </a:solidFill>
@@ -16581,7 +16587,7 @@
               <a:buChar char="•"/>
             </a:pPr>
             <a:r>
-              <a:rPr lang="en-US" altLang="en-US" sz="1100" b="0" dirty="0">
+              <a:rPr lang="en-US" altLang="en-US" sz="1000" b="0" dirty="0">
                 <a:solidFill>
                   <a:schemeClr val="tx1"/>
                 </a:solidFill>
@@ -16592,7 +16598,7 @@
               <a:t>Just me and </a:t>
             </a:r>
             <a:r>
-              <a:rPr lang="en-US" altLang="en-US" sz="1100" b="0" dirty="0" err="1">
+              <a:rPr lang="en-US" altLang="en-US" sz="1000" b="0" dirty="0" err="1">
                 <a:solidFill>
                   <a:schemeClr val="tx1"/>
                 </a:solidFill>
@@ -16603,7 +16609,7 @@
               <a:t>Opensource</a:t>
             </a:r>
             <a:r>
-              <a:rPr lang="en-US" altLang="en-US" sz="1100" b="0" dirty="0">
+              <a:rPr lang="en-US" altLang="en-US" sz="1000" b="0" dirty="0">
                 <a:solidFill>
                   <a:schemeClr val="tx1"/>
                 </a:solidFill>
@@ -16614,7 +16620,7 @@
               <a:t>, 2019. </a:t>
             </a:r>
             <a:r>
-              <a:rPr lang="en-US" altLang="en-US" sz="1100" b="0" i="1" dirty="0">
+              <a:rPr lang="en-US" altLang="en-US" sz="1000" b="0" i="1" dirty="0">
                 <a:solidFill>
                   <a:schemeClr val="tx1"/>
                 </a:solidFill>
@@ -16625,7 +16631,7 @@
               <a:t>YouTube. </a:t>
             </a:r>
             <a:r>
-              <a:rPr lang="en-US" altLang="en-US" sz="1100" b="0" dirty="0">
+              <a:rPr lang="en-US" altLang="en-US" sz="1000" b="0" dirty="0">
                 <a:solidFill>
                   <a:schemeClr val="tx1"/>
                 </a:solidFill>
@@ -16636,7 +16642,7 @@
               <a:t>[Online] </a:t>
             </a:r>
             <a:br>
-              <a:rPr lang="en-US" altLang="en-US" sz="1100" b="0" dirty="0">
+              <a:rPr lang="en-US" altLang="en-US" sz="1000" b="0" dirty="0">
                 <a:solidFill>
                   <a:schemeClr val="tx1"/>
                 </a:solidFill>
@@ -16646,7 +16652,7 @@
               </a:rPr>
             </a:br>
             <a:r>
-              <a:rPr lang="en-US" altLang="en-US" sz="1100" b="0" dirty="0">
+              <a:rPr lang="en-US" altLang="en-US" sz="1000" b="0" dirty="0">
                 <a:solidFill>
                   <a:schemeClr val="tx1"/>
                 </a:solidFill>
@@ -16657,7 +16663,7 @@
               <a:t>Available at: </a:t>
             </a:r>
             <a:r>
-              <a:rPr lang="en-US" altLang="en-US" sz="1100" b="0" u="sng" dirty="0">
+              <a:rPr lang="en-US" altLang="en-US" sz="1000" b="0" u="sng" dirty="0">
                 <a:solidFill>
                   <a:schemeClr val="tx1"/>
                 </a:solidFill>
@@ -16668,7 +16674,7 @@
               <a:t>https://www.youtube.com/watch?v=6LvtSmJhVRE</a:t>
             </a:r>
             <a:r>
-              <a:rPr lang="en-US" altLang="en-US" sz="1100" b="0" dirty="0">
+              <a:rPr lang="en-US" altLang="en-US" sz="1000" b="0" dirty="0">
                 <a:solidFill>
                   <a:schemeClr val="tx1"/>
                 </a:solidFill>
@@ -16679,7 +16685,7 @@
               <a:t/>
             </a:r>
             <a:br>
-              <a:rPr lang="en-US" altLang="en-US" sz="1100" b="0" dirty="0">
+              <a:rPr lang="en-US" altLang="en-US" sz="1000" b="0" dirty="0">
                 <a:solidFill>
                   <a:schemeClr val="tx1"/>
                 </a:solidFill>
@@ -16689,7 +16695,7 @@
               </a:rPr>
             </a:br>
             <a:r>
-              <a:rPr lang="en-US" altLang="en-US" sz="1100" b="0" dirty="0">
+              <a:rPr lang="en-US" altLang="en-US" sz="1000" b="0" dirty="0">
                 <a:solidFill>
                   <a:schemeClr val="tx1"/>
                 </a:solidFill>
@@ -16699,7 +16705,7 @@
               </a:rPr>
               <a:t>[Accessed 25 06 2021].</a:t>
             </a:r>
-            <a:endParaRPr lang="en-GB" altLang="en-US" sz="1100" b="0" dirty="0">
+            <a:endParaRPr lang="en-GB" altLang="en-US" sz="1000" b="0" dirty="0">
               <a:solidFill>
                 <a:schemeClr val="tx1"/>
               </a:solidFill>
@@ -16722,7 +16728,7 @@
               <a:buChar char="•"/>
               <a:tabLst/>
             </a:pPr>
-            <a:endParaRPr kumimoji="0" lang="en-GB" altLang="en-US" sz="1100" b="0" i="0" u="none" strike="noStrike" cap="none" normalizeH="0" baseline="0" dirty="0" smtClean="0">
+            <a:endParaRPr kumimoji="0" lang="en-GB" altLang="en-US" sz="1000" b="0" i="0" u="none" strike="noStrike" cap="none" normalizeH="0" baseline="0" dirty="0" smtClean="0">
               <a:ln>
                 <a:noFill/>
               </a:ln>
@@ -16743,8 +16749,8 @@
         </p:nvSpPr>
         <p:spPr>
           <a:xfrm>
-            <a:off x="7315200" y="737116"/>
-            <a:ext cx="6781800" cy="6863417"/>
+            <a:off x="7315200" y="413951"/>
+            <a:ext cx="6781800" cy="7509748"/>
           </a:xfrm>
           <a:prstGeom prst="rect">
             <a:avLst/>
@@ -16768,7 +16774,7 @@
               <a:buChar char="•"/>
             </a:pPr>
             <a:r>
-              <a:rPr lang="en-US" altLang="en-US" sz="1100" dirty="0">
+              <a:rPr lang="en-US" altLang="en-US" sz="1000" dirty="0">
                 <a:solidFill>
                   <a:schemeClr val="tx1"/>
                 </a:solidFill>
@@ -16779,7 +16785,7 @@
               <a:t>Just me and </a:t>
             </a:r>
             <a:r>
-              <a:rPr lang="en-US" altLang="en-US" sz="1100" dirty="0" err="1">
+              <a:rPr lang="en-US" altLang="en-US" sz="1000" dirty="0" err="1">
                 <a:solidFill>
                   <a:schemeClr val="tx1"/>
                 </a:solidFill>
@@ -16790,7 +16796,7 @@
               <a:t>Opensource</a:t>
             </a:r>
             <a:r>
-              <a:rPr lang="en-US" altLang="en-US" sz="1100" dirty="0">
+              <a:rPr lang="en-US" altLang="en-US" sz="1000" dirty="0">
                 <a:solidFill>
                   <a:schemeClr val="tx1"/>
                 </a:solidFill>
@@ -16801,7 +16807,7 @@
               <a:t>, 2019. YouTube. [Online] </a:t>
             </a:r>
             <a:br>
-              <a:rPr lang="en-US" altLang="en-US" sz="1100" dirty="0">
+              <a:rPr lang="en-US" altLang="en-US" sz="1000" dirty="0">
                 <a:solidFill>
                   <a:schemeClr val="tx1"/>
                 </a:solidFill>
@@ -16811,7 +16817,7 @@
               </a:rPr>
             </a:br>
             <a:r>
-              <a:rPr lang="en-US" altLang="en-US" sz="1100" dirty="0">
+              <a:rPr lang="en-US" altLang="en-US" sz="1000" dirty="0">
                 <a:solidFill>
                   <a:schemeClr val="tx1"/>
                 </a:solidFill>
@@ -16822,7 +16828,7 @@
               <a:t>Available at: https://www.youtube.com/watch?v=8zhv6GDSDE8</a:t>
             </a:r>
             <a:br>
-              <a:rPr lang="en-US" altLang="en-US" sz="1100" dirty="0">
+              <a:rPr lang="en-US" altLang="en-US" sz="1000" dirty="0">
                 <a:solidFill>
                   <a:schemeClr val="tx1"/>
                 </a:solidFill>
@@ -16832,7 +16838,7 @@
               </a:rPr>
             </a:br>
             <a:r>
-              <a:rPr lang="en-US" altLang="en-US" sz="1100" dirty="0">
+              <a:rPr lang="en-US" altLang="en-US" sz="1000" dirty="0">
                 <a:solidFill>
                   <a:schemeClr val="tx1"/>
                 </a:solidFill>
@@ -16856,7 +16862,7 @@
               <a:buChar char="•"/>
             </a:pPr>
             <a:r>
-              <a:rPr lang="en-US" altLang="en-US" sz="1100" dirty="0" err="1">
+              <a:rPr lang="en-US" altLang="en-US" sz="1000" dirty="0" err="1">
                 <a:solidFill>
                   <a:schemeClr val="tx1"/>
                 </a:solidFill>
@@ -16867,7 +16873,7 @@
               <a:t>Mckendrick</a:t>
             </a:r>
             <a:r>
-              <a:rPr lang="en-US" altLang="en-US" sz="1100" dirty="0">
+              <a:rPr lang="en-US" altLang="en-US" sz="1000" dirty="0">
                 <a:solidFill>
                   <a:schemeClr val="tx1"/>
                 </a:solidFill>
@@ -16878,7 +16884,7 @@
               <a:t>, J., 2021. ZDNet. [Online] </a:t>
             </a:r>
             <a:br>
-              <a:rPr lang="en-US" altLang="en-US" sz="1100" dirty="0">
+              <a:rPr lang="en-US" altLang="en-US" sz="1000" dirty="0">
                 <a:solidFill>
                   <a:schemeClr val="tx1"/>
                 </a:solidFill>
@@ -16888,7 +16894,7 @@
               </a:rPr>
             </a:br>
             <a:r>
-              <a:rPr lang="en-US" altLang="en-US" sz="1100" dirty="0">
+              <a:rPr lang="en-US" altLang="en-US" sz="1000" dirty="0">
                 <a:solidFill>
                   <a:schemeClr val="tx1"/>
                 </a:solidFill>
@@ -16899,7 +16905,7 @@
               <a:t>Available at: https://www.zdnet.com/article/special-report-what-is-low-code-no-code-a-guide-to-development-platforms/</a:t>
             </a:r>
             <a:br>
-              <a:rPr lang="en-US" altLang="en-US" sz="1100" dirty="0">
+              <a:rPr lang="en-US" altLang="en-US" sz="1000" dirty="0">
                 <a:solidFill>
                   <a:schemeClr val="tx1"/>
                 </a:solidFill>
@@ -16909,7 +16915,7 @@
               </a:rPr>
             </a:br>
             <a:r>
-              <a:rPr lang="en-US" altLang="en-US" sz="1100" dirty="0">
+              <a:rPr lang="en-US" altLang="en-US" sz="1000" dirty="0">
                 <a:solidFill>
                   <a:schemeClr val="tx1"/>
                 </a:solidFill>
@@ -16933,7 +16939,7 @@
               <a:buChar char="•"/>
             </a:pPr>
             <a:r>
-              <a:rPr lang="en-US" altLang="en-US" sz="1100" dirty="0">
+              <a:rPr lang="en-US" altLang="en-US" sz="1000" dirty="0">
                 <a:solidFill>
                   <a:schemeClr val="tx1"/>
                 </a:solidFill>
@@ -16944,7 +16950,7 @@
               <a:t>Microsoft, 2019. docs.microsoft.com. [Online] </a:t>
             </a:r>
             <a:br>
-              <a:rPr lang="en-US" altLang="en-US" sz="1100" dirty="0">
+              <a:rPr lang="en-US" altLang="en-US" sz="1000" dirty="0">
                 <a:solidFill>
                   <a:schemeClr val="tx1"/>
                 </a:solidFill>
@@ -16954,7 +16960,7 @@
               </a:rPr>
             </a:br>
             <a:r>
-              <a:rPr lang="en-US" altLang="en-US" sz="1100" dirty="0">
+              <a:rPr lang="en-US" altLang="en-US" sz="1000" dirty="0">
                 <a:solidFill>
                   <a:schemeClr val="tx1"/>
                 </a:solidFill>
@@ -16965,7 +16971,7 @@
               <a:t>Available at: https://docs.microsoft.com/en-us/azure/architecture/microservices/model/domain-analysis</a:t>
             </a:r>
             <a:br>
-              <a:rPr lang="en-US" altLang="en-US" sz="1100" dirty="0">
+              <a:rPr lang="en-US" altLang="en-US" sz="1000" dirty="0">
                 <a:solidFill>
                   <a:schemeClr val="tx1"/>
                 </a:solidFill>
@@ -16975,7 +16981,7 @@
               </a:rPr>
             </a:br>
             <a:r>
-              <a:rPr lang="en-US" altLang="en-US" sz="1100" dirty="0">
+              <a:rPr lang="en-US" altLang="en-US" sz="1000" dirty="0">
                 <a:solidFill>
                   <a:schemeClr val="tx1"/>
                 </a:solidFill>
@@ -16999,7 +17005,7 @@
               <a:buChar char="•"/>
             </a:pPr>
             <a:r>
-              <a:rPr lang="en-US" altLang="en-US" sz="1100" dirty="0">
+              <a:rPr lang="en-US" altLang="en-US" sz="1000" dirty="0">
                 <a:solidFill>
                   <a:schemeClr val="tx1"/>
                 </a:solidFill>
@@ -17010,7 +17016,7 @@
               <a:t>Microsoft, 2019. docs.microsoft.com. [Online] </a:t>
             </a:r>
             <a:br>
-              <a:rPr lang="en-US" altLang="en-US" sz="1100" dirty="0">
+              <a:rPr lang="en-US" altLang="en-US" sz="1000" dirty="0">
                 <a:solidFill>
                   <a:schemeClr val="tx1"/>
                 </a:solidFill>
@@ -17020,7 +17026,7 @@
               </a:rPr>
             </a:br>
             <a:r>
-              <a:rPr lang="en-US" altLang="en-US" sz="1100" dirty="0">
+              <a:rPr lang="en-US" altLang="en-US" sz="1000" dirty="0">
                 <a:solidFill>
                   <a:schemeClr val="tx1"/>
                 </a:solidFill>
@@ -17031,7 +17037,7 @@
               <a:t>Available at: https://docs.microsoft.com/en-us/azure/architecture/microservices/</a:t>
             </a:r>
             <a:br>
-              <a:rPr lang="en-US" altLang="en-US" sz="1100" dirty="0">
+              <a:rPr lang="en-US" altLang="en-US" sz="1000" dirty="0">
                 <a:solidFill>
                   <a:schemeClr val="tx1"/>
                 </a:solidFill>
@@ -17041,7 +17047,7 @@
               </a:rPr>
             </a:br>
             <a:r>
-              <a:rPr lang="en-US" altLang="en-US" sz="1100" dirty="0">
+              <a:rPr lang="en-US" altLang="en-US" sz="1000" dirty="0">
                 <a:solidFill>
                   <a:schemeClr val="tx1"/>
                 </a:solidFill>
@@ -17065,7 +17071,7 @@
               <a:buChar char="•"/>
             </a:pPr>
             <a:r>
-              <a:rPr lang="en-US" altLang="en-US" sz="1100" dirty="0">
+              <a:rPr lang="en-US" altLang="en-US" sz="1000" dirty="0">
                 <a:solidFill>
                   <a:schemeClr val="tx1"/>
                 </a:solidFill>
@@ -17076,7 +17082,7 @@
               <a:t>Nash, J., 2019. </a:t>
             </a:r>
             <a:r>
-              <a:rPr lang="en-US" altLang="en-US" sz="1100" dirty="0" err="1">
+              <a:rPr lang="en-US" altLang="en-US" sz="1000" dirty="0" err="1">
                 <a:solidFill>
                   <a:schemeClr val="tx1"/>
                 </a:solidFill>
@@ -17087,7 +17093,7 @@
               <a:t>Pythonise</a:t>
             </a:r>
             <a:r>
-              <a:rPr lang="en-US" altLang="en-US" sz="1100" dirty="0">
+              <a:rPr lang="en-US" altLang="en-US" sz="1000" dirty="0">
                 <a:solidFill>
                   <a:schemeClr val="tx1"/>
                 </a:solidFill>
@@ -17098,7 +17104,7 @@
               <a:t>. [Online] </a:t>
             </a:r>
             <a:br>
-              <a:rPr lang="en-US" altLang="en-US" sz="1100" dirty="0">
+              <a:rPr lang="en-US" altLang="en-US" sz="1000" dirty="0">
                 <a:solidFill>
                   <a:schemeClr val="tx1"/>
                 </a:solidFill>
@@ -17108,7 +17114,7 @@
               </a:rPr>
             </a:br>
             <a:r>
-              <a:rPr lang="en-US" altLang="en-US" sz="1100" dirty="0">
+              <a:rPr lang="en-US" altLang="en-US" sz="1000" dirty="0">
                 <a:solidFill>
                   <a:schemeClr val="tx1"/>
                 </a:solidFill>
@@ -17119,7 +17125,7 @@
               <a:t>Available at: https://pythonise.com/series/learning-flask/flask-http-methods#patch-requests</a:t>
             </a:r>
             <a:br>
-              <a:rPr lang="en-US" altLang="en-US" sz="1100" dirty="0">
+              <a:rPr lang="en-US" altLang="en-US" sz="1000" dirty="0">
                 <a:solidFill>
                   <a:schemeClr val="tx1"/>
                 </a:solidFill>
@@ -17129,7 +17135,7 @@
               </a:rPr>
             </a:br>
             <a:r>
-              <a:rPr lang="en-US" altLang="en-US" sz="1100" dirty="0">
+              <a:rPr lang="en-US" altLang="en-US" sz="1000" dirty="0">
                 <a:solidFill>
                   <a:schemeClr val="tx1"/>
                 </a:solidFill>
@@ -17140,7 +17146,7 @@
               <a:t>[Accessed 02 06 2021</a:t>
             </a:r>
             <a:r>
-              <a:rPr lang="en-US" altLang="en-US" sz="1100" dirty="0" smtClean="0">
+              <a:rPr lang="en-US" altLang="en-US" sz="1000" dirty="0" smtClean="0">
                 <a:solidFill>
                   <a:schemeClr val="tx1"/>
                 </a:solidFill>
@@ -17164,7 +17170,7 @@
               <a:buChar char="•"/>
             </a:pPr>
             <a:r>
-              <a:rPr lang="en-US" altLang="en-US" sz="1100" dirty="0" smtClean="0">
+              <a:rPr lang="en-US" altLang="en-US" sz="1000" dirty="0" smtClean="0">
                 <a:solidFill>
                   <a:schemeClr val="tx1"/>
                 </a:solidFill>
@@ -17175,7 +17181,7 @@
               <a:t>Safi</a:t>
             </a:r>
             <a:r>
-              <a:rPr lang="en-US" altLang="en-US" sz="1100" dirty="0">
+              <a:rPr lang="en-US" altLang="en-US" sz="1000" dirty="0">
                 <a:solidFill>
                   <a:schemeClr val="tx1"/>
                 </a:solidFill>
@@ -17186,7 +17192,7 @@
               <a:t>, M., 2019. </a:t>
             </a:r>
             <a:r>
-              <a:rPr lang="en-US" altLang="en-US" sz="1100" i="1" dirty="0">
+              <a:rPr lang="en-US" altLang="en-US" sz="1000" i="1" dirty="0">
                 <a:solidFill>
                   <a:schemeClr val="tx1"/>
                 </a:solidFill>
@@ -17197,7 +17203,7 @@
               <a:t>obytes.com. </a:t>
             </a:r>
             <a:r>
-              <a:rPr lang="en-US" altLang="en-US" sz="1100" dirty="0">
+              <a:rPr lang="en-US" altLang="en-US" sz="1000" dirty="0">
                 <a:solidFill>
                   <a:schemeClr val="tx1"/>
                 </a:solidFill>
@@ -17208,7 +17214,7 @@
               <a:t>[Online] </a:t>
             </a:r>
             <a:br>
-              <a:rPr lang="en-US" altLang="en-US" sz="1100" dirty="0">
+              <a:rPr lang="en-US" altLang="en-US" sz="1000" dirty="0">
                 <a:solidFill>
                   <a:schemeClr val="tx1"/>
                 </a:solidFill>
@@ -17218,7 +17224,7 @@
               </a:rPr>
             </a:br>
             <a:r>
-              <a:rPr lang="en-US" altLang="en-US" sz="1100" dirty="0">
+              <a:rPr lang="en-US" altLang="en-US" sz="1000" dirty="0">
                 <a:solidFill>
                   <a:schemeClr val="tx1"/>
                 </a:solidFill>
@@ -17229,7 +17235,7 @@
               <a:t>Available at: </a:t>
             </a:r>
             <a:r>
-              <a:rPr lang="en-US" altLang="en-US" sz="1100" u="sng" dirty="0">
+              <a:rPr lang="en-US" altLang="en-US" sz="1000" u="sng" dirty="0">
                 <a:solidFill>
                   <a:schemeClr val="tx1"/>
                 </a:solidFill>
@@ -17240,7 +17246,7 @@
               <a:t>https://www.obytes.com/blog/image-resizing-on-the-fly-with-aws-lambda-api-gateway-and-s3-storage</a:t>
             </a:r>
             <a:r>
-              <a:rPr lang="en-US" altLang="en-US" sz="1100" dirty="0">
+              <a:rPr lang="en-US" altLang="en-US" sz="1000" dirty="0">
                 <a:solidFill>
                   <a:schemeClr val="tx1"/>
                 </a:solidFill>
@@ -17251,7 +17257,7 @@
               <a:t/>
             </a:r>
             <a:br>
-              <a:rPr lang="en-US" altLang="en-US" sz="1100" dirty="0">
+              <a:rPr lang="en-US" altLang="en-US" sz="1000" dirty="0">
                 <a:solidFill>
                   <a:schemeClr val="tx1"/>
                 </a:solidFill>
@@ -17261,7 +17267,7 @@
               </a:rPr>
             </a:br>
             <a:r>
-              <a:rPr lang="en-US" altLang="en-US" sz="1100" dirty="0">
+              <a:rPr lang="en-US" altLang="en-US" sz="1000" dirty="0">
                 <a:solidFill>
                   <a:schemeClr val="tx1"/>
                 </a:solidFill>
@@ -17271,7 +17277,7 @@
               </a:rPr>
               <a:t>[Accessed 22 06 2021].</a:t>
             </a:r>
-            <a:endParaRPr lang="en-GB" altLang="en-US" sz="1100" dirty="0">
+            <a:endParaRPr lang="en-GB" altLang="en-US" sz="1000" dirty="0">
               <a:solidFill>
                 <a:schemeClr val="tx1"/>
               </a:solidFill>
@@ -17290,7 +17296,7 @@
               <a:buChar char="•"/>
             </a:pPr>
             <a:r>
-              <a:rPr lang="en-US" altLang="en-US" sz="1100" dirty="0" err="1">
+              <a:rPr lang="en-US" altLang="en-US" sz="1000" dirty="0" err="1">
                 <a:solidFill>
                   <a:schemeClr val="tx1"/>
                 </a:solidFill>
@@ -17301,7 +17307,7 @@
               <a:t>SafiMed</a:t>
             </a:r>
             <a:r>
-              <a:rPr lang="en-US" altLang="en-US" sz="1100" dirty="0">
+              <a:rPr lang="en-US" altLang="en-US" sz="1000" dirty="0">
                 <a:solidFill>
                   <a:schemeClr val="tx1"/>
                 </a:solidFill>
@@ -17312,7 +17318,7 @@
               <a:t>, 2019. </a:t>
             </a:r>
             <a:r>
-              <a:rPr lang="en-US" altLang="en-US" sz="1100" i="1" dirty="0" err="1">
+              <a:rPr lang="en-US" altLang="en-US" sz="1000" i="1" dirty="0" err="1">
                 <a:solidFill>
                   <a:schemeClr val="tx1"/>
                 </a:solidFill>
@@ -17323,7 +17329,7 @@
               <a:t>Github</a:t>
             </a:r>
             <a:r>
-              <a:rPr lang="en-US" altLang="en-US" sz="1100" i="1" dirty="0">
+              <a:rPr lang="en-US" altLang="en-US" sz="1000" i="1" dirty="0">
                 <a:solidFill>
                   <a:schemeClr val="tx1"/>
                 </a:solidFill>
@@ -17334,7 +17340,7 @@
               <a:t>. </a:t>
             </a:r>
             <a:r>
-              <a:rPr lang="en-US" altLang="en-US" sz="1100" dirty="0">
+              <a:rPr lang="en-US" altLang="en-US" sz="1000" dirty="0">
                 <a:solidFill>
                   <a:schemeClr val="tx1"/>
                 </a:solidFill>
@@ -17345,7 +17351,7 @@
               <a:t>[Online] </a:t>
             </a:r>
             <a:br>
-              <a:rPr lang="en-US" altLang="en-US" sz="1100" dirty="0">
+              <a:rPr lang="en-US" altLang="en-US" sz="1000" dirty="0">
                 <a:solidFill>
                   <a:schemeClr val="tx1"/>
                 </a:solidFill>
@@ -17355,7 +17361,7 @@
               </a:rPr>
             </a:br>
             <a:r>
-              <a:rPr lang="en-US" altLang="en-US" sz="1100" dirty="0">
+              <a:rPr lang="en-US" altLang="en-US" sz="1000" dirty="0">
                 <a:solidFill>
                   <a:schemeClr val="tx1"/>
                 </a:solidFill>
@@ -17366,7 +17372,7 @@
               <a:t>Available at: </a:t>
             </a:r>
             <a:r>
-              <a:rPr lang="en-US" altLang="en-US" sz="1100" u="sng" dirty="0">
+              <a:rPr lang="en-US" altLang="en-US" sz="1000" u="sng" dirty="0">
                 <a:solidFill>
                   <a:schemeClr val="tx1"/>
                 </a:solidFill>
@@ -17377,7 +17383,7 @@
               <a:t>https://github.com/obytes/resize_s3_images/blob/master/resize_s3_images.py</a:t>
             </a:r>
             <a:r>
-              <a:rPr lang="en-US" altLang="en-US" sz="1100" dirty="0">
+              <a:rPr lang="en-US" altLang="en-US" sz="1000" dirty="0">
                 <a:solidFill>
                   <a:schemeClr val="tx1"/>
                 </a:solidFill>
@@ -17388,7 +17394,7 @@
               <a:t/>
             </a:r>
             <a:br>
-              <a:rPr lang="en-US" altLang="en-US" sz="1100" dirty="0">
+              <a:rPr lang="en-US" altLang="en-US" sz="1000" dirty="0">
                 <a:solidFill>
                   <a:schemeClr val="tx1"/>
                 </a:solidFill>
@@ -17398,7 +17404,7 @@
               </a:rPr>
             </a:br>
             <a:r>
-              <a:rPr lang="en-US" altLang="en-US" sz="1100" dirty="0">
+              <a:rPr lang="en-US" altLang="en-US" sz="1000" dirty="0">
                 <a:solidFill>
                   <a:schemeClr val="tx1"/>
                 </a:solidFill>
@@ -17408,7 +17414,7 @@
               </a:rPr>
               <a:t>[Accessed 22 06 2021].</a:t>
             </a:r>
-            <a:endParaRPr lang="en-GB" altLang="en-US" sz="1100" dirty="0">
+            <a:endParaRPr lang="en-GB" altLang="en-US" sz="1000" dirty="0">
               <a:solidFill>
                 <a:schemeClr val="tx1"/>
               </a:solidFill>
@@ -17427,7 +17433,7 @@
               <a:buChar char="•"/>
             </a:pPr>
             <a:r>
-              <a:rPr lang="en-US" altLang="en-US" sz="1100" dirty="0">
+              <a:rPr lang="en-US" altLang="en-US" sz="1000" dirty="0">
                 <a:solidFill>
                   <a:schemeClr val="tx1"/>
                 </a:solidFill>
@@ -17438,7 +17444,7 @@
               <a:t>Stack Overflow, 2012. </a:t>
             </a:r>
             <a:r>
-              <a:rPr lang="en-US" altLang="en-US" sz="1100" i="1" dirty="0">
+              <a:rPr lang="en-US" altLang="en-US" sz="1000" i="1" dirty="0">
                 <a:solidFill>
                   <a:schemeClr val="tx1"/>
                 </a:solidFill>
@@ -17449,7 +17455,7 @@
               <a:t>Stack Overflow. </a:t>
             </a:r>
             <a:r>
-              <a:rPr lang="en-US" altLang="en-US" sz="1100" dirty="0">
+              <a:rPr lang="en-US" altLang="en-US" sz="1000" dirty="0">
                 <a:solidFill>
                   <a:schemeClr val="tx1"/>
                 </a:solidFill>
@@ -17460,7 +17466,7 @@
               <a:t>[Online] </a:t>
             </a:r>
             <a:br>
-              <a:rPr lang="en-US" altLang="en-US" sz="1100" dirty="0">
+              <a:rPr lang="en-US" altLang="en-US" sz="1000" dirty="0">
                 <a:solidFill>
                   <a:schemeClr val="tx1"/>
                 </a:solidFill>
@@ -17470,7 +17476,7 @@
               </a:rPr>
             </a:br>
             <a:r>
-              <a:rPr lang="en-US" altLang="en-US" sz="1100" dirty="0">
+              <a:rPr lang="en-US" altLang="en-US" sz="1000" dirty="0">
                 <a:solidFill>
                   <a:schemeClr val="tx1"/>
                 </a:solidFill>
@@ -17481,7 +17487,7 @@
               <a:t>Available at: </a:t>
             </a:r>
             <a:r>
-              <a:rPr lang="en-US" altLang="en-US" sz="1100" u="sng" dirty="0">
+              <a:rPr lang="en-US" altLang="en-US" sz="1000" u="sng" dirty="0">
                 <a:solidFill>
                   <a:schemeClr val="tx1"/>
                 </a:solidFill>
@@ -17492,7 +17498,7 @@
               <a:t>https://stackoverflow.com/questions/10607468/how-to-reduce-the-image-file-size-using-pil</a:t>
             </a:r>
             <a:r>
-              <a:rPr lang="en-US" altLang="en-US" sz="1100" dirty="0">
+              <a:rPr lang="en-US" altLang="en-US" sz="1000" dirty="0">
                 <a:solidFill>
                   <a:schemeClr val="tx1"/>
                 </a:solidFill>
@@ -17503,7 +17509,7 @@
               <a:t/>
             </a:r>
             <a:br>
-              <a:rPr lang="en-US" altLang="en-US" sz="1100" dirty="0">
+              <a:rPr lang="en-US" altLang="en-US" sz="1000" dirty="0">
                 <a:solidFill>
                   <a:schemeClr val="tx1"/>
                 </a:solidFill>
@@ -17513,7 +17519,7 @@
               </a:rPr>
             </a:br>
             <a:r>
-              <a:rPr lang="en-US" altLang="en-US" sz="1100" dirty="0">
+              <a:rPr lang="en-US" altLang="en-US" sz="1000" dirty="0">
                 <a:solidFill>
                   <a:schemeClr val="tx1"/>
                 </a:solidFill>
@@ -17523,7 +17529,7 @@
               </a:rPr>
               <a:t>[Accessed 19 06 2021].</a:t>
             </a:r>
-            <a:endParaRPr lang="en-GB" altLang="en-US" sz="1100" dirty="0">
+            <a:endParaRPr lang="en-GB" altLang="en-US" sz="1000" dirty="0">
               <a:solidFill>
                 <a:schemeClr val="tx1"/>
               </a:solidFill>
@@ -17542,7 +17548,7 @@
               <a:buChar char="•"/>
             </a:pPr>
             <a:r>
-              <a:rPr lang="en-US" altLang="en-US" sz="1100" dirty="0">
+              <a:rPr lang="en-US" altLang="en-US" sz="1000" dirty="0">
                 <a:solidFill>
                   <a:schemeClr val="tx1"/>
                 </a:solidFill>
@@ -17553,7 +17559,7 @@
               <a:t>Stack Overflow, 2017. </a:t>
             </a:r>
             <a:r>
-              <a:rPr lang="en-US" altLang="en-US" sz="1100" i="1" dirty="0">
+              <a:rPr lang="en-US" altLang="en-US" sz="1000" i="1" dirty="0">
                 <a:solidFill>
                   <a:schemeClr val="tx1"/>
                 </a:solidFill>
@@ -17564,7 +17570,7 @@
               <a:t>Stack Overflow. </a:t>
             </a:r>
             <a:r>
-              <a:rPr lang="en-US" altLang="en-US" sz="1100" dirty="0">
+              <a:rPr lang="en-US" altLang="en-US" sz="1000" dirty="0">
                 <a:solidFill>
                   <a:schemeClr val="tx1"/>
                 </a:solidFill>
@@ -17575,7 +17581,7 @@
               <a:t>[Online] </a:t>
             </a:r>
             <a:br>
-              <a:rPr lang="en-US" altLang="en-US" sz="1100" dirty="0">
+              <a:rPr lang="en-US" altLang="en-US" sz="1000" dirty="0">
                 <a:solidFill>
                   <a:schemeClr val="tx1"/>
                 </a:solidFill>
@@ -17585,7 +17591,7 @@
               </a:rPr>
             </a:br>
             <a:r>
-              <a:rPr lang="en-US" altLang="en-US" sz="1100" dirty="0">
+              <a:rPr lang="en-US" altLang="en-US" sz="1000" dirty="0">
                 <a:solidFill>
                   <a:schemeClr val="tx1"/>
                 </a:solidFill>
@@ -17596,7 +17602,7 @@
               <a:t>Available at: </a:t>
             </a:r>
             <a:r>
-              <a:rPr lang="en-US" altLang="en-US" sz="1100" u="sng" dirty="0">
+              <a:rPr lang="en-US" altLang="en-US" sz="1000" u="sng" dirty="0">
                 <a:solidFill>
                   <a:schemeClr val="tx1"/>
                 </a:solidFill>
@@ -17607,7 +17613,7 @@
               <a:t>https://stackoverflow.com/questions/43215889/downloading-a-file-from-an-s3-bucket-to-the-users-computer</a:t>
             </a:r>
             <a:r>
-              <a:rPr lang="en-US" altLang="en-US" sz="1100" dirty="0">
+              <a:rPr lang="en-US" altLang="en-US" sz="1000" dirty="0">
                 <a:solidFill>
                   <a:schemeClr val="tx1"/>
                 </a:solidFill>
@@ -17618,7 +17624,7 @@
               <a:t/>
             </a:r>
             <a:br>
-              <a:rPr lang="en-US" altLang="en-US" sz="1100" dirty="0">
+              <a:rPr lang="en-US" altLang="en-US" sz="1000" dirty="0">
                 <a:solidFill>
                   <a:schemeClr val="tx1"/>
                 </a:solidFill>
@@ -17628,7 +17634,7 @@
               </a:rPr>
             </a:br>
             <a:r>
-              <a:rPr lang="en-US" altLang="en-US" sz="1100" dirty="0">
+              <a:rPr lang="en-US" altLang="en-US" sz="1000" dirty="0">
                 <a:solidFill>
                   <a:schemeClr val="tx1"/>
                 </a:solidFill>
@@ -17638,7 +17644,7 @@
               </a:rPr>
               <a:t>[Accessed 25 06 2021].</a:t>
             </a:r>
-            <a:endParaRPr lang="en-GB" altLang="en-US" sz="1100" dirty="0">
+            <a:endParaRPr lang="en-GB" altLang="en-US" sz="1000" dirty="0">
               <a:solidFill>
                 <a:schemeClr val="tx1"/>
               </a:solidFill>
@@ -17657,7 +17663,7 @@
               <a:buChar char="•"/>
             </a:pPr>
             <a:r>
-              <a:rPr lang="en-US" altLang="en-US" sz="1100" dirty="0">
+              <a:rPr lang="en-US" altLang="en-US" sz="1000" dirty="0">
                 <a:solidFill>
                   <a:schemeClr val="tx1"/>
                 </a:solidFill>
@@ -17668,7 +17674,7 @@
               <a:t>Stack Overflow, 2018. </a:t>
             </a:r>
             <a:r>
-              <a:rPr lang="en-US" altLang="en-US" sz="1100" i="1" dirty="0">
+              <a:rPr lang="en-US" altLang="en-US" sz="1000" i="1" dirty="0">
                 <a:solidFill>
                   <a:schemeClr val="tx1"/>
                 </a:solidFill>
@@ -17679,7 +17685,7 @@
               <a:t>stackoverflow.com. </a:t>
             </a:r>
             <a:r>
-              <a:rPr lang="en-US" altLang="en-US" sz="1100" dirty="0">
+              <a:rPr lang="en-US" altLang="en-US" sz="1000" dirty="0">
                 <a:solidFill>
                   <a:schemeClr val="tx1"/>
                 </a:solidFill>
@@ -17690,7 +17696,7 @@
               <a:t>[Online] </a:t>
             </a:r>
             <a:br>
-              <a:rPr lang="en-US" altLang="en-US" sz="1100" dirty="0">
+              <a:rPr lang="en-US" altLang="en-US" sz="1000" dirty="0">
                 <a:solidFill>
                   <a:schemeClr val="tx1"/>
                 </a:solidFill>
@@ -17700,7 +17706,7 @@
               </a:rPr>
             </a:br>
             <a:r>
-              <a:rPr lang="en-US" altLang="en-US" sz="1100" dirty="0">
+              <a:rPr lang="en-US" altLang="en-US" sz="1000" dirty="0">
                 <a:solidFill>
                   <a:schemeClr val="tx1"/>
                 </a:solidFill>
@@ -17711,7 +17717,7 @@
               <a:t>Available at: </a:t>
             </a:r>
             <a:r>
-              <a:rPr lang="en-US" altLang="en-US" sz="1100" u="sng" dirty="0">
+              <a:rPr lang="en-US" altLang="en-US" sz="1000" u="sng" dirty="0">
                 <a:solidFill>
                   <a:schemeClr val="tx1"/>
                 </a:solidFill>
@@ -17722,7 +17728,7 @@
               <a:t>https://stackoverflow.com/questions/51048477/how-to-update-several-attributes-of-an-item-in-dynamodb-using-boto3</a:t>
             </a:r>
             <a:r>
-              <a:rPr lang="en-US" altLang="en-US" sz="1100" dirty="0">
+              <a:rPr lang="en-US" altLang="en-US" sz="1000" dirty="0">
                 <a:solidFill>
                   <a:schemeClr val="tx1"/>
                 </a:solidFill>
@@ -17733,7 +17739,7 @@
               <a:t/>
             </a:r>
             <a:br>
-              <a:rPr lang="en-US" altLang="en-US" sz="1100" dirty="0">
+              <a:rPr lang="en-US" altLang="en-US" sz="1000" dirty="0">
                 <a:solidFill>
                   <a:schemeClr val="tx1"/>
                 </a:solidFill>
@@ -17743,7 +17749,7 @@
               </a:rPr>
             </a:br>
             <a:r>
-              <a:rPr lang="en-US" altLang="en-US" sz="1100" dirty="0">
+              <a:rPr lang="en-US" altLang="en-US" sz="1000" dirty="0">
                 <a:solidFill>
                   <a:schemeClr val="tx1"/>
                 </a:solidFill>
@@ -17753,7 +17759,7 @@
               </a:rPr>
               <a:t>[Accessed 15 06 2021].</a:t>
             </a:r>
-            <a:endParaRPr lang="en-GB" altLang="en-US" sz="1100" dirty="0">
+            <a:endParaRPr lang="en-GB" altLang="en-US" sz="1000" dirty="0">
               <a:solidFill>
                 <a:schemeClr val="tx1"/>
               </a:solidFill>
@@ -17772,7 +17778,7 @@
               <a:buChar char="•"/>
             </a:pPr>
             <a:r>
-              <a:rPr lang="en-US" altLang="en-US" sz="1100" dirty="0" err="1">
+              <a:rPr lang="en-US" altLang="en-US" sz="1000" dirty="0" err="1">
                 <a:solidFill>
                   <a:schemeClr val="tx1"/>
                 </a:solidFill>
@@ -17783,7 +17789,7 @@
               <a:t>Wilinski</a:t>
             </a:r>
             <a:r>
-              <a:rPr lang="en-US" altLang="en-US" sz="1100" dirty="0">
+              <a:rPr lang="en-US" altLang="en-US" sz="1000" dirty="0">
                 <a:solidFill>
                   <a:schemeClr val="tx1"/>
                 </a:solidFill>
@@ -17794,7 +17800,7 @@
               <a:t>, R., 2020. </a:t>
             </a:r>
             <a:r>
-              <a:rPr lang="en-US" altLang="en-US" sz="1100" i="1" dirty="0" err="1">
+              <a:rPr lang="en-US" altLang="en-US" sz="1000" i="1" dirty="0" err="1">
                 <a:solidFill>
                   <a:schemeClr val="tx1"/>
                 </a:solidFill>
@@ -17805,7 +17811,7 @@
               <a:t>Dynobase</a:t>
             </a:r>
             <a:r>
-              <a:rPr lang="en-US" altLang="en-US" sz="1100" i="1" dirty="0">
+              <a:rPr lang="en-US" altLang="en-US" sz="1000" i="1" dirty="0">
                 <a:solidFill>
                   <a:schemeClr val="tx1"/>
                 </a:solidFill>
@@ -17816,7 +17822,7 @@
               <a:t>. </a:t>
             </a:r>
             <a:r>
-              <a:rPr lang="en-US" altLang="en-US" sz="1100" dirty="0">
+              <a:rPr lang="en-US" altLang="en-US" sz="1000" dirty="0">
                 <a:solidFill>
                   <a:schemeClr val="tx1"/>
                 </a:solidFill>
@@ -17827,7 +17833,7 @@
               <a:t>[Online] </a:t>
             </a:r>
             <a:br>
-              <a:rPr lang="en-US" altLang="en-US" sz="1100" dirty="0">
+              <a:rPr lang="en-US" altLang="en-US" sz="1000" dirty="0">
                 <a:solidFill>
                   <a:schemeClr val="tx1"/>
                 </a:solidFill>
@@ -17837,7 +17843,7 @@
               </a:rPr>
             </a:br>
             <a:r>
-              <a:rPr lang="en-US" altLang="en-US" sz="1100" dirty="0">
+              <a:rPr lang="en-US" altLang="en-US" sz="1000" dirty="0">
                 <a:solidFill>
                   <a:schemeClr val="tx1"/>
                 </a:solidFill>
@@ -17848,7 +17854,7 @@
               <a:t>Available at: </a:t>
             </a:r>
             <a:r>
-              <a:rPr lang="en-US" altLang="en-US" sz="1100" u="sng" dirty="0">
+              <a:rPr lang="en-US" altLang="en-US" sz="1000" u="sng" dirty="0">
                 <a:solidFill>
                   <a:schemeClr val="tx1"/>
                 </a:solidFill>
@@ -17859,7 +17865,7 @@
               <a:t>https://dynobase.dev/dynamodb-python-with-boto3/#update-item</a:t>
             </a:r>
             <a:r>
-              <a:rPr lang="en-US" altLang="en-US" sz="1100" dirty="0">
+              <a:rPr lang="en-US" altLang="en-US" sz="1000" dirty="0">
                 <a:solidFill>
                   <a:schemeClr val="tx1"/>
                 </a:solidFill>
@@ -17870,7 +17876,7 @@
               <a:t/>
             </a:r>
             <a:br>
-              <a:rPr lang="en-US" altLang="en-US" sz="1100" dirty="0">
+              <a:rPr lang="en-US" altLang="en-US" sz="1000" dirty="0">
                 <a:solidFill>
                   <a:schemeClr val="tx1"/>
                 </a:solidFill>
@@ -17880,7 +17886,7 @@
               </a:rPr>
             </a:br>
             <a:r>
-              <a:rPr lang="en-US" altLang="en-US" sz="1100" dirty="0">
+              <a:rPr lang="en-US" altLang="en-US" sz="1000" dirty="0">
                 <a:solidFill>
                   <a:schemeClr val="tx1"/>
                 </a:solidFill>
@@ -17890,7 +17896,7 @@
               </a:rPr>
               <a:t>[Accessed 09 06 2021].</a:t>
             </a:r>
-            <a:endParaRPr lang="en-GB" altLang="en-US" sz="1100" dirty="0">
+            <a:endParaRPr lang="en-GB" altLang="en-US" sz="1000" dirty="0">
               <a:solidFill>
                 <a:schemeClr val="tx1"/>
               </a:solidFill>
@@ -17909,7 +17915,7 @@
               <a:buChar char="•"/>
             </a:pPr>
             <a:r>
-              <a:rPr lang="en-US" altLang="en-US" sz="1100" dirty="0">
+              <a:rPr lang="en-US" altLang="en-US" sz="1000" dirty="0">
                 <a:solidFill>
                   <a:schemeClr val="tx1"/>
                 </a:solidFill>
@@ -17920,7 +17926,7 @@
               <a:t>Wizard, C., 2019. </a:t>
             </a:r>
             <a:r>
-              <a:rPr lang="en-US" altLang="en-US" sz="1100" i="1" dirty="0" err="1">
+              <a:rPr lang="en-US" altLang="en-US" sz="1000" i="1" dirty="0" err="1">
                 <a:solidFill>
                   <a:schemeClr val="tx1"/>
                 </a:solidFill>
@@ -17931,7 +17937,7 @@
               <a:t>Github</a:t>
             </a:r>
             <a:r>
-              <a:rPr lang="en-US" altLang="en-US" sz="1100" i="1" dirty="0">
+              <a:rPr lang="en-US" altLang="en-US" sz="1000" i="1" dirty="0">
                 <a:solidFill>
                   <a:schemeClr val="tx1"/>
                 </a:solidFill>
@@ -17942,7 +17948,7 @@
               <a:t>. </a:t>
             </a:r>
             <a:r>
-              <a:rPr lang="en-US" altLang="en-US" sz="1100" dirty="0">
+              <a:rPr lang="en-US" altLang="en-US" sz="1000" dirty="0">
                 <a:solidFill>
                   <a:schemeClr val="tx1"/>
                 </a:solidFill>
@@ -17953,7 +17959,7 @@
               <a:t>[Online] </a:t>
             </a:r>
             <a:br>
-              <a:rPr lang="en-US" altLang="en-US" sz="1100" dirty="0">
+              <a:rPr lang="en-US" altLang="en-US" sz="1000" dirty="0">
                 <a:solidFill>
                   <a:schemeClr val="tx1"/>
                 </a:solidFill>
@@ -17963,7 +17969,7 @@
               </a:rPr>
             </a:br>
             <a:r>
-              <a:rPr lang="en-US" altLang="en-US" sz="1100" dirty="0">
+              <a:rPr lang="en-US" altLang="en-US" sz="1000" dirty="0">
                 <a:solidFill>
                   <a:schemeClr val="tx1"/>
                 </a:solidFill>
@@ -17974,7 +17980,7 @@
               <a:t>Available at: </a:t>
             </a:r>
             <a:r>
-              <a:rPr lang="en-US" altLang="en-US" sz="1100" u="sng" dirty="0">
+              <a:rPr lang="en-US" altLang="en-US" sz="1000" u="sng" dirty="0">
                 <a:solidFill>
                   <a:schemeClr val="tx1"/>
                 </a:solidFill>
@@ -17985,7 +17991,7 @@
               <a:t>https://github.com/chief-wizard/serverless-python-image-resizing/blob/master/handler.py</a:t>
             </a:r>
             <a:r>
-              <a:rPr lang="en-US" altLang="en-US" sz="1100" dirty="0">
+              <a:rPr lang="en-US" altLang="en-US" sz="1000" dirty="0">
                 <a:solidFill>
                   <a:schemeClr val="tx1"/>
                 </a:solidFill>
@@ -17996,7 +18002,7 @@
               <a:t/>
             </a:r>
             <a:br>
-              <a:rPr lang="en-US" altLang="en-US" sz="1100" dirty="0">
+              <a:rPr lang="en-US" altLang="en-US" sz="1000" dirty="0">
                 <a:solidFill>
                   <a:schemeClr val="tx1"/>
                 </a:solidFill>
@@ -18006,7 +18012,7 @@
               </a:rPr>
             </a:br>
             <a:r>
-              <a:rPr lang="en-US" altLang="en-US" sz="1100" dirty="0">
+              <a:rPr lang="en-US" altLang="en-US" sz="1000" u="sng" dirty="0">
                 <a:solidFill>
                   <a:schemeClr val="tx1"/>
                 </a:solidFill>
@@ -18014,8 +18020,518 @@
                 <a:ea typeface="Calibri" panose="020F0502020204030204" pitchFamily="34" charset="0"/>
                 <a:cs typeface="Times New Roman" panose="02020603050405020304" pitchFamily="18" charset="0"/>
               </a:rPr>
-              <a:t>[Accessed 18 06 2021].</a:t>
-            </a:r>
+              <a:t>[Accessed 18 06 2021</a:t>
+            </a:r>
+            <a:r>
+              <a:rPr lang="en-US" altLang="en-US" sz="1000" u="sng" dirty="0">
+                <a:solidFill>
+                  <a:schemeClr val="tx1"/>
+                </a:solidFill>
+                <a:latin typeface="Calibri" panose="020F0502020204030204" pitchFamily="34" charset="0"/>
+                <a:ea typeface="Calibri" panose="020F0502020204030204" pitchFamily="34" charset="0"/>
+                <a:cs typeface="Times New Roman" panose="02020603050405020304" pitchFamily="18" charset="0"/>
+              </a:rPr>
+              <a:t>].</a:t>
+            </a:r>
+          </a:p>
+          <a:p>
+            <a:pPr marL="171450" lvl="0" indent="-171450" eaLnBrk="0" fontAlgn="base" hangingPunct="0">
+              <a:spcBef>
+                <a:spcPct val="0"/>
+              </a:spcBef>
+              <a:spcAft>
+                <a:spcPct val="0"/>
+              </a:spcAft>
+              <a:buClrTx/>
+              <a:buFont typeface="Arial" panose="020B0604020202020204" pitchFamily="34" charset="0"/>
+              <a:buChar char="•"/>
+            </a:pPr>
+            <a:r>
+              <a:rPr lang="en-GB" altLang="en-US" sz="1000" u="sng" dirty="0">
+                <a:solidFill>
+                  <a:schemeClr val="tx1"/>
+                </a:solidFill>
+                <a:latin typeface="Calibri" panose="020F0502020204030204" pitchFamily="34" charset="0"/>
+                <a:ea typeface="Calibri" panose="020F0502020204030204" pitchFamily="34" charset="0"/>
+                <a:cs typeface="Times New Roman" panose="02020603050405020304" pitchFamily="18" charset="0"/>
+              </a:rPr>
+              <a:t>Amazon, 2021. AWS. </a:t>
+            </a:r>
+            <a:r>
+              <a:rPr lang="en-GB" altLang="en-US" sz="1000" u="sng" dirty="0">
+                <a:solidFill>
+                  <a:schemeClr val="tx1"/>
+                </a:solidFill>
+                <a:latin typeface="Calibri" panose="020F0502020204030204" pitchFamily="34" charset="0"/>
+                <a:ea typeface="Calibri" panose="020F0502020204030204" pitchFamily="34" charset="0"/>
+                <a:cs typeface="Times New Roman" panose="02020603050405020304" pitchFamily="18" charset="0"/>
+              </a:rPr>
+              <a:t>[Online] </a:t>
+            </a:r>
+            <a:r>
+              <a:rPr lang="en-GB" altLang="en-US" sz="1000" u="sng" dirty="0" smtClean="0">
+                <a:solidFill>
+                  <a:schemeClr val="tx1"/>
+                </a:solidFill>
+                <a:latin typeface="Calibri" panose="020F0502020204030204" pitchFamily="34" charset="0"/>
+                <a:ea typeface="Calibri" panose="020F0502020204030204" pitchFamily="34" charset="0"/>
+                <a:cs typeface="Times New Roman" panose="02020603050405020304" pitchFamily="18" charset="0"/>
+              </a:rPr>
+              <a:t/>
+            </a:r>
+            <a:br>
+              <a:rPr lang="en-GB" altLang="en-US" sz="1000" u="sng" dirty="0" smtClean="0">
+                <a:solidFill>
+                  <a:schemeClr val="tx1"/>
+                </a:solidFill>
+                <a:latin typeface="Calibri" panose="020F0502020204030204" pitchFamily="34" charset="0"/>
+                <a:ea typeface="Calibri" panose="020F0502020204030204" pitchFamily="34" charset="0"/>
+                <a:cs typeface="Times New Roman" panose="02020603050405020304" pitchFamily="18" charset="0"/>
+              </a:rPr>
+            </a:br>
+            <a:r>
+              <a:rPr lang="en-GB" altLang="en-US" sz="1000" u="sng" dirty="0" smtClean="0">
+                <a:solidFill>
+                  <a:schemeClr val="tx1"/>
+                </a:solidFill>
+                <a:latin typeface="Calibri" panose="020F0502020204030204" pitchFamily="34" charset="0"/>
+                <a:ea typeface="Calibri" panose="020F0502020204030204" pitchFamily="34" charset="0"/>
+                <a:cs typeface="Times New Roman" panose="02020603050405020304" pitchFamily="18" charset="0"/>
+              </a:rPr>
+              <a:t>Available </a:t>
+            </a:r>
+            <a:r>
+              <a:rPr lang="en-GB" altLang="en-US" sz="1000" u="sng" dirty="0">
+                <a:solidFill>
+                  <a:schemeClr val="tx1"/>
+                </a:solidFill>
+                <a:latin typeface="Calibri" panose="020F0502020204030204" pitchFamily="34" charset="0"/>
+                <a:ea typeface="Calibri" panose="020F0502020204030204" pitchFamily="34" charset="0"/>
+                <a:cs typeface="Times New Roman" panose="02020603050405020304" pitchFamily="18" charset="0"/>
+              </a:rPr>
+              <a:t>at: </a:t>
+            </a:r>
+            <a:r>
+              <a:rPr lang="en-GB" altLang="en-US" sz="1000" u="sng" dirty="0">
+                <a:solidFill>
+                  <a:schemeClr val="tx1"/>
+                </a:solidFill>
+                <a:latin typeface="Calibri" panose="020F0502020204030204" pitchFamily="34" charset="0"/>
+                <a:ea typeface="Calibri" panose="020F0502020204030204" pitchFamily="34" charset="0"/>
+                <a:cs typeface="Times New Roman" panose="02020603050405020304" pitchFamily="18" charset="0"/>
+                <a:hlinkClick r:id="rId3"/>
+              </a:rPr>
+              <a:t>https://</a:t>
+            </a:r>
+            <a:r>
+              <a:rPr lang="en-GB" altLang="en-US" sz="1000" u="sng" dirty="0" smtClean="0">
+                <a:solidFill>
+                  <a:schemeClr val="tx1"/>
+                </a:solidFill>
+                <a:latin typeface="Calibri" panose="020F0502020204030204" pitchFamily="34" charset="0"/>
+                <a:ea typeface="Calibri" panose="020F0502020204030204" pitchFamily="34" charset="0"/>
+                <a:cs typeface="Times New Roman" panose="02020603050405020304" pitchFamily="18" charset="0"/>
+                <a:hlinkClick r:id="rId3"/>
+              </a:rPr>
+              <a:t>docs.aws.amazon.com/apigateway/latest/developerguide/lambda-proxy-binary-media.html</a:t>
+            </a:r>
+            <a:r>
+              <a:rPr lang="en-GB" altLang="en-US" sz="1000" u="sng" dirty="0" smtClean="0">
+                <a:solidFill>
+                  <a:schemeClr val="tx1"/>
+                </a:solidFill>
+                <a:latin typeface="Calibri" panose="020F0502020204030204" pitchFamily="34" charset="0"/>
+                <a:ea typeface="Calibri" panose="020F0502020204030204" pitchFamily="34" charset="0"/>
+                <a:cs typeface="Times New Roman" panose="02020603050405020304" pitchFamily="18" charset="0"/>
+              </a:rPr>
+              <a:t/>
+            </a:r>
+            <a:br>
+              <a:rPr lang="en-GB" altLang="en-US" sz="1000" u="sng" dirty="0" smtClean="0">
+                <a:solidFill>
+                  <a:schemeClr val="tx1"/>
+                </a:solidFill>
+                <a:latin typeface="Calibri" panose="020F0502020204030204" pitchFamily="34" charset="0"/>
+                <a:ea typeface="Calibri" panose="020F0502020204030204" pitchFamily="34" charset="0"/>
+                <a:cs typeface="Times New Roman" panose="02020603050405020304" pitchFamily="18" charset="0"/>
+              </a:rPr>
+            </a:br>
+            <a:r>
+              <a:rPr lang="en-GB" altLang="en-US" sz="1000" u="sng" dirty="0" smtClean="0">
+                <a:solidFill>
+                  <a:schemeClr val="tx1"/>
+                </a:solidFill>
+                <a:latin typeface="Calibri" panose="020F0502020204030204" pitchFamily="34" charset="0"/>
+                <a:ea typeface="Calibri" panose="020F0502020204030204" pitchFamily="34" charset="0"/>
+                <a:cs typeface="Times New Roman" panose="02020603050405020304" pitchFamily="18" charset="0"/>
+              </a:rPr>
+              <a:t>[Accessed </a:t>
+            </a:r>
+            <a:r>
+              <a:rPr lang="en-GB" altLang="en-US" sz="1000" u="sng" dirty="0">
+                <a:solidFill>
+                  <a:schemeClr val="tx1"/>
+                </a:solidFill>
+                <a:latin typeface="Calibri" panose="020F0502020204030204" pitchFamily="34" charset="0"/>
+                <a:ea typeface="Calibri" panose="020F0502020204030204" pitchFamily="34" charset="0"/>
+                <a:cs typeface="Times New Roman" panose="02020603050405020304" pitchFamily="18" charset="0"/>
+              </a:rPr>
+              <a:t>30 06 2021].</a:t>
+            </a:r>
+          </a:p>
+          <a:p>
+            <a:pPr marL="171450" lvl="0" indent="-171450" eaLnBrk="0" fontAlgn="base" hangingPunct="0">
+              <a:spcBef>
+                <a:spcPct val="0"/>
+              </a:spcBef>
+              <a:spcAft>
+                <a:spcPct val="0"/>
+              </a:spcAft>
+              <a:buClrTx/>
+              <a:buFont typeface="Arial" panose="020B0604020202020204" pitchFamily="34" charset="0"/>
+              <a:buChar char="•"/>
+            </a:pPr>
+            <a:r>
+              <a:rPr lang="en-GB" altLang="en-US" sz="1000" u="sng" dirty="0">
+                <a:solidFill>
+                  <a:schemeClr val="tx1"/>
+                </a:solidFill>
+                <a:latin typeface="Calibri" panose="020F0502020204030204" pitchFamily="34" charset="0"/>
+                <a:ea typeface="Calibri" panose="020F0502020204030204" pitchFamily="34" charset="0"/>
+                <a:cs typeface="Times New Roman" panose="02020603050405020304" pitchFamily="18" charset="0"/>
+              </a:rPr>
+              <a:t>Amazon, 2021. AWS. </a:t>
+            </a:r>
+            <a:r>
+              <a:rPr lang="en-GB" altLang="en-US" sz="1000" u="sng" dirty="0">
+                <a:solidFill>
+                  <a:schemeClr val="tx1"/>
+                </a:solidFill>
+                <a:latin typeface="Calibri" panose="020F0502020204030204" pitchFamily="34" charset="0"/>
+                <a:ea typeface="Calibri" panose="020F0502020204030204" pitchFamily="34" charset="0"/>
+                <a:cs typeface="Times New Roman" panose="02020603050405020304" pitchFamily="18" charset="0"/>
+              </a:rPr>
+              <a:t>[Online] </a:t>
+            </a:r>
+            <a:r>
+              <a:rPr lang="en-GB" altLang="en-US" sz="1000" u="sng" dirty="0" smtClean="0">
+                <a:solidFill>
+                  <a:schemeClr val="tx1"/>
+                </a:solidFill>
+                <a:latin typeface="Calibri" panose="020F0502020204030204" pitchFamily="34" charset="0"/>
+                <a:ea typeface="Calibri" panose="020F0502020204030204" pitchFamily="34" charset="0"/>
+                <a:cs typeface="Times New Roman" panose="02020603050405020304" pitchFamily="18" charset="0"/>
+              </a:rPr>
+              <a:t/>
+            </a:r>
+            <a:br>
+              <a:rPr lang="en-GB" altLang="en-US" sz="1000" u="sng" dirty="0" smtClean="0">
+                <a:solidFill>
+                  <a:schemeClr val="tx1"/>
+                </a:solidFill>
+                <a:latin typeface="Calibri" panose="020F0502020204030204" pitchFamily="34" charset="0"/>
+                <a:ea typeface="Calibri" panose="020F0502020204030204" pitchFamily="34" charset="0"/>
+                <a:cs typeface="Times New Roman" panose="02020603050405020304" pitchFamily="18" charset="0"/>
+              </a:rPr>
+            </a:br>
+            <a:r>
+              <a:rPr lang="en-GB" altLang="en-US" sz="1000" u="sng" dirty="0" smtClean="0">
+                <a:solidFill>
+                  <a:schemeClr val="tx1"/>
+                </a:solidFill>
+                <a:latin typeface="Calibri" panose="020F0502020204030204" pitchFamily="34" charset="0"/>
+                <a:ea typeface="Calibri" panose="020F0502020204030204" pitchFamily="34" charset="0"/>
+                <a:cs typeface="Times New Roman" panose="02020603050405020304" pitchFamily="18" charset="0"/>
+              </a:rPr>
+              <a:t>Available </a:t>
+            </a:r>
+            <a:r>
+              <a:rPr lang="en-GB" altLang="en-US" sz="1000" u="sng" dirty="0">
+                <a:solidFill>
+                  <a:schemeClr val="tx1"/>
+                </a:solidFill>
+                <a:latin typeface="Calibri" panose="020F0502020204030204" pitchFamily="34" charset="0"/>
+                <a:ea typeface="Calibri" panose="020F0502020204030204" pitchFamily="34" charset="0"/>
+                <a:cs typeface="Times New Roman" panose="02020603050405020304" pitchFamily="18" charset="0"/>
+              </a:rPr>
+              <a:t>at: </a:t>
+            </a:r>
+            <a:r>
+              <a:rPr lang="en-GB" altLang="en-US" sz="1000" u="sng" dirty="0">
+                <a:solidFill>
+                  <a:schemeClr val="tx1"/>
+                </a:solidFill>
+                <a:latin typeface="Calibri" panose="020F0502020204030204" pitchFamily="34" charset="0"/>
+                <a:ea typeface="Calibri" panose="020F0502020204030204" pitchFamily="34" charset="0"/>
+                <a:cs typeface="Times New Roman" panose="02020603050405020304" pitchFamily="18" charset="0"/>
+                <a:hlinkClick r:id="rId4"/>
+              </a:rPr>
+              <a:t>https://</a:t>
+            </a:r>
+            <a:r>
+              <a:rPr lang="en-GB" altLang="en-US" sz="1000" u="sng" dirty="0" smtClean="0">
+                <a:solidFill>
+                  <a:schemeClr val="tx1"/>
+                </a:solidFill>
+                <a:latin typeface="Calibri" panose="020F0502020204030204" pitchFamily="34" charset="0"/>
+                <a:ea typeface="Calibri" panose="020F0502020204030204" pitchFamily="34" charset="0"/>
+                <a:cs typeface="Times New Roman" panose="02020603050405020304" pitchFamily="18" charset="0"/>
+                <a:hlinkClick r:id="rId4"/>
+              </a:rPr>
+              <a:t>docs.aws.amazon.com/AmazonS3/latest/userguide/add-bucket-policy.html</a:t>
+            </a:r>
+            <a:r>
+              <a:rPr lang="en-GB" altLang="en-US" sz="1000" u="sng" dirty="0" smtClean="0">
+                <a:solidFill>
+                  <a:schemeClr val="tx1"/>
+                </a:solidFill>
+                <a:latin typeface="Calibri" panose="020F0502020204030204" pitchFamily="34" charset="0"/>
+                <a:ea typeface="Calibri" panose="020F0502020204030204" pitchFamily="34" charset="0"/>
+                <a:cs typeface="Times New Roman" panose="02020603050405020304" pitchFamily="18" charset="0"/>
+              </a:rPr>
+              <a:t/>
+            </a:r>
+            <a:br>
+              <a:rPr lang="en-GB" altLang="en-US" sz="1000" u="sng" dirty="0" smtClean="0">
+                <a:solidFill>
+                  <a:schemeClr val="tx1"/>
+                </a:solidFill>
+                <a:latin typeface="Calibri" panose="020F0502020204030204" pitchFamily="34" charset="0"/>
+                <a:ea typeface="Calibri" panose="020F0502020204030204" pitchFamily="34" charset="0"/>
+                <a:cs typeface="Times New Roman" panose="02020603050405020304" pitchFamily="18" charset="0"/>
+              </a:rPr>
+            </a:br>
+            <a:r>
+              <a:rPr lang="en-GB" altLang="en-US" sz="1000" u="sng" dirty="0" smtClean="0">
+                <a:solidFill>
+                  <a:schemeClr val="tx1"/>
+                </a:solidFill>
+                <a:latin typeface="Calibri" panose="020F0502020204030204" pitchFamily="34" charset="0"/>
+                <a:ea typeface="Calibri" panose="020F0502020204030204" pitchFamily="34" charset="0"/>
+                <a:cs typeface="Times New Roman" panose="02020603050405020304" pitchFamily="18" charset="0"/>
+              </a:rPr>
+              <a:t>[Accessed </a:t>
+            </a:r>
+            <a:r>
+              <a:rPr lang="en-GB" altLang="en-US" sz="1000" u="sng" dirty="0">
+                <a:solidFill>
+                  <a:schemeClr val="tx1"/>
+                </a:solidFill>
+                <a:latin typeface="Calibri" panose="020F0502020204030204" pitchFamily="34" charset="0"/>
+                <a:ea typeface="Calibri" panose="020F0502020204030204" pitchFamily="34" charset="0"/>
+                <a:cs typeface="Times New Roman" panose="02020603050405020304" pitchFamily="18" charset="0"/>
+              </a:rPr>
+              <a:t>30 06 2021].</a:t>
+            </a:r>
+          </a:p>
+          <a:p>
+            <a:pPr marL="171450" lvl="0" indent="-171450" eaLnBrk="0" fontAlgn="base" hangingPunct="0">
+              <a:spcBef>
+                <a:spcPct val="0"/>
+              </a:spcBef>
+              <a:spcAft>
+                <a:spcPct val="0"/>
+              </a:spcAft>
+              <a:buClrTx/>
+              <a:buFont typeface="Arial" panose="020B0604020202020204" pitchFamily="34" charset="0"/>
+              <a:buChar char="•"/>
+            </a:pPr>
+            <a:r>
+              <a:rPr lang="en-GB" altLang="en-US" sz="1000" u="sng" dirty="0" err="1">
+                <a:solidFill>
+                  <a:schemeClr val="tx1"/>
+                </a:solidFill>
+                <a:latin typeface="Calibri" panose="020F0502020204030204" pitchFamily="34" charset="0"/>
+                <a:ea typeface="Calibri" panose="020F0502020204030204" pitchFamily="34" charset="0"/>
+                <a:cs typeface="Times New Roman" panose="02020603050405020304" pitchFamily="18" charset="0"/>
+              </a:rPr>
+              <a:t>Pheonix</a:t>
+            </a:r>
+            <a:r>
+              <a:rPr lang="en-GB" altLang="en-US" sz="1000" u="sng" dirty="0">
+                <a:solidFill>
+                  <a:schemeClr val="tx1"/>
+                </a:solidFill>
+                <a:latin typeface="Calibri" panose="020F0502020204030204" pitchFamily="34" charset="0"/>
+                <a:ea typeface="Calibri" panose="020F0502020204030204" pitchFamily="34" charset="0"/>
+                <a:cs typeface="Times New Roman" panose="02020603050405020304" pitchFamily="18" charset="0"/>
+              </a:rPr>
+              <a:t>, J., n.d. </a:t>
+            </a:r>
+            <a:r>
+              <a:rPr lang="en-GB" altLang="en-US" sz="1000" u="sng" dirty="0" err="1">
+                <a:solidFill>
+                  <a:schemeClr val="tx1"/>
+                </a:solidFill>
+                <a:latin typeface="Calibri" panose="020F0502020204030204" pitchFamily="34" charset="0"/>
+                <a:ea typeface="Calibri" panose="020F0502020204030204" pitchFamily="34" charset="0"/>
+                <a:cs typeface="Times New Roman" panose="02020603050405020304" pitchFamily="18" charset="0"/>
+              </a:rPr>
+              <a:t>Sempioneer</a:t>
+            </a:r>
+            <a:r>
+              <a:rPr lang="en-GB" altLang="en-US" sz="1000" u="sng" dirty="0">
+                <a:solidFill>
+                  <a:schemeClr val="tx1"/>
+                </a:solidFill>
+                <a:latin typeface="Calibri" panose="020F0502020204030204" pitchFamily="34" charset="0"/>
+                <a:ea typeface="Calibri" panose="020F0502020204030204" pitchFamily="34" charset="0"/>
+                <a:cs typeface="Times New Roman" panose="02020603050405020304" pitchFamily="18" charset="0"/>
+              </a:rPr>
+              <a:t>. </a:t>
+            </a:r>
+            <a:r>
+              <a:rPr lang="en-GB" altLang="en-US" sz="1000" u="sng" dirty="0">
+                <a:solidFill>
+                  <a:schemeClr val="tx1"/>
+                </a:solidFill>
+                <a:latin typeface="Calibri" panose="020F0502020204030204" pitchFamily="34" charset="0"/>
+                <a:ea typeface="Calibri" panose="020F0502020204030204" pitchFamily="34" charset="0"/>
+                <a:cs typeface="Times New Roman" panose="02020603050405020304" pitchFamily="18" charset="0"/>
+              </a:rPr>
+              <a:t>[</a:t>
+            </a:r>
+            <a:r>
+              <a:rPr lang="en-GB" altLang="en-US" sz="1000" u="sng" dirty="0" smtClean="0">
+                <a:solidFill>
+                  <a:schemeClr val="tx1"/>
+                </a:solidFill>
+                <a:latin typeface="Calibri" panose="020F0502020204030204" pitchFamily="34" charset="0"/>
+                <a:ea typeface="Calibri" panose="020F0502020204030204" pitchFamily="34" charset="0"/>
+                <a:cs typeface="Times New Roman" panose="02020603050405020304" pitchFamily="18" charset="0"/>
+              </a:rPr>
+              <a:t>Online]</a:t>
+            </a:r>
+            <a:br>
+              <a:rPr lang="en-GB" altLang="en-US" sz="1000" u="sng" dirty="0" smtClean="0">
+                <a:solidFill>
+                  <a:schemeClr val="tx1"/>
+                </a:solidFill>
+                <a:latin typeface="Calibri" panose="020F0502020204030204" pitchFamily="34" charset="0"/>
+                <a:ea typeface="Calibri" panose="020F0502020204030204" pitchFamily="34" charset="0"/>
+                <a:cs typeface="Times New Roman" panose="02020603050405020304" pitchFamily="18" charset="0"/>
+              </a:rPr>
+            </a:br>
+            <a:r>
+              <a:rPr lang="en-GB" altLang="en-US" sz="1000" u="sng" dirty="0" smtClean="0">
+                <a:solidFill>
+                  <a:schemeClr val="tx1"/>
+                </a:solidFill>
+                <a:latin typeface="Calibri" panose="020F0502020204030204" pitchFamily="34" charset="0"/>
+                <a:ea typeface="Calibri" panose="020F0502020204030204" pitchFamily="34" charset="0"/>
+                <a:cs typeface="Times New Roman" panose="02020603050405020304" pitchFamily="18" charset="0"/>
+              </a:rPr>
+              <a:t>Available </a:t>
+            </a:r>
+            <a:r>
+              <a:rPr lang="en-GB" altLang="en-US" sz="1000" u="sng" dirty="0">
+                <a:solidFill>
+                  <a:schemeClr val="tx1"/>
+                </a:solidFill>
+                <a:latin typeface="Calibri" panose="020F0502020204030204" pitchFamily="34" charset="0"/>
+                <a:ea typeface="Calibri" panose="020F0502020204030204" pitchFamily="34" charset="0"/>
+                <a:cs typeface="Times New Roman" panose="02020603050405020304" pitchFamily="18" charset="0"/>
+              </a:rPr>
+              <a:t>at: </a:t>
+            </a:r>
+            <a:r>
+              <a:rPr lang="en-GB" altLang="en-US" sz="1000" u="sng" dirty="0">
+                <a:solidFill>
+                  <a:schemeClr val="tx1"/>
+                </a:solidFill>
+                <a:latin typeface="Calibri" panose="020F0502020204030204" pitchFamily="34" charset="0"/>
+                <a:ea typeface="Calibri" panose="020F0502020204030204" pitchFamily="34" charset="0"/>
+                <a:cs typeface="Times New Roman" panose="02020603050405020304" pitchFamily="18" charset="0"/>
+                <a:hlinkClick r:id="rId5"/>
+              </a:rPr>
+              <a:t>https://sempioneer.com/python-for-seo/image-resizing-in-python</a:t>
+            </a:r>
+            <a:r>
+              <a:rPr lang="en-GB" altLang="en-US" sz="1000" u="sng" dirty="0" smtClean="0">
+                <a:solidFill>
+                  <a:schemeClr val="tx1"/>
+                </a:solidFill>
+                <a:latin typeface="Calibri" panose="020F0502020204030204" pitchFamily="34" charset="0"/>
+                <a:ea typeface="Calibri" panose="020F0502020204030204" pitchFamily="34" charset="0"/>
+                <a:cs typeface="Times New Roman" panose="02020603050405020304" pitchFamily="18" charset="0"/>
+                <a:hlinkClick r:id="rId5"/>
+              </a:rPr>
+              <a:t>/</a:t>
+            </a:r>
+            <a:r>
+              <a:rPr lang="en-GB" altLang="en-US" sz="1000" u="sng" dirty="0" smtClean="0">
+                <a:solidFill>
+                  <a:schemeClr val="tx1"/>
+                </a:solidFill>
+                <a:latin typeface="Calibri" panose="020F0502020204030204" pitchFamily="34" charset="0"/>
+                <a:ea typeface="Calibri" panose="020F0502020204030204" pitchFamily="34" charset="0"/>
+                <a:cs typeface="Times New Roman" panose="02020603050405020304" pitchFamily="18" charset="0"/>
+              </a:rPr>
+              <a:t/>
+            </a:r>
+            <a:br>
+              <a:rPr lang="en-GB" altLang="en-US" sz="1000" u="sng" dirty="0" smtClean="0">
+                <a:solidFill>
+                  <a:schemeClr val="tx1"/>
+                </a:solidFill>
+                <a:latin typeface="Calibri" panose="020F0502020204030204" pitchFamily="34" charset="0"/>
+                <a:ea typeface="Calibri" panose="020F0502020204030204" pitchFamily="34" charset="0"/>
+                <a:cs typeface="Times New Roman" panose="02020603050405020304" pitchFamily="18" charset="0"/>
+              </a:rPr>
+            </a:br>
+            <a:r>
+              <a:rPr lang="en-GB" altLang="en-US" sz="1000" u="sng" dirty="0" smtClean="0">
+                <a:solidFill>
+                  <a:schemeClr val="tx1"/>
+                </a:solidFill>
+                <a:latin typeface="Calibri" panose="020F0502020204030204" pitchFamily="34" charset="0"/>
+                <a:ea typeface="Calibri" panose="020F0502020204030204" pitchFamily="34" charset="0"/>
+                <a:cs typeface="Times New Roman" panose="02020603050405020304" pitchFamily="18" charset="0"/>
+              </a:rPr>
+              <a:t>[Accessed </a:t>
+            </a:r>
+            <a:r>
+              <a:rPr lang="en-GB" altLang="en-US" sz="1000" u="sng" dirty="0">
+                <a:solidFill>
+                  <a:schemeClr val="tx1"/>
+                </a:solidFill>
+                <a:latin typeface="Calibri" panose="020F0502020204030204" pitchFamily="34" charset="0"/>
+                <a:ea typeface="Calibri" panose="020F0502020204030204" pitchFamily="34" charset="0"/>
+                <a:cs typeface="Times New Roman" panose="02020603050405020304" pitchFamily="18" charset="0"/>
+              </a:rPr>
+              <a:t>22 06 2021].</a:t>
+            </a:r>
+          </a:p>
+          <a:p>
+            <a:pPr marL="171450" lvl="0" indent="-171450" eaLnBrk="0" fontAlgn="base" hangingPunct="0">
+              <a:spcBef>
+                <a:spcPct val="0"/>
+              </a:spcBef>
+              <a:spcAft>
+                <a:spcPct val="0"/>
+              </a:spcAft>
+              <a:buClrTx/>
+              <a:buFont typeface="Arial" panose="020B0604020202020204" pitchFamily="34" charset="0"/>
+              <a:buChar char="•"/>
+            </a:pPr>
+            <a:endParaRPr lang="en-GB" altLang="en-US" sz="1100" dirty="0">
+              <a:solidFill>
+                <a:schemeClr val="tx1"/>
+              </a:solidFill>
+            </a:endParaRPr>
+          </a:p>
+          <a:p>
+            <a:pPr marL="171450" lvl="0" indent="-171450" eaLnBrk="0" fontAlgn="base" hangingPunct="0">
+              <a:spcBef>
+                <a:spcPct val="0"/>
+              </a:spcBef>
+              <a:spcAft>
+                <a:spcPct val="0"/>
+              </a:spcAft>
+              <a:buClrTx/>
+              <a:buFont typeface="Arial" panose="020B0604020202020204" pitchFamily="34" charset="0"/>
+              <a:buChar char="•"/>
+            </a:pPr>
             <a:endParaRPr lang="en-GB" altLang="en-US" sz="1100" dirty="0">
               <a:solidFill>
                 <a:schemeClr val="tx1"/>
@@ -18035,7 +18551,7 @@
         <p:fade/>
       </p:transition>
     </mc:Choice>
-    <mc:Fallback xmlns:ahyp="http://schemas.microsoft.com/office/drawing/2018/hyperlinkcolor" xmlns:p15="http://schemas.microsoft.com/office/powerpoint/2012/main" xmlns:com="http://schemas.openxmlformats.org/drawingml/2006/compatibility" xmlns:pvml="urn:schemas-microsoft-com:office:powerpoint" xmlns:v="urn:schemas-microsoft-com:vml" xmlns:o="urn:schemas-microsoft-com:office:office" xmlns:dgm="http://schemas.openxmlformats.org/drawingml/2006/diagram" xmlns:c="http://schemas.openxmlformats.org/drawingml/2006/chart" xmlns:mv="urn:schemas-microsoft-com:mac:vml" xmlns="">
+    <mc:Fallback xmlns="" xmlns:mv="urn:schemas-microsoft-com:mac:vml" xmlns:c="http://schemas.openxmlformats.org/drawingml/2006/chart" xmlns:dgm="http://schemas.openxmlformats.org/drawingml/2006/diagram" xmlns:o="urn:schemas-microsoft-com:office:office" xmlns:v="urn:schemas-microsoft-com:vml" xmlns:pvml="urn:schemas-microsoft-com:office:powerpoint" xmlns:com="http://schemas.openxmlformats.org/drawingml/2006/compatibility" xmlns:p15="http://schemas.microsoft.com/office/powerpoint/2012/main" xmlns:ahyp="http://schemas.microsoft.com/office/drawing/2018/hyperlinkcolor">
       <p:transition spd="slow">
         <p:fade/>
       </p:transition>
@@ -19394,7 +19910,7 @@
         <p:fade/>
       </p:transition>
     </mc:Choice>
-    <mc:Fallback xmlns:ahyp="http://schemas.microsoft.com/office/drawing/2018/hyperlinkcolor" xmlns:p15="http://schemas.microsoft.com/office/powerpoint/2012/main" xmlns:com="http://schemas.openxmlformats.org/drawingml/2006/compatibility" xmlns:pvml="urn:schemas-microsoft-com:office:powerpoint" xmlns:v="urn:schemas-microsoft-com:vml" xmlns:o="urn:schemas-microsoft-com:office:office" xmlns:dgm="http://schemas.openxmlformats.org/drawingml/2006/diagram" xmlns:c="http://schemas.openxmlformats.org/drawingml/2006/chart" xmlns:mv="urn:schemas-microsoft-com:mac:vml" xmlns="">
+    <mc:Fallback xmlns="" xmlns:mv="urn:schemas-microsoft-com:mac:vml" xmlns:c="http://schemas.openxmlformats.org/drawingml/2006/chart" xmlns:dgm="http://schemas.openxmlformats.org/drawingml/2006/diagram" xmlns:o="urn:schemas-microsoft-com:office:office" xmlns:v="urn:schemas-microsoft-com:vml" xmlns:pvml="urn:schemas-microsoft-com:office:powerpoint" xmlns:com="http://schemas.openxmlformats.org/drawingml/2006/compatibility" xmlns:p15="http://schemas.microsoft.com/office/powerpoint/2012/main" xmlns:ahyp="http://schemas.microsoft.com/office/drawing/2018/hyperlinkcolor">
       <p:transition spd="slow">
         <p:fade/>
       </p:transition>
@@ -19438,12 +19954,19 @@
         <p:fade/>
       </p:transition>
     </mc:Choice>
-    <mc:Fallback xmlns:ahyp="http://schemas.microsoft.com/office/drawing/2018/hyperlinkcolor" xmlns:p15="http://schemas.microsoft.com/office/powerpoint/2012/main" xmlns:com="http://schemas.openxmlformats.org/drawingml/2006/compatibility" xmlns:pvml="urn:schemas-microsoft-com:office:powerpoint" xmlns:v="urn:schemas-microsoft-com:vml" xmlns:o="urn:schemas-microsoft-com:office:office" xmlns:dgm="http://schemas.openxmlformats.org/drawingml/2006/diagram" xmlns:c="http://schemas.openxmlformats.org/drawingml/2006/chart" xmlns:mv="urn:schemas-microsoft-com:mac:vml" xmlns="">
+    <mc:Fallback xmlns="" xmlns:mv="urn:schemas-microsoft-com:mac:vml" xmlns:c="http://schemas.openxmlformats.org/drawingml/2006/chart" xmlns:dgm="http://schemas.openxmlformats.org/drawingml/2006/diagram" xmlns:o="urn:schemas-microsoft-com:office:office" xmlns:v="urn:schemas-microsoft-com:vml" xmlns:pvml="urn:schemas-microsoft-com:office:powerpoint" xmlns:com="http://schemas.openxmlformats.org/drawingml/2006/compatibility" xmlns:p15="http://schemas.microsoft.com/office/powerpoint/2012/main" xmlns:ahyp="http://schemas.microsoft.com/office/drawing/2018/hyperlinkcolor">
       <p:transition spd="slow">
         <p:fade/>
       </p:transition>
     </mc:Fallback>
   </mc:AlternateContent>
+  <p:timing>
+    <p:tnLst>
+      <p:par>
+        <p:cTn id="1" dur="indefinite" restart="never" nodeType="tmRoot"/>
+      </p:par>
+    </p:tnLst>
+  </p:timing>
 </p:sld>
 </file>
 
@@ -19585,7 +20108,7 @@
         <p:fade/>
       </p:transition>
     </mc:Choice>
-    <mc:Fallback xmlns:ahyp="http://schemas.microsoft.com/office/drawing/2018/hyperlinkcolor" xmlns:p15="http://schemas.microsoft.com/office/powerpoint/2012/main" xmlns:com="http://schemas.openxmlformats.org/drawingml/2006/compatibility" xmlns:pvml="urn:schemas-microsoft-com:office:powerpoint" xmlns:v="urn:schemas-microsoft-com:vml" xmlns:o="urn:schemas-microsoft-com:office:office" xmlns:dgm="http://schemas.openxmlformats.org/drawingml/2006/diagram" xmlns:c="http://schemas.openxmlformats.org/drawingml/2006/chart" xmlns:mv="urn:schemas-microsoft-com:mac:vml" xmlns="">
+    <mc:Fallback xmlns="" xmlns:mv="urn:schemas-microsoft-com:mac:vml" xmlns:c="http://schemas.openxmlformats.org/drawingml/2006/chart" xmlns:dgm="http://schemas.openxmlformats.org/drawingml/2006/diagram" xmlns:o="urn:schemas-microsoft-com:office:office" xmlns:v="urn:schemas-microsoft-com:vml" xmlns:pvml="urn:schemas-microsoft-com:office:powerpoint" xmlns:com="http://schemas.openxmlformats.org/drawingml/2006/compatibility" xmlns:p15="http://schemas.microsoft.com/office/powerpoint/2012/main" xmlns:ahyp="http://schemas.microsoft.com/office/drawing/2018/hyperlinkcolor">
       <p:transition spd="slow">
         <p:fade/>
       </p:transition>
@@ -20713,7 +21236,7 @@
         <p:fade/>
       </p:transition>
     </mc:Choice>
-    <mc:Fallback xmlns:ahyp="http://schemas.microsoft.com/office/drawing/2018/hyperlinkcolor" xmlns:p15="http://schemas.microsoft.com/office/powerpoint/2012/main" xmlns:com="http://schemas.openxmlformats.org/drawingml/2006/compatibility" xmlns:pvml="urn:schemas-microsoft-com:office:powerpoint" xmlns:v="urn:schemas-microsoft-com:vml" xmlns:o="urn:schemas-microsoft-com:office:office" xmlns:dgm="http://schemas.openxmlformats.org/drawingml/2006/diagram" xmlns:c="http://schemas.openxmlformats.org/drawingml/2006/chart" xmlns:mv="urn:schemas-microsoft-com:mac:vml" xmlns="">
+    <mc:Fallback xmlns="" xmlns:mv="urn:schemas-microsoft-com:mac:vml" xmlns:c="http://schemas.openxmlformats.org/drawingml/2006/chart" xmlns:dgm="http://schemas.openxmlformats.org/drawingml/2006/diagram" xmlns:o="urn:schemas-microsoft-com:office:office" xmlns:v="urn:schemas-microsoft-com:vml" xmlns:pvml="urn:schemas-microsoft-com:office:powerpoint" xmlns:com="http://schemas.openxmlformats.org/drawingml/2006/compatibility" xmlns:p15="http://schemas.microsoft.com/office/powerpoint/2012/main" xmlns:ahyp="http://schemas.microsoft.com/office/drawing/2018/hyperlinkcolor">
       <p:transition spd="slow">
         <p:fade/>
       </p:transition>
@@ -20758,8 +21281,8 @@
         </p:nvSpPr>
         <p:spPr>
           <a:xfrm>
-            <a:off x="1936728" y="2057399"/>
-            <a:ext cx="4114800" cy="5121276"/>
+            <a:off x="1656509" y="1624340"/>
+            <a:ext cx="2849124" cy="4800601"/>
           </a:xfrm>
         </p:spPr>
         <p:txBody>
@@ -20777,7 +21300,7 @@
               <a:buChar char="•"/>
             </a:pPr>
             <a:r>
-              <a:rPr lang="en-GB" sz="1400" b="0" dirty="0" smtClean="0"/>
+              <a:rPr lang="en-GB" sz="1200" b="0" dirty="0" smtClean="0"/>
               <a:t>Heroku was chosen as the deployment/hosting approach for the application for a number of reasons.</a:t>
             </a:r>
           </a:p>
@@ -20787,7 +21310,7 @@
               <a:buChar char="•"/>
             </a:pPr>
             <a:r>
-              <a:rPr lang="en-GB" sz="1400" b="0" dirty="0" smtClean="0"/>
+              <a:rPr lang="en-GB" sz="1200" b="0" dirty="0" smtClean="0"/>
               <a:t>The primary reason being one of familiarity of how Heroku works and the deployment steps needed.</a:t>
             </a:r>
           </a:p>
@@ -20797,7 +21320,7 @@
               <a:buChar char="•"/>
             </a:pPr>
             <a:r>
-              <a:rPr lang="en-GB" sz="1400" b="0" dirty="0" smtClean="0"/>
+              <a:rPr lang="en-GB" sz="1200" b="0" dirty="0" smtClean="0"/>
               <a:t>In addition, Heroku removed the requirement of managing an EC2 instance to host the files as it is PaaS.</a:t>
             </a:r>
           </a:p>
@@ -20807,10 +21330,10 @@
               <a:buChar char="•"/>
             </a:pPr>
             <a:r>
-              <a:rPr lang="en-GB" sz="1400" b="0" dirty="0" smtClean="0"/>
+              <a:rPr lang="en-GB" sz="1200" b="0" dirty="0" smtClean="0"/>
               <a:t>In terms of scale, large scale deployment of the architecture may not be suitable for Heroku and an alternative such as API Gateway coupled with Lambda functions or EC2 instances should be considered.  However, for the requirements of this system.  Heroku was suitable and met all requirements.</a:t>
             </a:r>
-            <a:endParaRPr lang="en-GB" sz="1400" b="0" dirty="0"/>
+            <a:endParaRPr lang="en-GB" sz="1200" b="0" dirty="0"/>
           </a:p>
         </p:txBody>
       </p:sp>
@@ -20826,8 +21349,8 @@
         </p:nvSpPr>
         <p:spPr>
           <a:xfrm>
-            <a:off x="8019278" y="2047872"/>
-            <a:ext cx="4114800" cy="5121276"/>
+            <a:off x="5656771" y="1624340"/>
+            <a:ext cx="2879780" cy="5100925"/>
           </a:xfrm>
         </p:spPr>
         <p:txBody>
@@ -20845,7 +21368,7 @@
               <a:buChar char="•"/>
             </a:pPr>
             <a:r>
-              <a:rPr lang="en-GB" sz="1400" b="0" dirty="0" smtClean="0"/>
+              <a:rPr lang="en-GB" sz="1200" b="0" dirty="0" smtClean="0"/>
               <a:t>Flask RESTful API was chosen as the method to code the API calls and responses primarily due to experience and familiarity with this approach.</a:t>
             </a:r>
           </a:p>
@@ -20855,7 +21378,7 @@
               <a:buChar char="•"/>
             </a:pPr>
             <a:r>
-              <a:rPr lang="en-GB" sz="1400" b="0" dirty="0" smtClean="0"/>
+              <a:rPr lang="en-GB" sz="1200" b="0" dirty="0" smtClean="0"/>
               <a:t>API Gateway could also have been used, along with Postman to test the resulting API calls, however, due to time constraints and the new exposure to API tools and technologies, alongside new exposure to AWS and Cloud technology in the depth and use case that the author has been using, it was preferable to go with familiar technologies and techniques.</a:t>
             </a:r>
           </a:p>
@@ -20865,10 +21388,10 @@
               <a:buChar char="•"/>
             </a:pPr>
             <a:r>
-              <a:rPr lang="en-GB" sz="1400" b="0" dirty="0" smtClean="0"/>
+              <a:rPr lang="en-GB" sz="1200" b="0" dirty="0" smtClean="0"/>
               <a:t>Flask Restful also allows more control over the code with testing and debugging as the code can be run locally on a computer and wont incur charges via the AWS cloud services.</a:t>
             </a:r>
-            <a:endParaRPr lang="en-GB" sz="1400" b="0" dirty="0"/>
+            <a:endParaRPr lang="en-GB" sz="1200" b="0" dirty="0"/>
           </a:p>
         </p:txBody>
       </p:sp>
@@ -20889,7 +21412,15 @@
           <a:p>
             <a:r>
               <a:rPr lang="en-GB" dirty="0" smtClean="0"/>
-              <a:t>Justification of Hosting Choices	</a:t>
+              <a:t>Justification of </a:t>
+            </a:r>
+            <a:r>
+              <a:rPr lang="en-GB" dirty="0" smtClean="0"/>
+              <a:t>Hosting/Access </a:t>
+            </a:r>
+            <a:r>
+              <a:rPr lang="en-GB" dirty="0" smtClean="0"/>
+              <a:t>Choices	</a:t>
             </a:r>
             <a:endParaRPr lang="en-GB" dirty="0"/>
           </a:p>
@@ -20911,8 +21442,8 @@
         </p:blipFill>
         <p:spPr>
           <a:xfrm>
-            <a:off x="1169195" y="1641242"/>
-            <a:ext cx="748483" cy="832313"/>
+            <a:off x="1188246" y="1631715"/>
+            <a:ext cx="542006" cy="602711"/>
           </a:xfrm>
           <a:prstGeom prst="rect">
             <a:avLst/>
@@ -20949,8 +21480,8 @@
         </p:blipFill>
         <p:spPr>
           <a:xfrm>
-            <a:off x="7249297" y="1641242"/>
-            <a:ext cx="769981" cy="832313"/>
+            <a:off x="5203416" y="1631715"/>
+            <a:ext cx="542006" cy="585883"/>
           </a:xfrm>
           <a:prstGeom prst="rect">
             <a:avLst/>
@@ -20979,8 +21510,8 @@
         </p:nvSpPr>
         <p:spPr>
           <a:xfrm>
-            <a:off x="1028700" y="1495425"/>
-            <a:ext cx="5534025" cy="5683250"/>
+            <a:off x="1028701" y="1495425"/>
+            <a:ext cx="3631790" cy="5406820"/>
           </a:xfrm>
           <a:prstGeom prst="rect">
             <a:avLst/>
@@ -21018,8 +21549,8 @@
         </p:nvSpPr>
         <p:spPr>
           <a:xfrm>
-            <a:off x="7115175" y="1495425"/>
-            <a:ext cx="5534025" cy="5683250"/>
+            <a:off x="5003392" y="1495425"/>
+            <a:ext cx="3761760" cy="5406820"/>
           </a:xfrm>
           <a:prstGeom prst="rect">
             <a:avLst/>
@@ -21049,6 +21580,171 @@
           </a:p>
         </p:txBody>
       </p:sp>
+      <p:sp>
+        <p:nvSpPr>
+          <p:cNvPr id="10" name="Text Placeholder 2"/>
+          <p:cNvSpPr>
+            <a:spLocks noGrp="1"/>
+          </p:cNvSpPr>
+          <p:nvPr>
+            <p:ph type="body" idx="2"/>
+          </p:nvPr>
+        </p:nvSpPr>
+        <p:spPr>
+          <a:xfrm>
+            <a:off x="9788163" y="1624340"/>
+            <a:ext cx="3677113" cy="5100925"/>
+          </a:xfrm>
+        </p:spPr>
+        <p:txBody>
+          <a:bodyPr/>
+          <a:lstStyle/>
+          <a:p>
+            <a:r>
+              <a:rPr lang="en-GB" u="sng" dirty="0" smtClean="0"/>
+              <a:t>AWS Programmatic Access</a:t>
+            </a:r>
+            <a:endParaRPr lang="en-GB" u="sng" dirty="0" smtClean="0"/>
+          </a:p>
+          <a:p>
+            <a:pPr marL="571500" indent="-342900">
+              <a:buFont typeface="Arial" panose="020B0604020202020204" pitchFamily="34" charset="0"/>
+              <a:buChar char="•"/>
+            </a:pPr>
+            <a:r>
+              <a:rPr lang="en-GB" sz="1200" b="0" dirty="0" smtClean="0"/>
+              <a:t>A unique user account was created specifically for this project.</a:t>
+            </a:r>
+          </a:p>
+          <a:p>
+            <a:pPr marL="571500" indent="-342900">
+              <a:buFont typeface="Arial" panose="020B0604020202020204" pitchFamily="34" charset="0"/>
+              <a:buChar char="•"/>
+            </a:pPr>
+            <a:r>
+              <a:rPr lang="en-GB" sz="1200" b="0" dirty="0" smtClean="0"/>
+              <a:t>Using principle of least privilege, the user was only provided with the bare minimum policies needed to interact with the chosen Amazon Services on offer: Lambda, DynamoDB and S3</a:t>
+            </a:r>
+          </a:p>
+          <a:p>
+            <a:pPr marL="571500" indent="-342900">
+              <a:buFont typeface="Arial" panose="020B0604020202020204" pitchFamily="34" charset="0"/>
+              <a:buChar char="•"/>
+            </a:pPr>
+            <a:r>
+              <a:rPr lang="en-GB" sz="1200" b="0" dirty="0" smtClean="0"/>
+              <a:t>A Unique key was generated and stored securely, using environmental variables on Heroku.</a:t>
+            </a:r>
+          </a:p>
+          <a:p>
+            <a:pPr marL="571500" indent="-342900">
+              <a:buFont typeface="Arial" panose="020B0604020202020204" pitchFamily="34" charset="0"/>
+              <a:buChar char="•"/>
+            </a:pPr>
+            <a:r>
+              <a:rPr lang="en-GB" sz="1200" b="0" dirty="0" smtClean="0"/>
+              <a:t>Depending on expansion/upscaling of the Infrastructure, more unique policies should be created, for example, the generic user should not have access to the Lambda functions, these would be used by Line Manager/Project managers, AWS itself, or sysadmins.</a:t>
+            </a:r>
+          </a:p>
+          <a:p>
+            <a:pPr marL="571500" indent="-342900">
+              <a:buFont typeface="Arial" panose="020B0604020202020204" pitchFamily="34" charset="0"/>
+              <a:buChar char="•"/>
+            </a:pPr>
+            <a:r>
+              <a:rPr lang="en-GB" sz="1200" b="0" dirty="0" smtClean="0"/>
+              <a:t>As the user should not have access to the AWS Web GUI itself, only programmatic access has been enabled for the user.</a:t>
+            </a:r>
+          </a:p>
+          <a:p>
+            <a:pPr marL="571500" indent="-342900">
+              <a:buFont typeface="Arial" panose="020B0604020202020204" pitchFamily="34" charset="0"/>
+              <a:buChar char="•"/>
+            </a:pPr>
+            <a:r>
+              <a:rPr lang="en-GB" sz="1200" b="0" dirty="0" smtClean="0"/>
+              <a:t>All actions will be activated via a front end GUI.</a:t>
+            </a:r>
+          </a:p>
+        </p:txBody>
+      </p:sp>
+      <p:sp>
+        <p:nvSpPr>
+          <p:cNvPr id="12" name="Rectangle 11"/>
+          <p:cNvSpPr/>
+          <p:nvPr/>
+        </p:nvSpPr>
+        <p:spPr>
+          <a:xfrm>
+            <a:off x="9134785" y="1495425"/>
+            <a:ext cx="4404234" cy="5406820"/>
+          </a:xfrm>
+          <a:prstGeom prst="rect">
+            <a:avLst/>
+          </a:prstGeom>
+          <a:noFill/>
+        </p:spPr>
+        <p:style>
+          <a:lnRef idx="2">
+            <a:schemeClr val="accent1"/>
+          </a:lnRef>
+          <a:fillRef idx="1">
+            <a:schemeClr val="lt1"/>
+          </a:fillRef>
+          <a:effectRef idx="0">
+            <a:schemeClr val="accent1"/>
+          </a:effectRef>
+          <a:fontRef idx="minor">
+            <a:schemeClr val="dk1"/>
+          </a:fontRef>
+        </p:style>
+        <p:txBody>
+          <a:bodyPr rtlCol="0" anchor="ctr"/>
+          <a:lstStyle/>
+          <a:p>
+            <a:pPr algn="ctr"/>
+            <a:endParaRPr lang="en-GB"/>
+          </a:p>
+        </p:txBody>
+      </p:sp>
+      <p:pic>
+        <p:nvPicPr>
+          <p:cNvPr id="4" name="Picture 3"/>
+          <p:cNvPicPr>
+            <a:picLocks noChangeAspect="1"/>
+          </p:cNvPicPr>
+          <p:nvPr/>
+        </p:nvPicPr>
+        <p:blipFill>
+          <a:blip r:embed="rId4"/>
+          <a:stretch>
+            <a:fillRect/>
+          </a:stretch>
+        </p:blipFill>
+        <p:spPr>
+          <a:xfrm>
+            <a:off x="9332344" y="1624341"/>
+            <a:ext cx="542006" cy="614480"/>
+          </a:xfrm>
+          <a:prstGeom prst="rect">
+            <a:avLst/>
+          </a:prstGeom>
+          <a:ln w="38100" cap="sq">
+            <a:solidFill>
+              <a:srgbClr val="000000"/>
+            </a:solidFill>
+            <a:prstDash val="solid"/>
+            <a:miter lim="800000"/>
+          </a:ln>
+          <a:effectLst>
+            <a:outerShdw blurRad="50800" dist="38100" dir="2700000" algn="tl" rotWithShape="0">
+              <a:srgbClr val="000000">
+                <a:alpha val="43000"/>
+              </a:srgbClr>
+            </a:outerShdw>
+          </a:effectLst>
+        </p:spPr>
+      </p:pic>
     </p:spTree>
     <p:extLst>
       <p:ext uri="{BB962C8B-B14F-4D97-AF65-F5344CB8AC3E}">
@@ -21065,12 +21761,19 @@
         <p:fade/>
       </p:transition>
     </mc:Choice>
-    <mc:Fallback xmlns:ahyp="http://schemas.microsoft.com/office/drawing/2018/hyperlinkcolor" xmlns:p15="http://schemas.microsoft.com/office/powerpoint/2012/main" xmlns:com="http://schemas.openxmlformats.org/drawingml/2006/compatibility" xmlns:pvml="urn:schemas-microsoft-com:office:powerpoint" xmlns:v="urn:schemas-microsoft-com:vml" xmlns:o="urn:schemas-microsoft-com:office:office" xmlns:dgm="http://schemas.openxmlformats.org/drawingml/2006/diagram" xmlns:c="http://schemas.openxmlformats.org/drawingml/2006/chart" xmlns:mv="urn:schemas-microsoft-com:mac:vml" xmlns="">
+    <mc:Fallback xmlns="" xmlns:mv="urn:schemas-microsoft-com:mac:vml" xmlns:c="http://schemas.openxmlformats.org/drawingml/2006/chart" xmlns:dgm="http://schemas.openxmlformats.org/drawingml/2006/diagram" xmlns:o="urn:schemas-microsoft-com:office:office" xmlns:v="urn:schemas-microsoft-com:vml" xmlns:pvml="urn:schemas-microsoft-com:office:powerpoint" xmlns:com="http://schemas.openxmlformats.org/drawingml/2006/compatibility" xmlns:p15="http://schemas.microsoft.com/office/powerpoint/2012/main" xmlns:ahyp="http://schemas.microsoft.com/office/drawing/2018/hyperlinkcolor">
       <p:transition spd="slow">
         <p:fade/>
       </p:transition>
     </mc:Fallback>
   </mc:AlternateContent>
+  <p:timing>
+    <p:tnLst>
+      <p:par>
+        <p:cTn id="1" dur="indefinite" restart="never" nodeType="tmRoot"/>
+      </p:par>
+    </p:tnLst>
+  </p:timing>
 </p:sld>
 </file>
 
@@ -21207,7 +21910,7 @@
         <p:fade/>
       </p:transition>
     </mc:Choice>
-    <mc:Fallback xmlns:ahyp="http://schemas.microsoft.com/office/drawing/2018/hyperlinkcolor" xmlns:p15="http://schemas.microsoft.com/office/powerpoint/2012/main" xmlns:com="http://schemas.openxmlformats.org/drawingml/2006/compatibility" xmlns:pvml="urn:schemas-microsoft-com:office:powerpoint" xmlns:v="urn:schemas-microsoft-com:vml" xmlns:o="urn:schemas-microsoft-com:office:office" xmlns:dgm="http://schemas.openxmlformats.org/drawingml/2006/diagram" xmlns:c="http://schemas.openxmlformats.org/drawingml/2006/chart" xmlns:mv="urn:schemas-microsoft-com:mac:vml" xmlns="">
+    <mc:Fallback xmlns="" xmlns:mv="urn:schemas-microsoft-com:mac:vml" xmlns:c="http://schemas.openxmlformats.org/drawingml/2006/chart" xmlns:dgm="http://schemas.openxmlformats.org/drawingml/2006/diagram" xmlns:o="urn:schemas-microsoft-com:office:office" xmlns:v="urn:schemas-microsoft-com:vml" xmlns:pvml="urn:schemas-microsoft-com:office:powerpoint" xmlns:com="http://schemas.openxmlformats.org/drawingml/2006/compatibility" xmlns:p15="http://schemas.microsoft.com/office/powerpoint/2012/main" xmlns:ahyp="http://schemas.microsoft.com/office/drawing/2018/hyperlinkcolor">
       <p:transition spd="slow">
         <p:fade/>
       </p:transition>
@@ -22289,7 +22992,7 @@
         <p:fade/>
       </p:transition>
     </mc:Choice>
-    <mc:Fallback xmlns:ahyp="http://schemas.microsoft.com/office/drawing/2018/hyperlinkcolor" xmlns:p15="http://schemas.microsoft.com/office/powerpoint/2012/main" xmlns:com="http://schemas.openxmlformats.org/drawingml/2006/compatibility" xmlns:pvml="urn:schemas-microsoft-com:office:powerpoint" xmlns:v="urn:schemas-microsoft-com:vml" xmlns:o="urn:schemas-microsoft-com:office:office" xmlns:dgm="http://schemas.openxmlformats.org/drawingml/2006/diagram" xmlns:c="http://schemas.openxmlformats.org/drawingml/2006/chart" xmlns:mv="urn:schemas-microsoft-com:mac:vml" xmlns="">
+    <mc:Fallback xmlns="" xmlns:mv="urn:schemas-microsoft-com:mac:vml" xmlns:c="http://schemas.openxmlformats.org/drawingml/2006/chart" xmlns:dgm="http://schemas.openxmlformats.org/drawingml/2006/diagram" xmlns:o="urn:schemas-microsoft-com:office:office" xmlns:v="urn:schemas-microsoft-com:vml" xmlns:pvml="urn:schemas-microsoft-com:office:powerpoint" xmlns:com="http://schemas.openxmlformats.org/drawingml/2006/compatibility" xmlns:p15="http://schemas.microsoft.com/office/powerpoint/2012/main" xmlns:ahyp="http://schemas.microsoft.com/office/drawing/2018/hyperlinkcolor">
       <p:transition spd="slow">
         <p:fade/>
       </p:transition>
@@ -22560,7 +23263,7 @@
         <p:fade/>
       </p:transition>
     </mc:Choice>
-    <mc:Fallback xmlns:ahyp="http://schemas.microsoft.com/office/drawing/2018/hyperlinkcolor" xmlns:p15="http://schemas.microsoft.com/office/powerpoint/2012/main" xmlns:com="http://schemas.openxmlformats.org/drawingml/2006/compatibility" xmlns:pvml="urn:schemas-microsoft-com:office:powerpoint" xmlns:v="urn:schemas-microsoft-com:vml" xmlns:o="urn:schemas-microsoft-com:office:office" xmlns:dgm="http://schemas.openxmlformats.org/drawingml/2006/diagram" xmlns:c="http://schemas.openxmlformats.org/drawingml/2006/chart" xmlns:mv="urn:schemas-microsoft-com:mac:vml" xmlns="">
+    <mc:Fallback xmlns="" xmlns:mv="urn:schemas-microsoft-com:mac:vml" xmlns:c="http://schemas.openxmlformats.org/drawingml/2006/chart" xmlns:dgm="http://schemas.openxmlformats.org/drawingml/2006/diagram" xmlns:o="urn:schemas-microsoft-com:office:office" xmlns:v="urn:schemas-microsoft-com:vml" xmlns:pvml="urn:schemas-microsoft-com:office:powerpoint" xmlns:com="http://schemas.openxmlformats.org/drawingml/2006/compatibility" xmlns:p15="http://schemas.microsoft.com/office/powerpoint/2012/main" xmlns:ahyp="http://schemas.microsoft.com/office/drawing/2018/hyperlinkcolor">
       <p:transition spd="slow">
         <p:fade/>
       </p:transition>
@@ -23306,15 +24009,7 @@
             <a:pPr algn="ctr"/>
             <a:r>
               <a:rPr lang="en-GB" sz="700" dirty="0" smtClean="0"/>
-              <a:t>The payload for this Microservice is the information required for the POST and GET requests.  This will be the filename for GET, and the Filename and </a:t>
-            </a:r>
-            <a:r>
-              <a:rPr lang="en-GB" sz="700" dirty="0" err="1" smtClean="0"/>
-              <a:t>Employee_ID</a:t>
-            </a:r>
-            <a:r>
-              <a:rPr lang="en-GB" sz="700" dirty="0" smtClean="0"/>
-              <a:t>  for POST.</a:t>
+              <a:t>The payload for this Microservice is the information required for the POST and GET requests.  This will be the filename for GET, and the Filename and Employee_ID  for POST.</a:t>
             </a:r>
             <a:endParaRPr lang="en-GB" sz="700" dirty="0"/>
           </a:p>
@@ -23396,11 +24091,7 @@
           <a:p>
             <a:r>
               <a:rPr lang="en-GB" sz="1200" dirty="0" smtClean="0"/>
-              <a:t>S3: Simple Storage Service.  Cost effective permanent object storage.  Accessible by other AWS Services based on permissions and role assignments</a:t>
-            </a:r>
-            <a:r>
-              <a:rPr lang="en-GB" sz="1200" dirty="0" smtClean="0"/>
-              <a:t>.</a:t>
+              <a:t>S3: Simple Storage Service.  Cost effective permanent object storage.  Accessible by other AWS Services based on permissions and role assignments.</a:t>
             </a:r>
           </a:p>
           <a:p>
@@ -24187,7 +24878,7 @@
         <p:fade/>
       </p:transition>
     </mc:Choice>
-    <mc:Fallback xmlns:ahyp="http://schemas.microsoft.com/office/drawing/2018/hyperlinkcolor" xmlns:p15="http://schemas.microsoft.com/office/powerpoint/2012/main" xmlns:com="http://schemas.openxmlformats.org/drawingml/2006/compatibility" xmlns:pvml="urn:schemas-microsoft-com:office:powerpoint" xmlns:v="urn:schemas-microsoft-com:vml" xmlns:o="urn:schemas-microsoft-com:office:office" xmlns:dgm="http://schemas.openxmlformats.org/drawingml/2006/diagram" xmlns:c="http://schemas.openxmlformats.org/drawingml/2006/chart" xmlns:mv="urn:schemas-microsoft-com:mac:vml" xmlns="">
+    <mc:Fallback xmlns="" xmlns:mv="urn:schemas-microsoft-com:mac:vml" xmlns:c="http://schemas.openxmlformats.org/drawingml/2006/chart" xmlns:dgm="http://schemas.openxmlformats.org/drawingml/2006/diagram" xmlns:o="urn:schemas-microsoft-com:office:office" xmlns:v="urn:schemas-microsoft-com:vml" xmlns:pvml="urn:schemas-microsoft-com:office:powerpoint" xmlns:com="http://schemas.openxmlformats.org/drawingml/2006/compatibility" xmlns:p15="http://schemas.microsoft.com/office/powerpoint/2012/main" xmlns:ahyp="http://schemas.microsoft.com/office/drawing/2018/hyperlinkcolor">
       <p:transition spd="slow">
         <p:fade/>
       </p:transition>
